--- a/images/theory_analysis/Linux_LVS_IPVS/Linux_LVS_IPVS.pptx
+++ b/images/theory_analysis/Linux_LVS_IPVS/Linux_LVS_IPVS.pptx
@@ -214,7 +214,7 @@
           <a:p>
             <a:fld id="{6CD5550B-26C4-49A9-A5BA-636EF7BE6CE9}" type="datetimeFigureOut">
               <a:rPr lang="ko-KR" altLang="en-US" smtClean="0"/>
-              <a:t>2019-01-23</a:t>
+              <a:t>2019-01-24</a:t>
             </a:fld>
             <a:endParaRPr lang="ko-KR" altLang="en-US"/>
           </a:p>
@@ -828,7 +828,7 @@
           <a:p>
             <a:fld id="{FB30EDBD-1C2D-4C1E-B459-B60219FAB484}" type="datetimeFigureOut">
               <a:rPr lang="ko-KR" altLang="en-US" smtClean="0"/>
-              <a:t>2019-01-23</a:t>
+              <a:t>2019-01-24</a:t>
             </a:fld>
             <a:endParaRPr lang="ko-KR" altLang="en-US"/>
           </a:p>
@@ -991,7 +991,7 @@
           <a:p>
             <a:fld id="{FB30EDBD-1C2D-4C1E-B459-B60219FAB484}" type="datetimeFigureOut">
               <a:rPr lang="ko-KR" altLang="en-US" smtClean="0"/>
-              <a:t>2019-01-23</a:t>
+              <a:t>2019-01-24</a:t>
             </a:fld>
             <a:endParaRPr lang="ko-KR" altLang="en-US"/>
           </a:p>
@@ -1164,7 +1164,7 @@
           <a:p>
             <a:fld id="{FB30EDBD-1C2D-4C1E-B459-B60219FAB484}" type="datetimeFigureOut">
               <a:rPr lang="ko-KR" altLang="en-US" smtClean="0"/>
-              <a:t>2019-01-23</a:t>
+              <a:t>2019-01-24</a:t>
             </a:fld>
             <a:endParaRPr lang="ko-KR" altLang="en-US"/>
           </a:p>
@@ -1327,7 +1327,7 @@
           <a:p>
             <a:fld id="{FB30EDBD-1C2D-4C1E-B459-B60219FAB484}" type="datetimeFigureOut">
               <a:rPr lang="ko-KR" altLang="en-US" smtClean="0"/>
-              <a:t>2019-01-23</a:t>
+              <a:t>2019-01-24</a:t>
             </a:fld>
             <a:endParaRPr lang="ko-KR" altLang="en-US"/>
           </a:p>
@@ -1567,7 +1567,7 @@
           <a:p>
             <a:fld id="{FB30EDBD-1C2D-4C1E-B459-B60219FAB484}" type="datetimeFigureOut">
               <a:rPr lang="ko-KR" altLang="en-US" smtClean="0"/>
-              <a:t>2019-01-23</a:t>
+              <a:t>2019-01-24</a:t>
             </a:fld>
             <a:endParaRPr lang="ko-KR" altLang="en-US"/>
           </a:p>
@@ -1847,7 +1847,7 @@
           <a:p>
             <a:fld id="{FB30EDBD-1C2D-4C1E-B459-B60219FAB484}" type="datetimeFigureOut">
               <a:rPr lang="ko-KR" altLang="en-US" smtClean="0"/>
-              <a:t>2019-01-23</a:t>
+              <a:t>2019-01-24</a:t>
             </a:fld>
             <a:endParaRPr lang="ko-KR" altLang="en-US"/>
           </a:p>
@@ -2261,7 +2261,7 @@
           <a:p>
             <a:fld id="{FB30EDBD-1C2D-4C1E-B459-B60219FAB484}" type="datetimeFigureOut">
               <a:rPr lang="ko-KR" altLang="en-US" smtClean="0"/>
-              <a:t>2019-01-23</a:t>
+              <a:t>2019-01-24</a:t>
             </a:fld>
             <a:endParaRPr lang="ko-KR" altLang="en-US"/>
           </a:p>
@@ -2373,7 +2373,7 @@
           <a:p>
             <a:fld id="{FB30EDBD-1C2D-4C1E-B459-B60219FAB484}" type="datetimeFigureOut">
               <a:rPr lang="ko-KR" altLang="en-US" smtClean="0"/>
-              <a:t>2019-01-23</a:t>
+              <a:t>2019-01-24</a:t>
             </a:fld>
             <a:endParaRPr lang="ko-KR" altLang="en-US"/>
           </a:p>
@@ -2463,7 +2463,7 @@
           <a:p>
             <a:fld id="{FB30EDBD-1C2D-4C1E-B459-B60219FAB484}" type="datetimeFigureOut">
               <a:rPr lang="ko-KR" altLang="en-US" smtClean="0"/>
-              <a:t>2019-01-23</a:t>
+              <a:t>2019-01-24</a:t>
             </a:fld>
             <a:endParaRPr lang="ko-KR" altLang="en-US"/>
           </a:p>
@@ -2733,7 +2733,7 @@
           <a:p>
             <a:fld id="{FB30EDBD-1C2D-4C1E-B459-B60219FAB484}" type="datetimeFigureOut">
               <a:rPr lang="ko-KR" altLang="en-US" smtClean="0"/>
-              <a:t>2019-01-23</a:t>
+              <a:t>2019-01-24</a:t>
             </a:fld>
             <a:endParaRPr lang="ko-KR" altLang="en-US"/>
           </a:p>
@@ -2980,7 +2980,7 @@
           <a:p>
             <a:fld id="{FB30EDBD-1C2D-4C1E-B459-B60219FAB484}" type="datetimeFigureOut">
               <a:rPr lang="ko-KR" altLang="en-US" smtClean="0"/>
-              <a:t>2019-01-23</a:t>
+              <a:t>2019-01-24</a:t>
             </a:fld>
             <a:endParaRPr lang="ko-KR" altLang="en-US"/>
           </a:p>
@@ -3186,7 +3186,7 @@
           <a:p>
             <a:fld id="{FB30EDBD-1C2D-4C1E-B459-B60219FAB484}" type="datetimeFigureOut">
               <a:rPr lang="ko-KR" altLang="en-US" smtClean="0"/>
-              <a:t>2019-01-23</a:t>
+              <a:t>2019-01-24</a:t>
             </a:fld>
             <a:endParaRPr lang="ko-KR" altLang="en-US"/>
           </a:p>
@@ -3653,8 +3653,8 @@
         </p:nvSpPr>
         <p:spPr>
           <a:xfrm>
-            <a:off x="1331640" y="3609255"/>
-            <a:ext cx="1029070" cy="432048"/>
+            <a:off x="1023985" y="3609255"/>
+            <a:ext cx="1644380" cy="432048"/>
           </a:xfrm>
           <a:prstGeom prst="roundRect">
             <a:avLst/>
@@ -3681,7 +3681,7 @@
             <a:pPr algn="ctr"/>
             <a:r>
               <a:rPr lang="en-US" altLang="ko-KR" sz="1600"/>
-              <a:t>Server A</a:t>
+              <a:t>Real Server A</a:t>
             </a:r>
             <a:endParaRPr lang="ko-KR" altLang="en-US" sz="1600"/>
           </a:p>
@@ -3701,8 +3701,8 @@
         </p:nvSpPr>
         <p:spPr>
           <a:xfrm>
-            <a:off x="4232918" y="3609255"/>
-            <a:ext cx="1029070" cy="432048"/>
+            <a:off x="3925263" y="3609255"/>
+            <a:ext cx="1644380" cy="432048"/>
           </a:xfrm>
           <a:prstGeom prst="roundRect">
             <a:avLst/>
@@ -3729,7 +3729,7 @@
             <a:pPr algn="ctr"/>
             <a:r>
               <a:rPr lang="en-US" altLang="ko-KR" sz="1600"/>
-              <a:t>Server B</a:t>
+              <a:t>Real Server B</a:t>
             </a:r>
             <a:endParaRPr lang="ko-KR" altLang="en-US" sz="1600"/>
           </a:p>
@@ -4017,8 +4017,8 @@
         </p:nvCxnSpPr>
         <p:spPr>
           <a:xfrm flipV="1">
-            <a:off x="4747453" y="3219822"/>
-            <a:ext cx="0" cy="389433"/>
+            <a:off x="4747453" y="3219823"/>
+            <a:ext cx="0" cy="389432"/>
           </a:xfrm>
           <a:prstGeom prst="line">
             <a:avLst/>

--- a/images/theory_analysis/Linux_LVS_IPVS/Linux_LVS_IPVS.pptx
+++ b/images/theory_analysis/Linux_LVS_IPVS/Linux_LVS_IPVS.pptx
@@ -214,7 +214,7 @@
           <a:p>
             <a:fld id="{6CD5550B-26C4-49A9-A5BA-636EF7BE6CE9}" type="datetimeFigureOut">
               <a:rPr lang="ko-KR" altLang="en-US" smtClean="0"/>
-              <a:t>2019-01-24</a:t>
+              <a:t>2019-01-25</a:t>
             </a:fld>
             <a:endParaRPr lang="ko-KR" altLang="en-US"/>
           </a:p>
@@ -828,7 +828,7 @@
           <a:p>
             <a:fld id="{FB30EDBD-1C2D-4C1E-B459-B60219FAB484}" type="datetimeFigureOut">
               <a:rPr lang="ko-KR" altLang="en-US" smtClean="0"/>
-              <a:t>2019-01-24</a:t>
+              <a:t>2019-01-25</a:t>
             </a:fld>
             <a:endParaRPr lang="ko-KR" altLang="en-US"/>
           </a:p>
@@ -991,7 +991,7 @@
           <a:p>
             <a:fld id="{FB30EDBD-1C2D-4C1E-B459-B60219FAB484}" type="datetimeFigureOut">
               <a:rPr lang="ko-KR" altLang="en-US" smtClean="0"/>
-              <a:t>2019-01-24</a:t>
+              <a:t>2019-01-25</a:t>
             </a:fld>
             <a:endParaRPr lang="ko-KR" altLang="en-US"/>
           </a:p>
@@ -1164,7 +1164,7 @@
           <a:p>
             <a:fld id="{FB30EDBD-1C2D-4C1E-B459-B60219FAB484}" type="datetimeFigureOut">
               <a:rPr lang="ko-KR" altLang="en-US" smtClean="0"/>
-              <a:t>2019-01-24</a:t>
+              <a:t>2019-01-25</a:t>
             </a:fld>
             <a:endParaRPr lang="ko-KR" altLang="en-US"/>
           </a:p>
@@ -1327,7 +1327,7 @@
           <a:p>
             <a:fld id="{FB30EDBD-1C2D-4C1E-B459-B60219FAB484}" type="datetimeFigureOut">
               <a:rPr lang="ko-KR" altLang="en-US" smtClean="0"/>
-              <a:t>2019-01-24</a:t>
+              <a:t>2019-01-25</a:t>
             </a:fld>
             <a:endParaRPr lang="ko-KR" altLang="en-US"/>
           </a:p>
@@ -1567,7 +1567,7 @@
           <a:p>
             <a:fld id="{FB30EDBD-1C2D-4C1E-B459-B60219FAB484}" type="datetimeFigureOut">
               <a:rPr lang="ko-KR" altLang="en-US" smtClean="0"/>
-              <a:t>2019-01-24</a:t>
+              <a:t>2019-01-25</a:t>
             </a:fld>
             <a:endParaRPr lang="ko-KR" altLang="en-US"/>
           </a:p>
@@ -1847,7 +1847,7 @@
           <a:p>
             <a:fld id="{FB30EDBD-1C2D-4C1E-B459-B60219FAB484}" type="datetimeFigureOut">
               <a:rPr lang="ko-KR" altLang="en-US" smtClean="0"/>
-              <a:t>2019-01-24</a:t>
+              <a:t>2019-01-25</a:t>
             </a:fld>
             <a:endParaRPr lang="ko-KR" altLang="en-US"/>
           </a:p>
@@ -2261,7 +2261,7 @@
           <a:p>
             <a:fld id="{FB30EDBD-1C2D-4C1E-B459-B60219FAB484}" type="datetimeFigureOut">
               <a:rPr lang="ko-KR" altLang="en-US" smtClean="0"/>
-              <a:t>2019-01-24</a:t>
+              <a:t>2019-01-25</a:t>
             </a:fld>
             <a:endParaRPr lang="ko-KR" altLang="en-US"/>
           </a:p>
@@ -2373,7 +2373,7 @@
           <a:p>
             <a:fld id="{FB30EDBD-1C2D-4C1E-B459-B60219FAB484}" type="datetimeFigureOut">
               <a:rPr lang="ko-KR" altLang="en-US" smtClean="0"/>
-              <a:t>2019-01-24</a:t>
+              <a:t>2019-01-25</a:t>
             </a:fld>
             <a:endParaRPr lang="ko-KR" altLang="en-US"/>
           </a:p>
@@ -2463,7 +2463,7 @@
           <a:p>
             <a:fld id="{FB30EDBD-1C2D-4C1E-B459-B60219FAB484}" type="datetimeFigureOut">
               <a:rPr lang="ko-KR" altLang="en-US" smtClean="0"/>
-              <a:t>2019-01-24</a:t>
+              <a:t>2019-01-25</a:t>
             </a:fld>
             <a:endParaRPr lang="ko-KR" altLang="en-US"/>
           </a:p>
@@ -2733,7 +2733,7 @@
           <a:p>
             <a:fld id="{FB30EDBD-1C2D-4C1E-B459-B60219FAB484}" type="datetimeFigureOut">
               <a:rPr lang="ko-KR" altLang="en-US" smtClean="0"/>
-              <a:t>2019-01-24</a:t>
+              <a:t>2019-01-25</a:t>
             </a:fld>
             <a:endParaRPr lang="ko-KR" altLang="en-US"/>
           </a:p>
@@ -2980,7 +2980,7 @@
           <a:p>
             <a:fld id="{FB30EDBD-1C2D-4C1E-B459-B60219FAB484}" type="datetimeFigureOut">
               <a:rPr lang="ko-KR" altLang="en-US" smtClean="0"/>
-              <a:t>2019-01-24</a:t>
+              <a:t>2019-01-25</a:t>
             </a:fld>
             <a:endParaRPr lang="ko-KR" altLang="en-US"/>
           </a:p>
@@ -3186,7 +3186,7 @@
           <a:p>
             <a:fld id="{FB30EDBD-1C2D-4C1E-B459-B60219FAB484}" type="datetimeFigureOut">
               <a:rPr lang="ko-KR" altLang="en-US" smtClean="0"/>
-              <a:t>2019-01-24</a:t>
+              <a:t>2019-01-25</a:t>
             </a:fld>
             <a:endParaRPr lang="ko-KR" altLang="en-US"/>
           </a:p>
@@ -4324,7 +4324,7 @@
         </p:nvSpPr>
         <p:spPr>
           <a:xfrm>
-            <a:off x="565354" y="24473"/>
+            <a:off x="565354" y="-164554"/>
             <a:ext cx="8229600" cy="857250"/>
           </a:xfrm>
         </p:spPr>
@@ -4340,6 +4340,2129 @@
           </a:p>
         </p:txBody>
       </p:sp>
+      <p:sp>
+        <p:nvSpPr>
+          <p:cNvPr id="18" name="사각형: 둥근 모서리 17">
+            <a:extLst>
+              <a:ext uri="{FF2B5EF4-FFF2-40B4-BE49-F238E27FC236}">
+                <a16:creationId xmlns:a16="http://schemas.microsoft.com/office/drawing/2014/main" id="{44DEB3D6-C204-45B1-A535-44968AAEEE7B}"/>
+              </a:ext>
+            </a:extLst>
+          </p:cNvPr>
+          <p:cNvSpPr/>
+          <p:nvPr/>
+        </p:nvSpPr>
+        <p:spPr>
+          <a:xfrm>
+            <a:off x="683568" y="1590347"/>
+            <a:ext cx="1512168" cy="359471"/>
+          </a:xfrm>
+          <a:prstGeom prst="roundRect">
+            <a:avLst/>
+          </a:prstGeom>
+        </p:spPr>
+        <p:style>
+          <a:lnRef idx="2">
+            <a:schemeClr val="dk1"/>
+          </a:lnRef>
+          <a:fillRef idx="1">
+            <a:schemeClr val="lt1"/>
+          </a:fillRef>
+          <a:effectRef idx="0">
+            <a:schemeClr val="dk1"/>
+          </a:effectRef>
+          <a:fontRef idx="minor">
+            <a:schemeClr val="dk1"/>
+          </a:fontRef>
+        </p:style>
+        <p:txBody>
+          <a:bodyPr rtlCol="0" anchor="ctr"/>
+          <a:lstStyle/>
+          <a:p>
+            <a:pPr algn="ctr"/>
+            <a:r>
+              <a:rPr lang="en-US" altLang="ko-KR" sz="1400"/>
+              <a:t>PREROUTING</a:t>
+            </a:r>
+            <a:endParaRPr lang="ko-KR" altLang="en-US" sz="1400"/>
+          </a:p>
+        </p:txBody>
+      </p:sp>
+      <p:sp>
+        <p:nvSpPr>
+          <p:cNvPr id="19" name="사각형: 둥근 모서리 18">
+            <a:extLst>
+              <a:ext uri="{FF2B5EF4-FFF2-40B4-BE49-F238E27FC236}">
+                <a16:creationId xmlns:a16="http://schemas.microsoft.com/office/drawing/2014/main" id="{21846636-8B71-4921-B415-CD35760A4119}"/>
+              </a:ext>
+            </a:extLst>
+          </p:cNvPr>
+          <p:cNvSpPr/>
+          <p:nvPr/>
+        </p:nvSpPr>
+        <p:spPr>
+          <a:xfrm>
+            <a:off x="3882256" y="1590347"/>
+            <a:ext cx="1512168" cy="359471"/>
+          </a:xfrm>
+          <a:prstGeom prst="roundRect">
+            <a:avLst/>
+          </a:prstGeom>
+        </p:spPr>
+        <p:style>
+          <a:lnRef idx="2">
+            <a:schemeClr val="dk1"/>
+          </a:lnRef>
+          <a:fillRef idx="1">
+            <a:schemeClr val="lt1"/>
+          </a:fillRef>
+          <a:effectRef idx="0">
+            <a:schemeClr val="dk1"/>
+          </a:effectRef>
+          <a:fontRef idx="minor">
+            <a:schemeClr val="dk1"/>
+          </a:fontRef>
+        </p:style>
+        <p:txBody>
+          <a:bodyPr rtlCol="0" anchor="ctr"/>
+          <a:lstStyle/>
+          <a:p>
+            <a:pPr algn="ctr"/>
+            <a:r>
+              <a:rPr lang="en-US" altLang="ko-KR" sz="1400"/>
+              <a:t>FORWARD</a:t>
+            </a:r>
+            <a:endParaRPr lang="ko-KR" altLang="en-US" sz="1400"/>
+          </a:p>
+        </p:txBody>
+      </p:sp>
+      <p:sp>
+        <p:nvSpPr>
+          <p:cNvPr id="20" name="사각형: 둥근 모서리 19">
+            <a:extLst>
+              <a:ext uri="{FF2B5EF4-FFF2-40B4-BE49-F238E27FC236}">
+                <a16:creationId xmlns:a16="http://schemas.microsoft.com/office/drawing/2014/main" id="{E33E320F-C8B8-461B-8BE6-693A9025B7E3}"/>
+              </a:ext>
+            </a:extLst>
+          </p:cNvPr>
+          <p:cNvSpPr/>
+          <p:nvPr/>
+        </p:nvSpPr>
+        <p:spPr>
+          <a:xfrm>
+            <a:off x="6948264" y="1590347"/>
+            <a:ext cx="1512168" cy="359471"/>
+          </a:xfrm>
+          <a:prstGeom prst="roundRect">
+            <a:avLst/>
+          </a:prstGeom>
+        </p:spPr>
+        <p:style>
+          <a:lnRef idx="2">
+            <a:schemeClr val="dk1"/>
+          </a:lnRef>
+          <a:fillRef idx="1">
+            <a:schemeClr val="lt1"/>
+          </a:fillRef>
+          <a:effectRef idx="0">
+            <a:schemeClr val="dk1"/>
+          </a:effectRef>
+          <a:fontRef idx="minor">
+            <a:schemeClr val="dk1"/>
+          </a:fontRef>
+        </p:style>
+        <p:txBody>
+          <a:bodyPr rtlCol="0" anchor="ctr"/>
+          <a:lstStyle/>
+          <a:p>
+            <a:pPr algn="ctr"/>
+            <a:r>
+              <a:rPr lang="en-US" altLang="ko-KR" sz="1400"/>
+              <a:t>POSTROUTING</a:t>
+            </a:r>
+            <a:endParaRPr lang="ko-KR" altLang="en-US" sz="1400"/>
+          </a:p>
+        </p:txBody>
+      </p:sp>
+      <p:sp>
+        <p:nvSpPr>
+          <p:cNvPr id="21" name="사각형: 둥근 모서리 20">
+            <a:extLst>
+              <a:ext uri="{FF2B5EF4-FFF2-40B4-BE49-F238E27FC236}">
+                <a16:creationId xmlns:a16="http://schemas.microsoft.com/office/drawing/2014/main" id="{A2E95890-A182-465A-8D2E-2A91B4F41162}"/>
+              </a:ext>
+            </a:extLst>
+          </p:cNvPr>
+          <p:cNvSpPr/>
+          <p:nvPr/>
+        </p:nvSpPr>
+        <p:spPr>
+          <a:xfrm>
+            <a:off x="2282912" y="2689543"/>
+            <a:ext cx="1512168" cy="359471"/>
+          </a:xfrm>
+          <a:prstGeom prst="roundRect">
+            <a:avLst/>
+          </a:prstGeom>
+        </p:spPr>
+        <p:style>
+          <a:lnRef idx="2">
+            <a:schemeClr val="dk1"/>
+          </a:lnRef>
+          <a:fillRef idx="1">
+            <a:schemeClr val="lt1"/>
+          </a:fillRef>
+          <a:effectRef idx="0">
+            <a:schemeClr val="dk1"/>
+          </a:effectRef>
+          <a:fontRef idx="minor">
+            <a:schemeClr val="dk1"/>
+          </a:fontRef>
+        </p:style>
+        <p:txBody>
+          <a:bodyPr rtlCol="0" anchor="ctr"/>
+          <a:lstStyle/>
+          <a:p>
+            <a:pPr algn="ctr"/>
+            <a:r>
+              <a:rPr lang="en-US" altLang="ko-KR" sz="1400"/>
+              <a:t>LOCAL_IN</a:t>
+            </a:r>
+            <a:endParaRPr lang="ko-KR" altLang="en-US" sz="1400"/>
+          </a:p>
+        </p:txBody>
+      </p:sp>
+      <p:sp>
+        <p:nvSpPr>
+          <p:cNvPr id="22" name="사각형: 둥근 모서리 21">
+            <a:extLst>
+              <a:ext uri="{FF2B5EF4-FFF2-40B4-BE49-F238E27FC236}">
+                <a16:creationId xmlns:a16="http://schemas.microsoft.com/office/drawing/2014/main" id="{99948D58-FB56-4797-9C91-C102006D5C43}"/>
+              </a:ext>
+            </a:extLst>
+          </p:cNvPr>
+          <p:cNvSpPr/>
+          <p:nvPr/>
+        </p:nvSpPr>
+        <p:spPr>
+          <a:xfrm>
+            <a:off x="5415260" y="2689543"/>
+            <a:ext cx="1512168" cy="359471"/>
+          </a:xfrm>
+          <a:prstGeom prst="roundRect">
+            <a:avLst/>
+          </a:prstGeom>
+        </p:spPr>
+        <p:style>
+          <a:lnRef idx="2">
+            <a:schemeClr val="dk1"/>
+          </a:lnRef>
+          <a:fillRef idx="1">
+            <a:schemeClr val="lt1"/>
+          </a:fillRef>
+          <a:effectRef idx="0">
+            <a:schemeClr val="dk1"/>
+          </a:effectRef>
+          <a:fontRef idx="minor">
+            <a:schemeClr val="dk1"/>
+          </a:fontRef>
+        </p:style>
+        <p:txBody>
+          <a:bodyPr rtlCol="0" anchor="ctr"/>
+          <a:lstStyle/>
+          <a:p>
+            <a:pPr algn="ctr"/>
+            <a:r>
+              <a:rPr lang="en-US" altLang="ko-KR" sz="1400"/>
+              <a:t>LOCAL_OUT</a:t>
+            </a:r>
+            <a:endParaRPr lang="ko-KR" altLang="en-US" sz="1400"/>
+          </a:p>
+        </p:txBody>
+      </p:sp>
+      <p:cxnSp>
+        <p:nvCxnSpPr>
+          <p:cNvPr id="25" name="직선 화살표 연결선 24">
+            <a:extLst>
+              <a:ext uri="{FF2B5EF4-FFF2-40B4-BE49-F238E27FC236}">
+                <a16:creationId xmlns:a16="http://schemas.microsoft.com/office/drawing/2014/main" id="{D574FCB6-C968-4A87-8880-4668558EC203}"/>
+              </a:ext>
+            </a:extLst>
+          </p:cNvPr>
+          <p:cNvCxnSpPr>
+            <a:cxnSpLocks/>
+            <a:stCxn id="18" idx="3"/>
+            <a:endCxn id="34" idx="1"/>
+          </p:cNvCxnSpPr>
+          <p:nvPr/>
+        </p:nvCxnSpPr>
+        <p:spPr>
+          <a:xfrm>
+            <a:off x="2195736" y="1770083"/>
+            <a:ext cx="246360" cy="0"/>
+          </a:xfrm>
+          <a:prstGeom prst="straightConnector1">
+            <a:avLst/>
+          </a:prstGeom>
+          <a:ln w="28575">
+            <a:solidFill>
+              <a:schemeClr val="tx1"/>
+            </a:solidFill>
+            <a:headEnd type="none" w="med" len="med"/>
+            <a:tailEnd type="arrow" w="med" len="med"/>
+          </a:ln>
+        </p:spPr>
+        <p:style>
+          <a:lnRef idx="1">
+            <a:schemeClr val="accent1"/>
+          </a:lnRef>
+          <a:fillRef idx="0">
+            <a:schemeClr val="accent1"/>
+          </a:fillRef>
+          <a:effectRef idx="0">
+            <a:schemeClr val="accent1"/>
+          </a:effectRef>
+          <a:fontRef idx="minor">
+            <a:schemeClr val="tx1"/>
+          </a:fontRef>
+        </p:style>
+      </p:cxnSp>
+      <p:sp>
+        <p:nvSpPr>
+          <p:cNvPr id="34" name="TextBox 33">
+            <a:extLst>
+              <a:ext uri="{FF2B5EF4-FFF2-40B4-BE49-F238E27FC236}">
+                <a16:creationId xmlns:a16="http://schemas.microsoft.com/office/drawing/2014/main" id="{18491C88-68BC-4F46-B196-F6AE45315B5C}"/>
+              </a:ext>
+            </a:extLst>
+          </p:cNvPr>
+          <p:cNvSpPr txBox="1"/>
+          <p:nvPr/>
+        </p:nvSpPr>
+        <p:spPr>
+          <a:xfrm>
+            <a:off x="2442096" y="1508473"/>
+            <a:ext cx="1193800" cy="523220"/>
+          </a:xfrm>
+          <a:prstGeom prst="rect">
+            <a:avLst/>
+          </a:prstGeom>
+          <a:noFill/>
+        </p:spPr>
+        <p:txBody>
+          <a:bodyPr wrap="square" rtlCol="0">
+            <a:spAutoFit/>
+          </a:bodyPr>
+          <a:lstStyle/>
+          <a:p>
+            <a:pPr algn="ctr"/>
+            <a:r>
+              <a:rPr lang="en-US" altLang="ko-KR" sz="1400"/>
+              <a:t>Route</a:t>
+            </a:r>
+          </a:p>
+          <a:p>
+            <a:pPr algn="ctr"/>
+            <a:r>
+              <a:rPr lang="en-US" altLang="ko-KR" sz="1400"/>
+              <a:t>(Forwarding)</a:t>
+            </a:r>
+            <a:endParaRPr lang="ko-KR" altLang="en-US" sz="1400"/>
+          </a:p>
+        </p:txBody>
+      </p:sp>
+      <p:cxnSp>
+        <p:nvCxnSpPr>
+          <p:cNvPr id="37" name="직선 화살표 연결선 36">
+            <a:extLst>
+              <a:ext uri="{FF2B5EF4-FFF2-40B4-BE49-F238E27FC236}">
+                <a16:creationId xmlns:a16="http://schemas.microsoft.com/office/drawing/2014/main" id="{9273729A-F5D3-42BD-9B40-34F5640369B4}"/>
+              </a:ext>
+            </a:extLst>
+          </p:cNvPr>
+          <p:cNvCxnSpPr>
+            <a:cxnSpLocks/>
+            <a:stCxn id="34" idx="3"/>
+            <a:endCxn id="19" idx="1"/>
+          </p:cNvCxnSpPr>
+          <p:nvPr/>
+        </p:nvCxnSpPr>
+        <p:spPr>
+          <a:xfrm>
+            <a:off x="3635896" y="1770083"/>
+            <a:ext cx="246360" cy="0"/>
+          </a:xfrm>
+          <a:prstGeom prst="straightConnector1">
+            <a:avLst/>
+          </a:prstGeom>
+          <a:ln w="28575">
+            <a:solidFill>
+              <a:schemeClr val="tx1"/>
+            </a:solidFill>
+            <a:headEnd type="none" w="med" len="med"/>
+            <a:tailEnd type="arrow" w="med" len="med"/>
+          </a:ln>
+        </p:spPr>
+        <p:style>
+          <a:lnRef idx="1">
+            <a:schemeClr val="accent1"/>
+          </a:lnRef>
+          <a:fillRef idx="0">
+            <a:schemeClr val="accent1"/>
+          </a:fillRef>
+          <a:effectRef idx="0">
+            <a:schemeClr val="accent1"/>
+          </a:effectRef>
+          <a:fontRef idx="minor">
+            <a:schemeClr val="tx1"/>
+          </a:fontRef>
+        </p:style>
+      </p:cxnSp>
+      <p:cxnSp>
+        <p:nvCxnSpPr>
+          <p:cNvPr id="41" name="직선 화살표 연결선 40">
+            <a:extLst>
+              <a:ext uri="{FF2B5EF4-FFF2-40B4-BE49-F238E27FC236}">
+                <a16:creationId xmlns:a16="http://schemas.microsoft.com/office/drawing/2014/main" id="{541048A9-A0FE-4B9D-879B-1C417EB39DF4}"/>
+              </a:ext>
+            </a:extLst>
+          </p:cNvPr>
+          <p:cNvCxnSpPr>
+            <a:cxnSpLocks/>
+            <a:stCxn id="34" idx="2"/>
+            <a:endCxn id="21" idx="0"/>
+          </p:cNvCxnSpPr>
+          <p:nvPr/>
+        </p:nvCxnSpPr>
+        <p:spPr>
+          <a:xfrm>
+            <a:off x="3038996" y="2031693"/>
+            <a:ext cx="0" cy="657850"/>
+          </a:xfrm>
+          <a:prstGeom prst="straightConnector1">
+            <a:avLst/>
+          </a:prstGeom>
+          <a:ln w="28575">
+            <a:solidFill>
+              <a:schemeClr val="tx1"/>
+            </a:solidFill>
+            <a:headEnd type="none" w="med" len="med"/>
+            <a:tailEnd type="arrow" w="med" len="med"/>
+          </a:ln>
+        </p:spPr>
+        <p:style>
+          <a:lnRef idx="1">
+            <a:schemeClr val="accent1"/>
+          </a:lnRef>
+          <a:fillRef idx="0">
+            <a:schemeClr val="accent1"/>
+          </a:fillRef>
+          <a:effectRef idx="0">
+            <a:schemeClr val="accent1"/>
+          </a:effectRef>
+          <a:fontRef idx="minor">
+            <a:schemeClr val="tx1"/>
+          </a:fontRef>
+        </p:style>
+      </p:cxnSp>
+      <p:sp>
+        <p:nvSpPr>
+          <p:cNvPr id="44" name="자유형: 도형 43">
+            <a:extLst>
+              <a:ext uri="{FF2B5EF4-FFF2-40B4-BE49-F238E27FC236}">
+                <a16:creationId xmlns:a16="http://schemas.microsoft.com/office/drawing/2014/main" id="{7EEABC25-1D1B-4E0A-89CA-34FA363CD155}"/>
+              </a:ext>
+            </a:extLst>
+          </p:cNvPr>
+          <p:cNvSpPr/>
+          <p:nvPr/>
+        </p:nvSpPr>
+        <p:spPr>
+          <a:xfrm>
+            <a:off x="467544" y="1382879"/>
+            <a:ext cx="216022" cy="387204"/>
+          </a:xfrm>
+          <a:custGeom>
+            <a:avLst/>
+            <a:gdLst>
+              <a:gd name="connsiteX0" fmla="*/ 0 w 431800"/>
+              <a:gd name="connsiteY0" fmla="*/ 0 h 397933"/>
+              <a:gd name="connsiteX1" fmla="*/ 0 w 431800"/>
+              <a:gd name="connsiteY1" fmla="*/ 397933 h 397933"/>
+              <a:gd name="connsiteX2" fmla="*/ 431800 w 431800"/>
+              <a:gd name="connsiteY2" fmla="*/ 397933 h 397933"/>
+            </a:gdLst>
+            <a:ahLst/>
+            <a:cxnLst>
+              <a:cxn ang="0">
+                <a:pos x="connsiteX0" y="connsiteY0"/>
+              </a:cxn>
+              <a:cxn ang="0">
+                <a:pos x="connsiteX1" y="connsiteY1"/>
+              </a:cxn>
+              <a:cxn ang="0">
+                <a:pos x="connsiteX2" y="connsiteY2"/>
+              </a:cxn>
+            </a:cxnLst>
+            <a:rect l="l" t="t" r="r" b="b"/>
+            <a:pathLst>
+              <a:path w="431800" h="397933">
+                <a:moveTo>
+                  <a:pt x="0" y="0"/>
+                </a:moveTo>
+                <a:lnTo>
+                  <a:pt x="0" y="397933"/>
+                </a:lnTo>
+                <a:lnTo>
+                  <a:pt x="431800" y="397933"/>
+                </a:lnTo>
+              </a:path>
+            </a:pathLst>
+          </a:custGeom>
+          <a:noFill/>
+          <a:ln>
+            <a:solidFill>
+              <a:schemeClr val="tx1"/>
+            </a:solidFill>
+            <a:headEnd type="none" w="med" len="med"/>
+            <a:tailEnd type="arrow" w="med" len="med"/>
+          </a:ln>
+        </p:spPr>
+        <p:style>
+          <a:lnRef idx="2">
+            <a:schemeClr val="accent1">
+              <a:shade val="50000"/>
+            </a:schemeClr>
+          </a:lnRef>
+          <a:fillRef idx="1">
+            <a:schemeClr val="accent1"/>
+          </a:fillRef>
+          <a:effectRef idx="0">
+            <a:schemeClr val="accent1"/>
+          </a:effectRef>
+          <a:fontRef idx="minor">
+            <a:schemeClr val="lt1"/>
+          </a:fontRef>
+        </p:style>
+        <p:txBody>
+          <a:bodyPr rtlCol="0" anchor="ctr"/>
+          <a:lstStyle/>
+          <a:p>
+            <a:pPr algn="ctr"/>
+            <a:endParaRPr lang="ko-KR" altLang="en-US"/>
+          </a:p>
+        </p:txBody>
+      </p:sp>
+      <p:sp>
+        <p:nvSpPr>
+          <p:cNvPr id="45" name="자유형: 도형 44">
+            <a:extLst>
+              <a:ext uri="{FF2B5EF4-FFF2-40B4-BE49-F238E27FC236}">
+                <a16:creationId xmlns:a16="http://schemas.microsoft.com/office/drawing/2014/main" id="{2E5B6662-542C-4587-BF80-F82FD313A1C2}"/>
+              </a:ext>
+            </a:extLst>
+          </p:cNvPr>
+          <p:cNvSpPr/>
+          <p:nvPr/>
+        </p:nvSpPr>
+        <p:spPr>
+          <a:xfrm flipH="1">
+            <a:off x="8460433" y="1384999"/>
+            <a:ext cx="216022" cy="385083"/>
+          </a:xfrm>
+          <a:custGeom>
+            <a:avLst/>
+            <a:gdLst>
+              <a:gd name="connsiteX0" fmla="*/ 0 w 431800"/>
+              <a:gd name="connsiteY0" fmla="*/ 0 h 397933"/>
+              <a:gd name="connsiteX1" fmla="*/ 0 w 431800"/>
+              <a:gd name="connsiteY1" fmla="*/ 397933 h 397933"/>
+              <a:gd name="connsiteX2" fmla="*/ 431800 w 431800"/>
+              <a:gd name="connsiteY2" fmla="*/ 397933 h 397933"/>
+            </a:gdLst>
+            <a:ahLst/>
+            <a:cxnLst>
+              <a:cxn ang="0">
+                <a:pos x="connsiteX0" y="connsiteY0"/>
+              </a:cxn>
+              <a:cxn ang="0">
+                <a:pos x="connsiteX1" y="connsiteY1"/>
+              </a:cxn>
+              <a:cxn ang="0">
+                <a:pos x="connsiteX2" y="connsiteY2"/>
+              </a:cxn>
+            </a:cxnLst>
+            <a:rect l="l" t="t" r="r" b="b"/>
+            <a:pathLst>
+              <a:path w="431800" h="397933">
+                <a:moveTo>
+                  <a:pt x="0" y="0"/>
+                </a:moveTo>
+                <a:lnTo>
+                  <a:pt x="0" y="397933"/>
+                </a:lnTo>
+                <a:lnTo>
+                  <a:pt x="431800" y="397933"/>
+                </a:lnTo>
+              </a:path>
+            </a:pathLst>
+          </a:custGeom>
+          <a:noFill/>
+          <a:ln>
+            <a:solidFill>
+              <a:schemeClr val="tx1"/>
+            </a:solidFill>
+            <a:headEnd type="arrow" w="med" len="med"/>
+            <a:tailEnd type="none" w="med" len="med"/>
+          </a:ln>
+        </p:spPr>
+        <p:style>
+          <a:lnRef idx="2">
+            <a:schemeClr val="accent1">
+              <a:shade val="50000"/>
+            </a:schemeClr>
+          </a:lnRef>
+          <a:fillRef idx="1">
+            <a:schemeClr val="accent1"/>
+          </a:fillRef>
+          <a:effectRef idx="0">
+            <a:schemeClr val="accent1"/>
+          </a:effectRef>
+          <a:fontRef idx="minor">
+            <a:schemeClr val="lt1"/>
+          </a:fontRef>
+        </p:style>
+        <p:txBody>
+          <a:bodyPr rtlCol="0" anchor="ctr"/>
+          <a:lstStyle/>
+          <a:p>
+            <a:pPr algn="ctr"/>
+            <a:endParaRPr lang="ko-KR" altLang="en-US"/>
+          </a:p>
+        </p:txBody>
+      </p:sp>
+      <p:sp>
+        <p:nvSpPr>
+          <p:cNvPr id="49" name="TextBox 48">
+            <a:extLst>
+              <a:ext uri="{FF2B5EF4-FFF2-40B4-BE49-F238E27FC236}">
+                <a16:creationId xmlns:a16="http://schemas.microsoft.com/office/drawing/2014/main" id="{5D2EF8C6-3E55-4EB6-95E8-357E5E7D8690}"/>
+              </a:ext>
+            </a:extLst>
+          </p:cNvPr>
+          <p:cNvSpPr txBox="1"/>
+          <p:nvPr/>
+        </p:nvSpPr>
+        <p:spPr>
+          <a:xfrm>
+            <a:off x="0" y="1075101"/>
+            <a:ext cx="946944" cy="307777"/>
+          </a:xfrm>
+          <a:prstGeom prst="rect">
+            <a:avLst/>
+          </a:prstGeom>
+          <a:noFill/>
+        </p:spPr>
+        <p:txBody>
+          <a:bodyPr wrap="square" rtlCol="0">
+            <a:spAutoFit/>
+          </a:bodyPr>
+          <a:lstStyle/>
+          <a:p>
+            <a:pPr algn="ctr"/>
+            <a:r>
+              <a:rPr lang="en-US" altLang="ko-KR" sz="1400"/>
+              <a:t>Network</a:t>
+            </a:r>
+            <a:endParaRPr lang="ko-KR" altLang="en-US" sz="1400"/>
+          </a:p>
+        </p:txBody>
+      </p:sp>
+      <p:sp>
+        <p:nvSpPr>
+          <p:cNvPr id="50" name="TextBox 49">
+            <a:extLst>
+              <a:ext uri="{FF2B5EF4-FFF2-40B4-BE49-F238E27FC236}">
+                <a16:creationId xmlns:a16="http://schemas.microsoft.com/office/drawing/2014/main" id="{77BE74C9-45E7-49F7-9F0A-D75A513D507D}"/>
+              </a:ext>
+            </a:extLst>
+          </p:cNvPr>
+          <p:cNvSpPr txBox="1"/>
+          <p:nvPr/>
+        </p:nvSpPr>
+        <p:spPr>
+          <a:xfrm>
+            <a:off x="8197056" y="1075101"/>
+            <a:ext cx="946944" cy="307777"/>
+          </a:xfrm>
+          <a:prstGeom prst="rect">
+            <a:avLst/>
+          </a:prstGeom>
+          <a:noFill/>
+        </p:spPr>
+        <p:txBody>
+          <a:bodyPr wrap="square" rtlCol="0">
+            <a:spAutoFit/>
+          </a:bodyPr>
+          <a:lstStyle/>
+          <a:p>
+            <a:pPr algn="ctr"/>
+            <a:r>
+              <a:rPr lang="en-US" altLang="ko-KR" sz="1400"/>
+              <a:t>Network</a:t>
+            </a:r>
+            <a:endParaRPr lang="ko-KR" altLang="en-US" sz="1400"/>
+          </a:p>
+        </p:txBody>
+      </p:sp>
+      <p:sp>
+        <p:nvSpPr>
+          <p:cNvPr id="54" name="TextBox 53">
+            <a:extLst>
+              <a:ext uri="{FF2B5EF4-FFF2-40B4-BE49-F238E27FC236}">
+                <a16:creationId xmlns:a16="http://schemas.microsoft.com/office/drawing/2014/main" id="{8F8374EE-8EC1-4523-9F36-8936766784F7}"/>
+              </a:ext>
+            </a:extLst>
+          </p:cNvPr>
+          <p:cNvSpPr txBox="1"/>
+          <p:nvPr/>
+        </p:nvSpPr>
+        <p:spPr>
+          <a:xfrm>
+            <a:off x="2514109" y="3470614"/>
+            <a:ext cx="1049774" cy="523220"/>
+          </a:xfrm>
+          <a:prstGeom prst="rect">
+            <a:avLst/>
+          </a:prstGeom>
+          <a:noFill/>
+        </p:spPr>
+        <p:txBody>
+          <a:bodyPr wrap="square" rtlCol="0">
+            <a:spAutoFit/>
+          </a:bodyPr>
+          <a:lstStyle/>
+          <a:p>
+            <a:pPr algn="ctr"/>
+            <a:r>
+              <a:rPr lang="en-US" altLang="ko-KR" sz="1400"/>
+              <a:t>Local Process</a:t>
+            </a:r>
+            <a:endParaRPr lang="ko-KR" altLang="en-US" sz="1400"/>
+          </a:p>
+        </p:txBody>
+      </p:sp>
+      <p:cxnSp>
+        <p:nvCxnSpPr>
+          <p:cNvPr id="55" name="직선 화살표 연결선 54">
+            <a:extLst>
+              <a:ext uri="{FF2B5EF4-FFF2-40B4-BE49-F238E27FC236}">
+                <a16:creationId xmlns:a16="http://schemas.microsoft.com/office/drawing/2014/main" id="{3F2D2594-5A9E-4982-B640-5DD31B691B6D}"/>
+              </a:ext>
+            </a:extLst>
+          </p:cNvPr>
+          <p:cNvCxnSpPr>
+            <a:cxnSpLocks/>
+            <a:stCxn id="21" idx="2"/>
+            <a:endCxn id="54" idx="0"/>
+          </p:cNvCxnSpPr>
+          <p:nvPr/>
+        </p:nvCxnSpPr>
+        <p:spPr>
+          <a:xfrm>
+            <a:off x="3038996" y="3049014"/>
+            <a:ext cx="0" cy="421600"/>
+          </a:xfrm>
+          <a:prstGeom prst="straightConnector1">
+            <a:avLst/>
+          </a:prstGeom>
+          <a:ln w="28575">
+            <a:solidFill>
+              <a:schemeClr val="tx1"/>
+            </a:solidFill>
+            <a:headEnd type="none" w="med" len="med"/>
+            <a:tailEnd type="arrow" w="med" len="med"/>
+          </a:ln>
+        </p:spPr>
+        <p:style>
+          <a:lnRef idx="1">
+            <a:schemeClr val="accent1"/>
+          </a:lnRef>
+          <a:fillRef idx="0">
+            <a:schemeClr val="accent1"/>
+          </a:fillRef>
+          <a:effectRef idx="0">
+            <a:schemeClr val="accent1"/>
+          </a:effectRef>
+          <a:fontRef idx="minor">
+            <a:schemeClr val="tx1"/>
+          </a:fontRef>
+        </p:style>
+      </p:cxnSp>
+      <p:sp>
+        <p:nvSpPr>
+          <p:cNvPr id="61" name="TextBox 60">
+            <a:extLst>
+              <a:ext uri="{FF2B5EF4-FFF2-40B4-BE49-F238E27FC236}">
+                <a16:creationId xmlns:a16="http://schemas.microsoft.com/office/drawing/2014/main" id="{DDD3280B-04BF-4759-9F7E-5D29C9A5070F}"/>
+              </a:ext>
+            </a:extLst>
+          </p:cNvPr>
+          <p:cNvSpPr txBox="1"/>
+          <p:nvPr/>
+        </p:nvSpPr>
+        <p:spPr>
+          <a:xfrm>
+            <a:off x="5646469" y="1508472"/>
+            <a:ext cx="1049750" cy="523220"/>
+          </a:xfrm>
+          <a:prstGeom prst="rect">
+            <a:avLst/>
+          </a:prstGeom>
+          <a:noFill/>
+        </p:spPr>
+        <p:txBody>
+          <a:bodyPr wrap="square" rtlCol="0">
+            <a:spAutoFit/>
+          </a:bodyPr>
+          <a:lstStyle/>
+          <a:p>
+            <a:pPr algn="ctr"/>
+            <a:r>
+              <a:rPr lang="en-US" altLang="ko-KR" sz="1400"/>
+              <a:t>Route</a:t>
+            </a:r>
+          </a:p>
+          <a:p>
+            <a:pPr algn="ctr"/>
+            <a:r>
+              <a:rPr lang="en-US" altLang="ko-KR" sz="1400"/>
+              <a:t>(Interface)</a:t>
+            </a:r>
+            <a:endParaRPr lang="ko-KR" altLang="en-US" sz="1400"/>
+          </a:p>
+        </p:txBody>
+      </p:sp>
+      <p:cxnSp>
+        <p:nvCxnSpPr>
+          <p:cNvPr id="62" name="직선 화살표 연결선 61">
+            <a:extLst>
+              <a:ext uri="{FF2B5EF4-FFF2-40B4-BE49-F238E27FC236}">
+                <a16:creationId xmlns:a16="http://schemas.microsoft.com/office/drawing/2014/main" id="{065E5E8B-4F0F-4E05-AAE8-314AB0B828BC}"/>
+              </a:ext>
+            </a:extLst>
+          </p:cNvPr>
+          <p:cNvCxnSpPr>
+            <a:cxnSpLocks/>
+            <a:stCxn id="61" idx="3"/>
+            <a:endCxn id="20" idx="1"/>
+          </p:cNvCxnSpPr>
+          <p:nvPr/>
+        </p:nvCxnSpPr>
+        <p:spPr>
+          <a:xfrm>
+            <a:off x="6696219" y="1770082"/>
+            <a:ext cx="252045" cy="1"/>
+          </a:xfrm>
+          <a:prstGeom prst="straightConnector1">
+            <a:avLst/>
+          </a:prstGeom>
+          <a:ln w="28575">
+            <a:solidFill>
+              <a:schemeClr val="tx1"/>
+            </a:solidFill>
+            <a:headEnd type="none" w="med" len="med"/>
+            <a:tailEnd type="arrow" w="med" len="med"/>
+          </a:ln>
+        </p:spPr>
+        <p:style>
+          <a:lnRef idx="1">
+            <a:schemeClr val="accent1"/>
+          </a:lnRef>
+          <a:fillRef idx="0">
+            <a:schemeClr val="accent1"/>
+          </a:fillRef>
+          <a:effectRef idx="0">
+            <a:schemeClr val="accent1"/>
+          </a:effectRef>
+          <a:fontRef idx="minor">
+            <a:schemeClr val="tx1"/>
+          </a:fontRef>
+        </p:style>
+      </p:cxnSp>
+      <p:cxnSp>
+        <p:nvCxnSpPr>
+          <p:cNvPr id="65" name="직선 화살표 연결선 64">
+            <a:extLst>
+              <a:ext uri="{FF2B5EF4-FFF2-40B4-BE49-F238E27FC236}">
+                <a16:creationId xmlns:a16="http://schemas.microsoft.com/office/drawing/2014/main" id="{BF62BC88-2816-4B5C-A71D-AB74BFD7F245}"/>
+              </a:ext>
+            </a:extLst>
+          </p:cNvPr>
+          <p:cNvCxnSpPr>
+            <a:cxnSpLocks/>
+            <a:stCxn id="19" idx="3"/>
+            <a:endCxn id="61" idx="1"/>
+          </p:cNvCxnSpPr>
+          <p:nvPr/>
+        </p:nvCxnSpPr>
+        <p:spPr>
+          <a:xfrm flipV="1">
+            <a:off x="5394424" y="1770082"/>
+            <a:ext cx="252045" cy="1"/>
+          </a:xfrm>
+          <a:prstGeom prst="straightConnector1">
+            <a:avLst/>
+          </a:prstGeom>
+          <a:ln w="28575">
+            <a:solidFill>
+              <a:schemeClr val="tx1"/>
+            </a:solidFill>
+            <a:headEnd type="none" w="med" len="med"/>
+            <a:tailEnd type="arrow" w="med" len="med"/>
+          </a:ln>
+        </p:spPr>
+        <p:style>
+          <a:lnRef idx="1">
+            <a:schemeClr val="accent1"/>
+          </a:lnRef>
+          <a:fillRef idx="0">
+            <a:schemeClr val="accent1"/>
+          </a:fillRef>
+          <a:effectRef idx="0">
+            <a:schemeClr val="accent1"/>
+          </a:effectRef>
+          <a:fontRef idx="minor">
+            <a:schemeClr val="tx1"/>
+          </a:fontRef>
+        </p:style>
+      </p:cxnSp>
+      <p:cxnSp>
+        <p:nvCxnSpPr>
+          <p:cNvPr id="68" name="직선 화살표 연결선 67">
+            <a:extLst>
+              <a:ext uri="{FF2B5EF4-FFF2-40B4-BE49-F238E27FC236}">
+                <a16:creationId xmlns:a16="http://schemas.microsoft.com/office/drawing/2014/main" id="{DE644C7D-2FE9-4D0D-BF24-5354A59584AE}"/>
+              </a:ext>
+            </a:extLst>
+          </p:cNvPr>
+          <p:cNvCxnSpPr>
+            <a:cxnSpLocks/>
+            <a:stCxn id="22" idx="0"/>
+            <a:endCxn id="61" idx="2"/>
+          </p:cNvCxnSpPr>
+          <p:nvPr/>
+        </p:nvCxnSpPr>
+        <p:spPr>
+          <a:xfrm flipV="1">
+            <a:off x="6171344" y="2031692"/>
+            <a:ext cx="0" cy="657851"/>
+          </a:xfrm>
+          <a:prstGeom prst="straightConnector1">
+            <a:avLst/>
+          </a:prstGeom>
+          <a:ln w="28575">
+            <a:solidFill>
+              <a:schemeClr val="tx1"/>
+            </a:solidFill>
+            <a:headEnd type="none" w="med" len="med"/>
+            <a:tailEnd type="arrow" w="med" len="med"/>
+          </a:ln>
+        </p:spPr>
+        <p:style>
+          <a:lnRef idx="1">
+            <a:schemeClr val="accent1"/>
+          </a:lnRef>
+          <a:fillRef idx="0">
+            <a:schemeClr val="accent1"/>
+          </a:fillRef>
+          <a:effectRef idx="0">
+            <a:schemeClr val="accent1"/>
+          </a:effectRef>
+          <a:fontRef idx="minor">
+            <a:schemeClr val="tx1"/>
+          </a:fontRef>
+        </p:style>
+      </p:cxnSp>
+      <p:sp>
+        <p:nvSpPr>
+          <p:cNvPr id="72" name="TextBox 71">
+            <a:extLst>
+              <a:ext uri="{FF2B5EF4-FFF2-40B4-BE49-F238E27FC236}">
+                <a16:creationId xmlns:a16="http://schemas.microsoft.com/office/drawing/2014/main" id="{9BFC6D7E-2F08-4D05-92BB-15258229FECE}"/>
+              </a:ext>
+            </a:extLst>
+          </p:cNvPr>
+          <p:cNvSpPr txBox="1"/>
+          <p:nvPr/>
+        </p:nvSpPr>
+        <p:spPr>
+          <a:xfrm>
+            <a:off x="5646457" y="3470614"/>
+            <a:ext cx="1049774" cy="523220"/>
+          </a:xfrm>
+          <a:prstGeom prst="rect">
+            <a:avLst/>
+          </a:prstGeom>
+          <a:noFill/>
+        </p:spPr>
+        <p:txBody>
+          <a:bodyPr wrap="square" rtlCol="0">
+            <a:spAutoFit/>
+          </a:bodyPr>
+          <a:lstStyle/>
+          <a:p>
+            <a:pPr algn="ctr"/>
+            <a:r>
+              <a:rPr lang="en-US" altLang="ko-KR" sz="1400"/>
+              <a:t>Local Process</a:t>
+            </a:r>
+            <a:endParaRPr lang="ko-KR" altLang="en-US" sz="1400"/>
+          </a:p>
+        </p:txBody>
+      </p:sp>
+      <p:cxnSp>
+        <p:nvCxnSpPr>
+          <p:cNvPr id="73" name="직선 화살표 연결선 72">
+            <a:extLst>
+              <a:ext uri="{FF2B5EF4-FFF2-40B4-BE49-F238E27FC236}">
+                <a16:creationId xmlns:a16="http://schemas.microsoft.com/office/drawing/2014/main" id="{20339060-41CC-48F0-847B-792D8A026346}"/>
+              </a:ext>
+            </a:extLst>
+          </p:cNvPr>
+          <p:cNvCxnSpPr>
+            <a:cxnSpLocks/>
+            <a:stCxn id="22" idx="2"/>
+            <a:endCxn id="72" idx="0"/>
+          </p:cNvCxnSpPr>
+          <p:nvPr/>
+        </p:nvCxnSpPr>
+        <p:spPr>
+          <a:xfrm>
+            <a:off x="6171344" y="3049014"/>
+            <a:ext cx="0" cy="421600"/>
+          </a:xfrm>
+          <a:prstGeom prst="straightConnector1">
+            <a:avLst/>
+          </a:prstGeom>
+          <a:ln w="28575">
+            <a:solidFill>
+              <a:schemeClr val="tx1"/>
+            </a:solidFill>
+            <a:headEnd type="arrow" w="med" len="med"/>
+            <a:tailEnd type="none" w="med" len="med"/>
+          </a:ln>
+        </p:spPr>
+        <p:style>
+          <a:lnRef idx="1">
+            <a:schemeClr val="accent1"/>
+          </a:lnRef>
+          <a:fillRef idx="0">
+            <a:schemeClr val="accent1"/>
+          </a:fillRef>
+          <a:effectRef idx="0">
+            <a:schemeClr val="accent1"/>
+          </a:effectRef>
+          <a:fontRef idx="minor">
+            <a:schemeClr val="tx1"/>
+          </a:fontRef>
+        </p:style>
+      </p:cxnSp>
+      <p:sp>
+        <p:nvSpPr>
+          <p:cNvPr id="92" name="직사각형 91">
+            <a:extLst>
+              <a:ext uri="{FF2B5EF4-FFF2-40B4-BE49-F238E27FC236}">
+                <a16:creationId xmlns:a16="http://schemas.microsoft.com/office/drawing/2014/main" id="{B560BBAC-ED7C-4099-99D9-90C3A35F56D1}"/>
+              </a:ext>
+            </a:extLst>
+          </p:cNvPr>
+          <p:cNvSpPr/>
+          <p:nvPr/>
+        </p:nvSpPr>
+        <p:spPr>
+          <a:xfrm>
+            <a:off x="2396576" y="817904"/>
+            <a:ext cx="2020032" cy="359471"/>
+          </a:xfrm>
+          <a:prstGeom prst="rect">
+            <a:avLst/>
+          </a:prstGeom>
+        </p:spPr>
+        <p:style>
+          <a:lnRef idx="2">
+            <a:schemeClr val="dk1"/>
+          </a:lnRef>
+          <a:fillRef idx="1">
+            <a:schemeClr val="lt1"/>
+          </a:fillRef>
+          <a:effectRef idx="0">
+            <a:schemeClr val="dk1"/>
+          </a:effectRef>
+          <a:fontRef idx="minor">
+            <a:schemeClr val="dk1"/>
+          </a:fontRef>
+        </p:style>
+        <p:txBody>
+          <a:bodyPr rtlCol="0" anchor="ctr"/>
+          <a:lstStyle/>
+          <a:p>
+            <a:pPr algn="ctr"/>
+            <a:r>
+              <a:rPr lang="en-US" altLang="ko-KR" sz="1400"/>
+              <a:t>ip_vs_forward_icmp()</a:t>
+            </a:r>
+            <a:endParaRPr lang="ko-KR" altLang="en-US" sz="1400"/>
+          </a:p>
+        </p:txBody>
+      </p:sp>
+      <p:sp>
+        <p:nvSpPr>
+          <p:cNvPr id="93" name="직사각형 92">
+            <a:extLst>
+              <a:ext uri="{FF2B5EF4-FFF2-40B4-BE49-F238E27FC236}">
+                <a16:creationId xmlns:a16="http://schemas.microsoft.com/office/drawing/2014/main" id="{0265D05A-D5BC-43FE-B059-DEE3D88154DA}"/>
+              </a:ext>
+            </a:extLst>
+          </p:cNvPr>
+          <p:cNvSpPr/>
+          <p:nvPr/>
+        </p:nvSpPr>
+        <p:spPr>
+          <a:xfrm>
+            <a:off x="4856224" y="809276"/>
+            <a:ext cx="2020032" cy="359471"/>
+          </a:xfrm>
+          <a:prstGeom prst="rect">
+            <a:avLst/>
+          </a:prstGeom>
+        </p:spPr>
+        <p:style>
+          <a:lnRef idx="2">
+            <a:schemeClr val="dk1"/>
+          </a:lnRef>
+          <a:fillRef idx="1">
+            <a:schemeClr val="lt1"/>
+          </a:fillRef>
+          <a:effectRef idx="0">
+            <a:schemeClr val="dk1"/>
+          </a:effectRef>
+          <a:fontRef idx="minor">
+            <a:schemeClr val="dk1"/>
+          </a:fontRef>
+        </p:style>
+        <p:txBody>
+          <a:bodyPr rtlCol="0" anchor="ctr"/>
+          <a:lstStyle/>
+          <a:p>
+            <a:pPr algn="ctr"/>
+            <a:r>
+              <a:rPr lang="en-US" altLang="ko-KR" sz="1400"/>
+              <a:t>ip_vs_reply()</a:t>
+            </a:r>
+            <a:endParaRPr lang="ko-KR" altLang="en-US" sz="1400"/>
+          </a:p>
+        </p:txBody>
+      </p:sp>
+      <p:cxnSp>
+        <p:nvCxnSpPr>
+          <p:cNvPr id="94" name="직선 화살표 연결선 93">
+            <a:extLst>
+              <a:ext uri="{FF2B5EF4-FFF2-40B4-BE49-F238E27FC236}">
+                <a16:creationId xmlns:a16="http://schemas.microsoft.com/office/drawing/2014/main" id="{7732E26D-5477-4D75-BCD2-40A603E86061}"/>
+              </a:ext>
+            </a:extLst>
+          </p:cNvPr>
+          <p:cNvCxnSpPr>
+            <a:cxnSpLocks/>
+            <a:stCxn id="92" idx="2"/>
+          </p:cNvCxnSpPr>
+          <p:nvPr/>
+        </p:nvCxnSpPr>
+        <p:spPr>
+          <a:xfrm>
+            <a:off x="3406592" y="1177375"/>
+            <a:ext cx="876493" cy="412972"/>
+          </a:xfrm>
+          <a:prstGeom prst="straightConnector1">
+            <a:avLst/>
+          </a:prstGeom>
+          <a:ln w="28575">
+            <a:solidFill>
+              <a:schemeClr val="tx1"/>
+            </a:solidFill>
+            <a:headEnd type="arrow" w="med" len="med"/>
+            <a:tailEnd type="arrow" w="med" len="med"/>
+          </a:ln>
+        </p:spPr>
+        <p:style>
+          <a:lnRef idx="1">
+            <a:schemeClr val="accent1"/>
+          </a:lnRef>
+          <a:fillRef idx="0">
+            <a:schemeClr val="accent1"/>
+          </a:fillRef>
+          <a:effectRef idx="0">
+            <a:schemeClr val="accent1"/>
+          </a:effectRef>
+          <a:fontRef idx="minor">
+            <a:schemeClr val="tx1"/>
+          </a:fontRef>
+        </p:style>
+      </p:cxnSp>
+      <p:cxnSp>
+        <p:nvCxnSpPr>
+          <p:cNvPr id="98" name="직선 화살표 연결선 97">
+            <a:extLst>
+              <a:ext uri="{FF2B5EF4-FFF2-40B4-BE49-F238E27FC236}">
+                <a16:creationId xmlns:a16="http://schemas.microsoft.com/office/drawing/2014/main" id="{40FF2B3D-F116-4D4A-88DF-F87E3C4EEA4C}"/>
+              </a:ext>
+            </a:extLst>
+          </p:cNvPr>
+          <p:cNvCxnSpPr>
+            <a:cxnSpLocks/>
+            <a:stCxn id="93" idx="2"/>
+          </p:cNvCxnSpPr>
+          <p:nvPr/>
+        </p:nvCxnSpPr>
+        <p:spPr>
+          <a:xfrm flipH="1">
+            <a:off x="4999280" y="1168747"/>
+            <a:ext cx="866960" cy="421600"/>
+          </a:xfrm>
+          <a:prstGeom prst="straightConnector1">
+            <a:avLst/>
+          </a:prstGeom>
+          <a:ln w="28575">
+            <a:solidFill>
+              <a:schemeClr val="tx1"/>
+            </a:solidFill>
+            <a:headEnd type="arrow" w="med" len="med"/>
+            <a:tailEnd type="arrow" w="med" len="med"/>
+          </a:ln>
+        </p:spPr>
+        <p:style>
+          <a:lnRef idx="1">
+            <a:schemeClr val="accent1"/>
+          </a:lnRef>
+          <a:fillRef idx="0">
+            <a:schemeClr val="accent1"/>
+          </a:fillRef>
+          <a:effectRef idx="0">
+            <a:schemeClr val="accent1"/>
+          </a:effectRef>
+          <a:fontRef idx="minor">
+            <a:schemeClr val="tx1"/>
+          </a:fontRef>
+        </p:style>
+      </p:cxnSp>
+      <p:sp>
+        <p:nvSpPr>
+          <p:cNvPr id="112" name="직사각형 111">
+            <a:extLst>
+              <a:ext uri="{FF2B5EF4-FFF2-40B4-BE49-F238E27FC236}">
+                <a16:creationId xmlns:a16="http://schemas.microsoft.com/office/drawing/2014/main" id="{0E385DCB-2F2B-4E35-A0A6-6B265C190707}"/>
+              </a:ext>
+            </a:extLst>
+          </p:cNvPr>
+          <p:cNvSpPr/>
+          <p:nvPr/>
+        </p:nvSpPr>
+        <p:spPr>
+          <a:xfrm>
+            <a:off x="421366" y="3266176"/>
+            <a:ext cx="2020032" cy="359471"/>
+          </a:xfrm>
+          <a:prstGeom prst="rect">
+            <a:avLst/>
+          </a:prstGeom>
+        </p:spPr>
+        <p:style>
+          <a:lnRef idx="2">
+            <a:schemeClr val="dk1"/>
+          </a:lnRef>
+          <a:fillRef idx="1">
+            <a:schemeClr val="lt1"/>
+          </a:fillRef>
+          <a:effectRef idx="0">
+            <a:schemeClr val="dk1"/>
+          </a:effectRef>
+          <a:fontRef idx="minor">
+            <a:schemeClr val="dk1"/>
+          </a:fontRef>
+        </p:style>
+        <p:txBody>
+          <a:bodyPr rtlCol="0" anchor="ctr"/>
+          <a:lstStyle/>
+          <a:p>
+            <a:pPr algn="ctr"/>
+            <a:r>
+              <a:rPr lang="en-US" altLang="ko-KR" sz="1400"/>
+              <a:t>ip_vs_remote_request()</a:t>
+            </a:r>
+            <a:endParaRPr lang="ko-KR" altLang="en-US" sz="1400"/>
+          </a:p>
+        </p:txBody>
+      </p:sp>
+      <p:sp>
+        <p:nvSpPr>
+          <p:cNvPr id="117" name="직사각형 116">
+            <a:extLst>
+              <a:ext uri="{FF2B5EF4-FFF2-40B4-BE49-F238E27FC236}">
+                <a16:creationId xmlns:a16="http://schemas.microsoft.com/office/drawing/2014/main" id="{2676998B-31CD-4C51-9926-F7572907EBFD}"/>
+              </a:ext>
+            </a:extLst>
+          </p:cNvPr>
+          <p:cNvSpPr/>
+          <p:nvPr/>
+        </p:nvSpPr>
+        <p:spPr>
+          <a:xfrm>
+            <a:off x="6660232" y="2113479"/>
+            <a:ext cx="2020032" cy="359471"/>
+          </a:xfrm>
+          <a:prstGeom prst="rect">
+            <a:avLst/>
+          </a:prstGeom>
+        </p:spPr>
+        <p:style>
+          <a:lnRef idx="2">
+            <a:schemeClr val="dk1"/>
+          </a:lnRef>
+          <a:fillRef idx="1">
+            <a:schemeClr val="lt1"/>
+          </a:fillRef>
+          <a:effectRef idx="0">
+            <a:schemeClr val="dk1"/>
+          </a:effectRef>
+          <a:fontRef idx="minor">
+            <a:schemeClr val="dk1"/>
+          </a:fontRef>
+        </p:style>
+        <p:txBody>
+          <a:bodyPr rtlCol="0" anchor="ctr"/>
+          <a:lstStyle/>
+          <a:p>
+            <a:pPr algn="ctr"/>
+            <a:r>
+              <a:rPr lang="en-US" altLang="ko-KR" sz="1400"/>
+              <a:t>ip_vs_local_request()</a:t>
+            </a:r>
+            <a:endParaRPr lang="ko-KR" altLang="en-US" sz="1400"/>
+          </a:p>
+        </p:txBody>
+      </p:sp>
+      <p:sp>
+        <p:nvSpPr>
+          <p:cNvPr id="118" name="직사각형 117">
+            <a:extLst>
+              <a:ext uri="{FF2B5EF4-FFF2-40B4-BE49-F238E27FC236}">
+                <a16:creationId xmlns:a16="http://schemas.microsoft.com/office/drawing/2014/main" id="{013CD8C0-8123-48F8-9BB4-A5890E945D77}"/>
+              </a:ext>
+            </a:extLst>
+          </p:cNvPr>
+          <p:cNvSpPr/>
+          <p:nvPr/>
+        </p:nvSpPr>
+        <p:spPr>
+          <a:xfrm>
+            <a:off x="6660232" y="3259814"/>
+            <a:ext cx="2020032" cy="359471"/>
+          </a:xfrm>
+          <a:prstGeom prst="rect">
+            <a:avLst/>
+          </a:prstGeom>
+        </p:spPr>
+        <p:style>
+          <a:lnRef idx="2">
+            <a:schemeClr val="dk1"/>
+          </a:lnRef>
+          <a:fillRef idx="1">
+            <a:schemeClr val="lt1"/>
+          </a:fillRef>
+          <a:effectRef idx="0">
+            <a:schemeClr val="dk1"/>
+          </a:effectRef>
+          <a:fontRef idx="minor">
+            <a:schemeClr val="dk1"/>
+          </a:fontRef>
+        </p:style>
+        <p:txBody>
+          <a:bodyPr rtlCol="0" anchor="ctr"/>
+          <a:lstStyle/>
+          <a:p>
+            <a:pPr algn="ctr"/>
+            <a:r>
+              <a:rPr lang="en-US" altLang="ko-KR" sz="1400"/>
+              <a:t>ip_vs_local_reply()</a:t>
+            </a:r>
+            <a:endParaRPr lang="ko-KR" altLang="en-US" sz="1400"/>
+          </a:p>
+        </p:txBody>
+      </p:sp>
+      <p:cxnSp>
+        <p:nvCxnSpPr>
+          <p:cNvPr id="119" name="직선 화살표 연결선 118">
+            <a:extLst>
+              <a:ext uri="{FF2B5EF4-FFF2-40B4-BE49-F238E27FC236}">
+                <a16:creationId xmlns:a16="http://schemas.microsoft.com/office/drawing/2014/main" id="{101335BC-1315-4538-9FBF-91AE6AD3EDAC}"/>
+              </a:ext>
+            </a:extLst>
+          </p:cNvPr>
+          <p:cNvCxnSpPr>
+            <a:cxnSpLocks/>
+            <a:stCxn id="112" idx="0"/>
+          </p:cNvCxnSpPr>
+          <p:nvPr/>
+        </p:nvCxnSpPr>
+        <p:spPr>
+          <a:xfrm flipV="1">
+            <a:off x="1431382" y="3043464"/>
+            <a:ext cx="858956" cy="222712"/>
+          </a:xfrm>
+          <a:prstGeom prst="straightConnector1">
+            <a:avLst/>
+          </a:prstGeom>
+          <a:ln w="28575">
+            <a:solidFill>
+              <a:schemeClr val="tx1"/>
+            </a:solidFill>
+            <a:headEnd type="arrow" w="med" len="med"/>
+            <a:tailEnd type="arrow" w="med" len="med"/>
+          </a:ln>
+        </p:spPr>
+        <p:style>
+          <a:lnRef idx="1">
+            <a:schemeClr val="accent1"/>
+          </a:lnRef>
+          <a:fillRef idx="0">
+            <a:schemeClr val="accent1"/>
+          </a:fillRef>
+          <a:effectRef idx="0">
+            <a:schemeClr val="accent1"/>
+          </a:effectRef>
+          <a:fontRef idx="minor">
+            <a:schemeClr val="tx1"/>
+          </a:fontRef>
+        </p:style>
+      </p:cxnSp>
+      <p:cxnSp>
+        <p:nvCxnSpPr>
+          <p:cNvPr id="122" name="직선 화살표 연결선 121">
+            <a:extLst>
+              <a:ext uri="{FF2B5EF4-FFF2-40B4-BE49-F238E27FC236}">
+                <a16:creationId xmlns:a16="http://schemas.microsoft.com/office/drawing/2014/main" id="{0E2601A1-878A-4489-913D-2986E2232752}"/>
+              </a:ext>
+            </a:extLst>
+          </p:cNvPr>
+          <p:cNvCxnSpPr>
+            <a:cxnSpLocks/>
+            <a:stCxn id="117" idx="2"/>
+          </p:cNvCxnSpPr>
+          <p:nvPr/>
+        </p:nvCxnSpPr>
+        <p:spPr>
+          <a:xfrm flipH="1">
+            <a:off x="6927427" y="2472950"/>
+            <a:ext cx="742821" cy="239809"/>
+          </a:xfrm>
+          <a:prstGeom prst="straightConnector1">
+            <a:avLst/>
+          </a:prstGeom>
+          <a:ln w="28575">
+            <a:solidFill>
+              <a:schemeClr val="tx1"/>
+            </a:solidFill>
+            <a:headEnd type="arrow" w="med" len="med"/>
+            <a:tailEnd type="arrow" w="med" len="med"/>
+          </a:ln>
+        </p:spPr>
+        <p:style>
+          <a:lnRef idx="1">
+            <a:schemeClr val="accent1"/>
+          </a:lnRef>
+          <a:fillRef idx="0">
+            <a:schemeClr val="accent1"/>
+          </a:fillRef>
+          <a:effectRef idx="0">
+            <a:schemeClr val="accent1"/>
+          </a:effectRef>
+          <a:fontRef idx="minor">
+            <a:schemeClr val="tx1"/>
+          </a:fontRef>
+        </p:style>
+      </p:cxnSp>
+      <p:cxnSp>
+        <p:nvCxnSpPr>
+          <p:cNvPr id="125" name="직선 화살표 연결선 124">
+            <a:extLst>
+              <a:ext uri="{FF2B5EF4-FFF2-40B4-BE49-F238E27FC236}">
+                <a16:creationId xmlns:a16="http://schemas.microsoft.com/office/drawing/2014/main" id="{79C13041-AAB0-44C2-9753-A1012558F472}"/>
+              </a:ext>
+            </a:extLst>
+          </p:cNvPr>
+          <p:cNvCxnSpPr>
+            <a:cxnSpLocks/>
+            <a:stCxn id="118" idx="0"/>
+          </p:cNvCxnSpPr>
+          <p:nvPr/>
+        </p:nvCxnSpPr>
+        <p:spPr>
+          <a:xfrm flipH="1" flipV="1">
+            <a:off x="6927427" y="3043464"/>
+            <a:ext cx="742821" cy="216350"/>
+          </a:xfrm>
+          <a:prstGeom prst="straightConnector1">
+            <a:avLst/>
+          </a:prstGeom>
+          <a:ln w="28575">
+            <a:solidFill>
+              <a:schemeClr val="tx1"/>
+            </a:solidFill>
+            <a:headEnd type="arrow" w="med" len="med"/>
+            <a:tailEnd type="arrow" w="med" len="med"/>
+          </a:ln>
+        </p:spPr>
+        <p:style>
+          <a:lnRef idx="1">
+            <a:schemeClr val="accent1"/>
+          </a:lnRef>
+          <a:fillRef idx="0">
+            <a:schemeClr val="accent1"/>
+          </a:fillRef>
+          <a:effectRef idx="0">
+            <a:schemeClr val="accent1"/>
+          </a:effectRef>
+          <a:fontRef idx="minor">
+            <a:schemeClr val="tx1"/>
+          </a:fontRef>
+        </p:style>
+      </p:cxnSp>
+      <p:sp>
+        <p:nvSpPr>
+          <p:cNvPr id="130" name="직사각형 129">
+            <a:extLst>
+              <a:ext uri="{FF2B5EF4-FFF2-40B4-BE49-F238E27FC236}">
+                <a16:creationId xmlns:a16="http://schemas.microsoft.com/office/drawing/2014/main" id="{CCCA2423-BEEA-4385-ACF9-064010395AFE}"/>
+              </a:ext>
+            </a:extLst>
+          </p:cNvPr>
+          <p:cNvSpPr/>
+          <p:nvPr/>
+        </p:nvSpPr>
+        <p:spPr>
+          <a:xfrm>
+            <a:off x="438035" y="2108139"/>
+            <a:ext cx="2020032" cy="359471"/>
+          </a:xfrm>
+          <a:prstGeom prst="rect">
+            <a:avLst/>
+          </a:prstGeom>
+        </p:spPr>
+        <p:style>
+          <a:lnRef idx="2">
+            <a:schemeClr val="dk1"/>
+          </a:lnRef>
+          <a:fillRef idx="1">
+            <a:schemeClr val="lt1"/>
+          </a:fillRef>
+          <a:effectRef idx="0">
+            <a:schemeClr val="dk1"/>
+          </a:effectRef>
+          <a:fontRef idx="minor">
+            <a:schemeClr val="dk1"/>
+          </a:fontRef>
+        </p:style>
+        <p:txBody>
+          <a:bodyPr rtlCol="0" anchor="ctr"/>
+          <a:lstStyle/>
+          <a:p>
+            <a:pPr algn="ctr"/>
+            <a:r>
+              <a:rPr lang="en-US" altLang="ko-KR" sz="1400"/>
+              <a:t>ip_vs_reply()</a:t>
+            </a:r>
+            <a:endParaRPr lang="ko-KR" altLang="en-US" sz="1400"/>
+          </a:p>
+        </p:txBody>
+      </p:sp>
+      <p:cxnSp>
+        <p:nvCxnSpPr>
+          <p:cNvPr id="134" name="직선 화살표 연결선 133">
+            <a:extLst>
+              <a:ext uri="{FF2B5EF4-FFF2-40B4-BE49-F238E27FC236}">
+                <a16:creationId xmlns:a16="http://schemas.microsoft.com/office/drawing/2014/main" id="{F6DB1E37-DD1B-48DA-B3B4-BD9246CC62F8}"/>
+              </a:ext>
+            </a:extLst>
+          </p:cNvPr>
+          <p:cNvCxnSpPr>
+            <a:cxnSpLocks/>
+            <a:stCxn id="130" idx="2"/>
+          </p:cNvCxnSpPr>
+          <p:nvPr/>
+        </p:nvCxnSpPr>
+        <p:spPr>
+          <a:xfrm>
+            <a:off x="1448051" y="2467610"/>
+            <a:ext cx="842975" cy="245149"/>
+          </a:xfrm>
+          <a:prstGeom prst="straightConnector1">
+            <a:avLst/>
+          </a:prstGeom>
+          <a:ln w="28575">
+            <a:solidFill>
+              <a:schemeClr val="tx1"/>
+            </a:solidFill>
+            <a:headEnd type="arrow" w="med" len="med"/>
+            <a:tailEnd type="arrow" w="med" len="med"/>
+          </a:ln>
+        </p:spPr>
+        <p:style>
+          <a:lnRef idx="1">
+            <a:schemeClr val="accent1"/>
+          </a:lnRef>
+          <a:fillRef idx="0">
+            <a:schemeClr val="accent1"/>
+          </a:fillRef>
+          <a:effectRef idx="0">
+            <a:schemeClr val="accent1"/>
+          </a:effectRef>
+          <a:fontRef idx="minor">
+            <a:schemeClr val="tx1"/>
+          </a:fontRef>
+        </p:style>
+      </p:cxnSp>
+      <p:sp>
+        <p:nvSpPr>
+          <p:cNvPr id="145" name="TextBox 144">
+            <a:extLst>
+              <a:ext uri="{FF2B5EF4-FFF2-40B4-BE49-F238E27FC236}">
+                <a16:creationId xmlns:a16="http://schemas.microsoft.com/office/drawing/2014/main" id="{2DE9283B-0482-4497-A1C7-1176C0D0A167}"/>
+              </a:ext>
+            </a:extLst>
+          </p:cNvPr>
+          <p:cNvSpPr txBox="1"/>
+          <p:nvPr/>
+        </p:nvSpPr>
+        <p:spPr>
+          <a:xfrm>
+            <a:off x="35496" y="4083918"/>
+            <a:ext cx="1368854" cy="276999"/>
+          </a:xfrm>
+          <a:prstGeom prst="rect">
+            <a:avLst/>
+          </a:prstGeom>
+          <a:noFill/>
+        </p:spPr>
+        <p:txBody>
+          <a:bodyPr wrap="square" rtlCol="0">
+            <a:spAutoFit/>
+          </a:bodyPr>
+          <a:lstStyle/>
+          <a:p>
+            <a:pPr algn="ctr"/>
+            <a:r>
+              <a:rPr lang="en-US" altLang="ko-KR" sz="1200"/>
+              <a:t>ip_vs_reply()</a:t>
+            </a:r>
+            <a:endParaRPr lang="ko-KR" altLang="en-US" sz="1200"/>
+          </a:p>
+        </p:txBody>
+      </p:sp>
+      <p:sp>
+        <p:nvSpPr>
+          <p:cNvPr id="146" name="TextBox 145">
+            <a:extLst>
+              <a:ext uri="{FF2B5EF4-FFF2-40B4-BE49-F238E27FC236}">
+                <a16:creationId xmlns:a16="http://schemas.microsoft.com/office/drawing/2014/main" id="{A8D9DEFE-E52C-471E-8183-C684548F0FFA}"/>
+              </a:ext>
+            </a:extLst>
+          </p:cNvPr>
+          <p:cNvSpPr txBox="1"/>
+          <p:nvPr/>
+        </p:nvSpPr>
+        <p:spPr>
+          <a:xfrm>
+            <a:off x="35496" y="4386487"/>
+            <a:ext cx="1368854" cy="276999"/>
+          </a:xfrm>
+          <a:prstGeom prst="rect">
+            <a:avLst/>
+          </a:prstGeom>
+          <a:noFill/>
+        </p:spPr>
+        <p:txBody>
+          <a:bodyPr wrap="square" rtlCol="0">
+            <a:spAutoFit/>
+          </a:bodyPr>
+          <a:lstStyle/>
+          <a:p>
+            <a:pPr algn="ctr"/>
+            <a:r>
+              <a:rPr lang="en-US" altLang="ko-KR" sz="1200"/>
+              <a:t>ip_vs_local_reply()</a:t>
+            </a:r>
+            <a:endParaRPr lang="ko-KR" altLang="en-US" sz="1200"/>
+          </a:p>
+        </p:txBody>
+      </p:sp>
+      <p:sp>
+        <p:nvSpPr>
+          <p:cNvPr id="147" name="TextBox 146">
+            <a:extLst>
+              <a:ext uri="{FF2B5EF4-FFF2-40B4-BE49-F238E27FC236}">
+                <a16:creationId xmlns:a16="http://schemas.microsoft.com/office/drawing/2014/main" id="{53A5644C-364B-4622-AC4A-048072F68BF2}"/>
+              </a:ext>
+            </a:extLst>
+          </p:cNvPr>
+          <p:cNvSpPr txBox="1"/>
+          <p:nvPr/>
+        </p:nvSpPr>
+        <p:spPr>
+          <a:xfrm>
+            <a:off x="1864862" y="4237806"/>
+            <a:ext cx="952263" cy="276999"/>
+          </a:xfrm>
+          <a:prstGeom prst="rect">
+            <a:avLst/>
+          </a:prstGeom>
+          <a:noFill/>
+        </p:spPr>
+        <p:txBody>
+          <a:bodyPr wrap="square" rtlCol="0">
+            <a:spAutoFit/>
+          </a:bodyPr>
+          <a:lstStyle/>
+          <a:p>
+            <a:pPr algn="ctr"/>
+            <a:r>
+              <a:rPr lang="en-US" altLang="ko-KR" sz="1200"/>
+              <a:t>ip_vs_in()</a:t>
+            </a:r>
+            <a:endParaRPr lang="ko-KR" altLang="en-US" sz="1200"/>
+          </a:p>
+        </p:txBody>
+      </p:sp>
+      <p:cxnSp>
+        <p:nvCxnSpPr>
+          <p:cNvPr id="148" name="직선 화살표 연결선 147">
+            <a:extLst>
+              <a:ext uri="{FF2B5EF4-FFF2-40B4-BE49-F238E27FC236}">
+                <a16:creationId xmlns:a16="http://schemas.microsoft.com/office/drawing/2014/main" id="{70CA6958-1E3C-483B-ABC6-95957632D534}"/>
+              </a:ext>
+            </a:extLst>
+          </p:cNvPr>
+          <p:cNvCxnSpPr>
+            <a:cxnSpLocks/>
+            <a:stCxn id="145" idx="3"/>
+            <a:endCxn id="147" idx="1"/>
+          </p:cNvCxnSpPr>
+          <p:nvPr/>
+        </p:nvCxnSpPr>
+        <p:spPr>
+          <a:xfrm>
+            <a:off x="1404350" y="4222418"/>
+            <a:ext cx="460512" cy="153888"/>
+          </a:xfrm>
+          <a:prstGeom prst="straightConnector1">
+            <a:avLst/>
+          </a:prstGeom>
+          <a:ln w="28575">
+            <a:solidFill>
+              <a:schemeClr val="tx1"/>
+            </a:solidFill>
+            <a:headEnd type="none" w="med" len="med"/>
+            <a:tailEnd type="arrow" w="med" len="med"/>
+          </a:ln>
+        </p:spPr>
+        <p:style>
+          <a:lnRef idx="1">
+            <a:schemeClr val="accent1"/>
+          </a:lnRef>
+          <a:fillRef idx="0">
+            <a:schemeClr val="accent1"/>
+          </a:fillRef>
+          <a:effectRef idx="0">
+            <a:schemeClr val="accent1"/>
+          </a:effectRef>
+          <a:fontRef idx="minor">
+            <a:schemeClr val="tx1"/>
+          </a:fontRef>
+        </p:style>
+      </p:cxnSp>
+      <p:cxnSp>
+        <p:nvCxnSpPr>
+          <p:cNvPr id="152" name="직선 화살표 연결선 151">
+            <a:extLst>
+              <a:ext uri="{FF2B5EF4-FFF2-40B4-BE49-F238E27FC236}">
+                <a16:creationId xmlns:a16="http://schemas.microsoft.com/office/drawing/2014/main" id="{7428E2FD-C924-45BE-86B5-73B54ECCEF58}"/>
+              </a:ext>
+            </a:extLst>
+          </p:cNvPr>
+          <p:cNvCxnSpPr>
+            <a:cxnSpLocks/>
+            <a:stCxn id="146" idx="3"/>
+            <a:endCxn id="147" idx="1"/>
+          </p:cNvCxnSpPr>
+          <p:nvPr/>
+        </p:nvCxnSpPr>
+        <p:spPr>
+          <a:xfrm flipV="1">
+            <a:off x="1404350" y="4376306"/>
+            <a:ext cx="460512" cy="148681"/>
+          </a:xfrm>
+          <a:prstGeom prst="straightConnector1">
+            <a:avLst/>
+          </a:prstGeom>
+          <a:ln w="28575">
+            <a:solidFill>
+              <a:schemeClr val="tx1"/>
+            </a:solidFill>
+            <a:headEnd type="none" w="med" len="med"/>
+            <a:tailEnd type="arrow" w="med" len="med"/>
+          </a:ln>
+        </p:spPr>
+        <p:style>
+          <a:lnRef idx="1">
+            <a:schemeClr val="accent1"/>
+          </a:lnRef>
+          <a:fillRef idx="0">
+            <a:schemeClr val="accent1"/>
+          </a:fillRef>
+          <a:effectRef idx="0">
+            <a:schemeClr val="accent1"/>
+          </a:effectRef>
+          <a:fontRef idx="minor">
+            <a:schemeClr val="tx1"/>
+          </a:fontRef>
+        </p:style>
+      </p:cxnSp>
+      <p:sp>
+        <p:nvSpPr>
+          <p:cNvPr id="155" name="TextBox 154">
+            <a:extLst>
+              <a:ext uri="{FF2B5EF4-FFF2-40B4-BE49-F238E27FC236}">
+                <a16:creationId xmlns:a16="http://schemas.microsoft.com/office/drawing/2014/main" id="{7CCAB9A0-6AF0-44BA-B42E-1C2D2493BE03}"/>
+              </a:ext>
+            </a:extLst>
+          </p:cNvPr>
+          <p:cNvSpPr txBox="1"/>
+          <p:nvPr/>
+        </p:nvSpPr>
+        <p:spPr>
+          <a:xfrm>
+            <a:off x="2742303" y="4083918"/>
+            <a:ext cx="1713066" cy="276999"/>
+          </a:xfrm>
+          <a:prstGeom prst="rect">
+            <a:avLst/>
+          </a:prstGeom>
+          <a:noFill/>
+        </p:spPr>
+        <p:txBody>
+          <a:bodyPr wrap="square" rtlCol="0">
+            <a:spAutoFit/>
+          </a:bodyPr>
+          <a:lstStyle/>
+          <a:p>
+            <a:pPr algn="ctr"/>
+            <a:r>
+              <a:rPr lang="en-US" altLang="ko-KR" sz="1200"/>
+              <a:t>ip_vs_remote_request()</a:t>
+            </a:r>
+            <a:endParaRPr lang="ko-KR" altLang="en-US" sz="1200"/>
+          </a:p>
+        </p:txBody>
+      </p:sp>
+      <p:sp>
+        <p:nvSpPr>
+          <p:cNvPr id="156" name="TextBox 155">
+            <a:extLst>
+              <a:ext uri="{FF2B5EF4-FFF2-40B4-BE49-F238E27FC236}">
+                <a16:creationId xmlns:a16="http://schemas.microsoft.com/office/drawing/2014/main" id="{765B2FF3-4430-48FE-96A4-28BD20D840D5}"/>
+              </a:ext>
+            </a:extLst>
+          </p:cNvPr>
+          <p:cNvSpPr txBox="1"/>
+          <p:nvPr/>
+        </p:nvSpPr>
+        <p:spPr>
+          <a:xfrm>
+            <a:off x="2742303" y="4386487"/>
+            <a:ext cx="1713066" cy="276999"/>
+          </a:xfrm>
+          <a:prstGeom prst="rect">
+            <a:avLst/>
+          </a:prstGeom>
+          <a:noFill/>
+        </p:spPr>
+        <p:txBody>
+          <a:bodyPr wrap="square" rtlCol="0">
+            <a:spAutoFit/>
+          </a:bodyPr>
+          <a:lstStyle/>
+          <a:p>
+            <a:pPr algn="ctr"/>
+            <a:r>
+              <a:rPr lang="en-US" altLang="ko-KR" sz="1200"/>
+              <a:t>ip_vs_local_request()</a:t>
+            </a:r>
+            <a:endParaRPr lang="ko-KR" altLang="en-US" sz="1200"/>
+          </a:p>
+        </p:txBody>
+      </p:sp>
+      <p:sp>
+        <p:nvSpPr>
+          <p:cNvPr id="157" name="TextBox 156">
+            <a:extLst>
+              <a:ext uri="{FF2B5EF4-FFF2-40B4-BE49-F238E27FC236}">
+                <a16:creationId xmlns:a16="http://schemas.microsoft.com/office/drawing/2014/main" id="{739B99C0-1D99-4DF9-91E4-A10322EDE26C}"/>
+              </a:ext>
+            </a:extLst>
+          </p:cNvPr>
+          <p:cNvSpPr txBox="1"/>
+          <p:nvPr/>
+        </p:nvSpPr>
+        <p:spPr>
+          <a:xfrm>
+            <a:off x="4915881" y="4237806"/>
+            <a:ext cx="952263" cy="276999"/>
+          </a:xfrm>
+          <a:prstGeom prst="rect">
+            <a:avLst/>
+          </a:prstGeom>
+          <a:noFill/>
+        </p:spPr>
+        <p:txBody>
+          <a:bodyPr wrap="square" rtlCol="0">
+            <a:spAutoFit/>
+          </a:bodyPr>
+          <a:lstStyle/>
+          <a:p>
+            <a:pPr algn="ctr"/>
+            <a:r>
+              <a:rPr lang="en-US" altLang="ko-KR" sz="1200"/>
+              <a:t>ip_vs_out()</a:t>
+            </a:r>
+            <a:endParaRPr lang="ko-KR" altLang="en-US" sz="1200"/>
+          </a:p>
+        </p:txBody>
+      </p:sp>
+      <p:cxnSp>
+        <p:nvCxnSpPr>
+          <p:cNvPr id="158" name="직선 화살표 연결선 157">
+            <a:extLst>
+              <a:ext uri="{FF2B5EF4-FFF2-40B4-BE49-F238E27FC236}">
+                <a16:creationId xmlns:a16="http://schemas.microsoft.com/office/drawing/2014/main" id="{45778CE2-28E7-474A-971B-2DD8DC7DDEBD}"/>
+              </a:ext>
+            </a:extLst>
+          </p:cNvPr>
+          <p:cNvCxnSpPr>
+            <a:cxnSpLocks/>
+            <a:stCxn id="155" idx="3"/>
+            <a:endCxn id="157" idx="1"/>
+          </p:cNvCxnSpPr>
+          <p:nvPr/>
+        </p:nvCxnSpPr>
+        <p:spPr>
+          <a:xfrm>
+            <a:off x="4455369" y="4222418"/>
+            <a:ext cx="460512" cy="153888"/>
+          </a:xfrm>
+          <a:prstGeom prst="straightConnector1">
+            <a:avLst/>
+          </a:prstGeom>
+          <a:ln w="28575">
+            <a:solidFill>
+              <a:schemeClr val="tx1"/>
+            </a:solidFill>
+            <a:headEnd type="none" w="med" len="med"/>
+            <a:tailEnd type="arrow" w="med" len="med"/>
+          </a:ln>
+        </p:spPr>
+        <p:style>
+          <a:lnRef idx="1">
+            <a:schemeClr val="accent1"/>
+          </a:lnRef>
+          <a:fillRef idx="0">
+            <a:schemeClr val="accent1"/>
+          </a:fillRef>
+          <a:effectRef idx="0">
+            <a:schemeClr val="accent1"/>
+          </a:effectRef>
+          <a:fontRef idx="minor">
+            <a:schemeClr val="tx1"/>
+          </a:fontRef>
+        </p:style>
+      </p:cxnSp>
+      <p:cxnSp>
+        <p:nvCxnSpPr>
+          <p:cNvPr id="159" name="직선 화살표 연결선 158">
+            <a:extLst>
+              <a:ext uri="{FF2B5EF4-FFF2-40B4-BE49-F238E27FC236}">
+                <a16:creationId xmlns:a16="http://schemas.microsoft.com/office/drawing/2014/main" id="{2CBE2300-A418-492D-9C58-EC75A64763CC}"/>
+              </a:ext>
+            </a:extLst>
+          </p:cNvPr>
+          <p:cNvCxnSpPr>
+            <a:cxnSpLocks/>
+            <a:stCxn id="156" idx="3"/>
+            <a:endCxn id="157" idx="1"/>
+          </p:cNvCxnSpPr>
+          <p:nvPr/>
+        </p:nvCxnSpPr>
+        <p:spPr>
+          <a:xfrm flipV="1">
+            <a:off x="4455369" y="4376306"/>
+            <a:ext cx="460512" cy="148681"/>
+          </a:xfrm>
+          <a:prstGeom prst="straightConnector1">
+            <a:avLst/>
+          </a:prstGeom>
+          <a:ln w="28575">
+            <a:solidFill>
+              <a:schemeClr val="tx1"/>
+            </a:solidFill>
+            <a:headEnd type="none" w="med" len="med"/>
+            <a:tailEnd type="arrow" w="med" len="med"/>
+          </a:ln>
+        </p:spPr>
+        <p:style>
+          <a:lnRef idx="1">
+            <a:schemeClr val="accent1"/>
+          </a:lnRef>
+          <a:fillRef idx="0">
+            <a:schemeClr val="accent1"/>
+          </a:fillRef>
+          <a:effectRef idx="0">
+            <a:schemeClr val="accent1"/>
+          </a:effectRef>
+          <a:fontRef idx="minor">
+            <a:schemeClr val="tx1"/>
+          </a:fontRef>
+        </p:style>
+      </p:cxnSp>
+      <p:sp>
+        <p:nvSpPr>
+          <p:cNvPr id="53" name="TextBox 52">
+            <a:extLst>
+              <a:ext uri="{FF2B5EF4-FFF2-40B4-BE49-F238E27FC236}">
+                <a16:creationId xmlns:a16="http://schemas.microsoft.com/office/drawing/2014/main" id="{179E5073-B296-4111-B482-7C459BB4CD71}"/>
+              </a:ext>
+            </a:extLst>
+          </p:cNvPr>
+          <p:cNvSpPr txBox="1"/>
+          <p:nvPr/>
+        </p:nvSpPr>
+        <p:spPr>
+          <a:xfrm>
+            <a:off x="5752785" y="4237805"/>
+            <a:ext cx="1713066" cy="276999"/>
+          </a:xfrm>
+          <a:prstGeom prst="rect">
+            <a:avLst/>
+          </a:prstGeom>
+          <a:noFill/>
+        </p:spPr>
+        <p:txBody>
+          <a:bodyPr wrap="square" rtlCol="0">
+            <a:spAutoFit/>
+          </a:bodyPr>
+          <a:lstStyle/>
+          <a:p>
+            <a:pPr algn="ctr"/>
+            <a:r>
+              <a:rPr lang="en-US" altLang="ko-KR" sz="1200"/>
+              <a:t>ip_vs_forward_icmp()</a:t>
+            </a:r>
+            <a:endParaRPr lang="ko-KR" altLang="en-US" sz="1200"/>
+          </a:p>
+        </p:txBody>
+      </p:sp>
+      <p:sp>
+        <p:nvSpPr>
+          <p:cNvPr id="57" name="TextBox 56">
+            <a:extLst>
+              <a:ext uri="{FF2B5EF4-FFF2-40B4-BE49-F238E27FC236}">
+                <a16:creationId xmlns:a16="http://schemas.microsoft.com/office/drawing/2014/main" id="{6E640A42-11AB-4A64-A564-48E46DF3C682}"/>
+              </a:ext>
+            </a:extLst>
+          </p:cNvPr>
+          <p:cNvSpPr txBox="1"/>
+          <p:nvPr/>
+        </p:nvSpPr>
+        <p:spPr>
+          <a:xfrm>
+            <a:off x="7926363" y="4237806"/>
+            <a:ext cx="1182141" cy="276999"/>
+          </a:xfrm>
+          <a:prstGeom prst="rect">
+            <a:avLst/>
+          </a:prstGeom>
+          <a:noFill/>
+        </p:spPr>
+        <p:txBody>
+          <a:bodyPr wrap="square" rtlCol="0">
+            <a:spAutoFit/>
+          </a:bodyPr>
+          <a:lstStyle/>
+          <a:p>
+            <a:pPr algn="ctr"/>
+            <a:r>
+              <a:rPr lang="en-US" altLang="ko-KR" sz="1200"/>
+              <a:t>ip_vs_in_icmp()</a:t>
+            </a:r>
+            <a:endParaRPr lang="ko-KR" altLang="en-US" sz="1200"/>
+          </a:p>
+        </p:txBody>
+      </p:sp>
+      <p:cxnSp>
+        <p:nvCxnSpPr>
+          <p:cNvPr id="58" name="직선 화살표 연결선 57">
+            <a:extLst>
+              <a:ext uri="{FF2B5EF4-FFF2-40B4-BE49-F238E27FC236}">
+                <a16:creationId xmlns:a16="http://schemas.microsoft.com/office/drawing/2014/main" id="{060598FE-00C5-491B-AA22-548F3D957BC1}"/>
+              </a:ext>
+            </a:extLst>
+          </p:cNvPr>
+          <p:cNvCxnSpPr>
+            <a:cxnSpLocks/>
+            <a:stCxn id="53" idx="3"/>
+            <a:endCxn id="57" idx="1"/>
+          </p:cNvCxnSpPr>
+          <p:nvPr/>
+        </p:nvCxnSpPr>
+        <p:spPr>
+          <a:xfrm>
+            <a:off x="7465851" y="4376305"/>
+            <a:ext cx="460512" cy="1"/>
+          </a:xfrm>
+          <a:prstGeom prst="straightConnector1">
+            <a:avLst/>
+          </a:prstGeom>
+          <a:ln w="28575">
+            <a:solidFill>
+              <a:schemeClr val="tx1"/>
+            </a:solidFill>
+            <a:headEnd type="none" w="med" len="med"/>
+            <a:tailEnd type="arrow" w="med" len="med"/>
+          </a:ln>
+        </p:spPr>
+        <p:style>
+          <a:lnRef idx="1">
+            <a:schemeClr val="accent1"/>
+          </a:lnRef>
+          <a:fillRef idx="0">
+            <a:schemeClr val="accent1"/>
+          </a:fillRef>
+          <a:effectRef idx="0">
+            <a:schemeClr val="accent1"/>
+          </a:effectRef>
+          <a:fontRef idx="minor">
+            <a:schemeClr val="tx1"/>
+          </a:fontRef>
+        </p:style>
+      </p:cxnSp>
     </p:spTree>
     <p:extLst>
       <p:ext uri="{BB962C8B-B14F-4D97-AF65-F5344CB8AC3E}">

--- a/images/theory_analysis/Linux_LVS_IPVS/Linux_LVS_IPVS.pptx
+++ b/images/theory_analysis/Linux_LVS_IPVS/Linux_LVS_IPVS.pptx
@@ -214,7 +214,7 @@
           <a:p>
             <a:fld id="{6CD5550B-26C4-49A9-A5BA-636EF7BE6CE9}" type="datetimeFigureOut">
               <a:rPr lang="ko-KR" altLang="en-US" smtClean="0"/>
-              <a:t>2019-01-25</a:t>
+              <a:t>2019-05-15</a:t>
             </a:fld>
             <a:endParaRPr lang="ko-KR" altLang="en-US"/>
           </a:p>
@@ -828,7 +828,7 @@
           <a:p>
             <a:fld id="{FB30EDBD-1C2D-4C1E-B459-B60219FAB484}" type="datetimeFigureOut">
               <a:rPr lang="ko-KR" altLang="en-US" smtClean="0"/>
-              <a:t>2019-01-25</a:t>
+              <a:t>2019-05-15</a:t>
             </a:fld>
             <a:endParaRPr lang="ko-KR" altLang="en-US"/>
           </a:p>
@@ -991,7 +991,7 @@
           <a:p>
             <a:fld id="{FB30EDBD-1C2D-4C1E-B459-B60219FAB484}" type="datetimeFigureOut">
               <a:rPr lang="ko-KR" altLang="en-US" smtClean="0"/>
-              <a:t>2019-01-25</a:t>
+              <a:t>2019-05-15</a:t>
             </a:fld>
             <a:endParaRPr lang="ko-KR" altLang="en-US"/>
           </a:p>
@@ -1164,7 +1164,7 @@
           <a:p>
             <a:fld id="{FB30EDBD-1C2D-4C1E-B459-B60219FAB484}" type="datetimeFigureOut">
               <a:rPr lang="ko-KR" altLang="en-US" smtClean="0"/>
-              <a:t>2019-01-25</a:t>
+              <a:t>2019-05-15</a:t>
             </a:fld>
             <a:endParaRPr lang="ko-KR" altLang="en-US"/>
           </a:p>
@@ -1327,7 +1327,7 @@
           <a:p>
             <a:fld id="{FB30EDBD-1C2D-4C1E-B459-B60219FAB484}" type="datetimeFigureOut">
               <a:rPr lang="ko-KR" altLang="en-US" smtClean="0"/>
-              <a:t>2019-01-25</a:t>
+              <a:t>2019-05-15</a:t>
             </a:fld>
             <a:endParaRPr lang="ko-KR" altLang="en-US"/>
           </a:p>
@@ -1567,7 +1567,7 @@
           <a:p>
             <a:fld id="{FB30EDBD-1C2D-4C1E-B459-B60219FAB484}" type="datetimeFigureOut">
               <a:rPr lang="ko-KR" altLang="en-US" smtClean="0"/>
-              <a:t>2019-01-25</a:t>
+              <a:t>2019-05-15</a:t>
             </a:fld>
             <a:endParaRPr lang="ko-KR" altLang="en-US"/>
           </a:p>
@@ -1847,7 +1847,7 @@
           <a:p>
             <a:fld id="{FB30EDBD-1C2D-4C1E-B459-B60219FAB484}" type="datetimeFigureOut">
               <a:rPr lang="ko-KR" altLang="en-US" smtClean="0"/>
-              <a:t>2019-01-25</a:t>
+              <a:t>2019-05-15</a:t>
             </a:fld>
             <a:endParaRPr lang="ko-KR" altLang="en-US"/>
           </a:p>
@@ -2261,7 +2261,7 @@
           <a:p>
             <a:fld id="{FB30EDBD-1C2D-4C1E-B459-B60219FAB484}" type="datetimeFigureOut">
               <a:rPr lang="ko-KR" altLang="en-US" smtClean="0"/>
-              <a:t>2019-01-25</a:t>
+              <a:t>2019-05-15</a:t>
             </a:fld>
             <a:endParaRPr lang="ko-KR" altLang="en-US"/>
           </a:p>
@@ -2373,7 +2373,7 @@
           <a:p>
             <a:fld id="{FB30EDBD-1C2D-4C1E-B459-B60219FAB484}" type="datetimeFigureOut">
               <a:rPr lang="ko-KR" altLang="en-US" smtClean="0"/>
-              <a:t>2019-01-25</a:t>
+              <a:t>2019-05-15</a:t>
             </a:fld>
             <a:endParaRPr lang="ko-KR" altLang="en-US"/>
           </a:p>
@@ -2463,7 +2463,7 @@
           <a:p>
             <a:fld id="{FB30EDBD-1C2D-4C1E-B459-B60219FAB484}" type="datetimeFigureOut">
               <a:rPr lang="ko-KR" altLang="en-US" smtClean="0"/>
-              <a:t>2019-01-25</a:t>
+              <a:t>2019-05-15</a:t>
             </a:fld>
             <a:endParaRPr lang="ko-KR" altLang="en-US"/>
           </a:p>
@@ -2733,7 +2733,7 @@
           <a:p>
             <a:fld id="{FB30EDBD-1C2D-4C1E-B459-B60219FAB484}" type="datetimeFigureOut">
               <a:rPr lang="ko-KR" altLang="en-US" smtClean="0"/>
-              <a:t>2019-01-25</a:t>
+              <a:t>2019-05-15</a:t>
             </a:fld>
             <a:endParaRPr lang="ko-KR" altLang="en-US"/>
           </a:p>
@@ -2980,7 +2980,7 @@
           <a:p>
             <a:fld id="{FB30EDBD-1C2D-4C1E-B459-B60219FAB484}" type="datetimeFigureOut">
               <a:rPr lang="ko-KR" altLang="en-US" smtClean="0"/>
-              <a:t>2019-01-25</a:t>
+              <a:t>2019-05-15</a:t>
             </a:fld>
             <a:endParaRPr lang="ko-KR" altLang="en-US"/>
           </a:p>
@@ -3186,7 +3186,7 @@
           <a:p>
             <a:fld id="{FB30EDBD-1C2D-4C1E-B459-B60219FAB484}" type="datetimeFigureOut">
               <a:rPr lang="ko-KR" altLang="en-US" smtClean="0"/>
-              <a:t>2019-01-25</a:t>
+              <a:t>2019-05-15</a:t>
             </a:fld>
             <a:endParaRPr lang="ko-KR" altLang="en-US"/>
           </a:p>
@@ -4334,9 +4334,8 @@
           <a:p>
             <a:r>
               <a:rPr lang="en-US" altLang="ko-KR"/>
-              <a:t>IPVS</a:t>
-            </a:r>
-            <a:endParaRPr lang="ko-KR" altLang="en-US"/>
+              <a:t>IPVS Netfilter Hook Function</a:t>
+            </a:r>
           </a:p>
         </p:txBody>
       </p:sp>
@@ -4402,11 +4401,13 @@
         </p:nvSpPr>
         <p:spPr>
           <a:xfrm>
-            <a:off x="3882256" y="1590347"/>
-            <a:ext cx="1512168" cy="359471"/>
+            <a:off x="3882256" y="1400463"/>
+            <a:ext cx="1512168" cy="739240"/>
           </a:xfrm>
           <a:prstGeom prst="roundRect">
-            <a:avLst/>
+            <a:avLst>
+              <a:gd name="adj" fmla="val 10654"/>
+            </a:avLst>
           </a:prstGeom>
         </p:spPr>
         <p:style>
@@ -4424,7 +4425,7 @@
           </a:fontRef>
         </p:style>
         <p:txBody>
-          <a:bodyPr rtlCol="0" anchor="ctr"/>
+          <a:bodyPr rtlCol="0" anchor="b"/>
           <a:lstStyle/>
           <a:p>
             <a:pPr algn="ctr"/>
@@ -4498,11 +4499,13 @@
         </p:nvSpPr>
         <p:spPr>
           <a:xfrm>
-            <a:off x="2282912" y="2689543"/>
-            <a:ext cx="1512168" cy="359471"/>
+            <a:off x="2627784" y="2436685"/>
+            <a:ext cx="1512168" cy="865188"/>
           </a:xfrm>
           <a:prstGeom prst="roundRect">
-            <a:avLst/>
+            <a:avLst>
+              <a:gd name="adj" fmla="val 11761"/>
+            </a:avLst>
           </a:prstGeom>
         </p:spPr>
         <p:style>
@@ -4520,7 +4523,7 @@
           </a:fontRef>
         </p:style>
         <p:txBody>
-          <a:bodyPr rtlCol="0" anchor="ctr"/>
+          <a:bodyPr rtlCol="0" anchor="b"/>
           <a:lstStyle/>
           <a:p>
             <a:pPr algn="ctr"/>
@@ -4546,8 +4549,8 @@
         </p:nvSpPr>
         <p:spPr>
           <a:xfrm>
-            <a:off x="5415260" y="2689543"/>
-            <a:ext cx="1512168" cy="359471"/>
+            <a:off x="5129014" y="2436685"/>
+            <a:ext cx="1512168" cy="865188"/>
           </a:xfrm>
           <a:prstGeom prst="roundRect">
             <a:avLst/>
@@ -4568,7 +4571,7 @@
           </a:fontRef>
         </p:style>
         <p:txBody>
-          <a:bodyPr rtlCol="0" anchor="ctr"/>
+          <a:bodyPr rtlCol="0" anchor="b"/>
           <a:lstStyle/>
           <a:p>
             <a:pPr algn="ctr"/>
@@ -4737,7 +4740,7 @@
         <p:spPr>
           <a:xfrm>
             <a:off x="3038996" y="2031693"/>
-            <a:ext cx="0" cy="657850"/>
+            <a:ext cx="344872" cy="404992"/>
           </a:xfrm>
           <a:prstGeom prst="straightConnector1">
             <a:avLst/>
@@ -5029,8 +5032,8 @@
         </p:nvSpPr>
         <p:spPr>
           <a:xfrm>
-            <a:off x="2514109" y="3470614"/>
-            <a:ext cx="1049774" cy="523220"/>
+            <a:off x="2663632" y="3507854"/>
+            <a:ext cx="1440472" cy="523220"/>
           </a:xfrm>
           <a:prstGeom prst="rect">
             <a:avLst/>
@@ -5046,7 +5049,14 @@
             <a:pPr algn="ctr"/>
             <a:r>
               <a:rPr lang="en-US" altLang="ko-KR" sz="1400"/>
-              <a:t>Local Process</a:t>
+              <a:t>Process</a:t>
+            </a:r>
+          </a:p>
+          <a:p>
+            <a:pPr algn="ctr"/>
+            <a:r>
+              <a:rPr lang="en-US" altLang="ko-KR" sz="1400"/>
+              <a:t>(Server, Client)</a:t>
             </a:r>
             <a:endParaRPr lang="ko-KR" altLang="en-US" sz="1400"/>
           </a:p>
@@ -5070,8 +5080,8 @@
         </p:nvCxnSpPr>
         <p:spPr>
           <a:xfrm>
-            <a:off x="3038996" y="3049014"/>
-            <a:ext cx="0" cy="421600"/>
+            <a:off x="3383868" y="3301873"/>
+            <a:ext cx="0" cy="245471"/>
           </a:xfrm>
           <a:prstGeom prst="straightConnector1">
             <a:avLst/>
@@ -5255,8 +5265,8 @@
         </p:nvCxnSpPr>
         <p:spPr>
           <a:xfrm flipV="1">
-            <a:off x="6171344" y="2031692"/>
-            <a:ext cx="0" cy="657851"/>
+            <a:off x="5885098" y="2031692"/>
+            <a:ext cx="286246" cy="404993"/>
           </a:xfrm>
           <a:prstGeom prst="straightConnector1">
             <a:avLst/>
@@ -5298,8 +5308,8 @@
         </p:nvSpPr>
         <p:spPr>
           <a:xfrm>
-            <a:off x="5646457" y="3470614"/>
-            <a:ext cx="1049774" cy="523220"/>
+            <a:off x="5180186" y="3507854"/>
+            <a:ext cx="1409824" cy="523220"/>
           </a:xfrm>
           <a:prstGeom prst="rect">
             <a:avLst/>
@@ -5315,7 +5325,14 @@
             <a:pPr algn="ctr"/>
             <a:r>
               <a:rPr lang="en-US" altLang="ko-KR" sz="1400"/>
-              <a:t>Local Process</a:t>
+              <a:t>Process</a:t>
+            </a:r>
+          </a:p>
+          <a:p>
+            <a:pPr algn="ctr"/>
+            <a:r>
+              <a:rPr lang="en-US" altLang="ko-KR" sz="1400"/>
+              <a:t>(Server, Client)</a:t>
             </a:r>
             <a:endParaRPr lang="ko-KR" altLang="en-US" sz="1400"/>
           </a:p>
@@ -5339,8 +5356,8 @@
         </p:nvCxnSpPr>
         <p:spPr>
           <a:xfrm>
-            <a:off x="6171344" y="3049014"/>
-            <a:ext cx="0" cy="421600"/>
+            <a:off x="5885098" y="3301873"/>
+            <a:ext cx="0" cy="245471"/>
           </a:xfrm>
           <a:prstGeom prst="straightConnector1">
             <a:avLst/>
@@ -5464,52 +5481,6 @@
           </a:p>
         </p:txBody>
       </p:sp>
-      <p:cxnSp>
-        <p:nvCxnSpPr>
-          <p:cNvPr id="94" name="직선 화살표 연결선 93">
-            <a:extLst>
-              <a:ext uri="{FF2B5EF4-FFF2-40B4-BE49-F238E27FC236}">
-                <a16:creationId xmlns:a16="http://schemas.microsoft.com/office/drawing/2014/main" id="{7732E26D-5477-4D75-BCD2-40A603E86061}"/>
-              </a:ext>
-            </a:extLst>
-          </p:cNvPr>
-          <p:cNvCxnSpPr>
-            <a:cxnSpLocks/>
-            <a:stCxn id="92" idx="2"/>
-          </p:cNvCxnSpPr>
-          <p:nvPr/>
-        </p:nvCxnSpPr>
-        <p:spPr>
-          <a:xfrm>
-            <a:off x="3406592" y="1177375"/>
-            <a:ext cx="876493" cy="412972"/>
-          </a:xfrm>
-          <a:prstGeom prst="straightConnector1">
-            <a:avLst/>
-          </a:prstGeom>
-          <a:ln w="28575">
-            <a:solidFill>
-              <a:schemeClr val="tx1"/>
-            </a:solidFill>
-            <a:headEnd type="arrow" w="med" len="med"/>
-            <a:tailEnd type="arrow" w="med" len="med"/>
-          </a:ln>
-        </p:spPr>
-        <p:style>
-          <a:lnRef idx="1">
-            <a:schemeClr val="accent1"/>
-          </a:lnRef>
-          <a:fillRef idx="0">
-            <a:schemeClr val="accent1"/>
-          </a:fillRef>
-          <a:effectRef idx="0">
-            <a:schemeClr val="accent1"/>
-          </a:effectRef>
-          <a:fontRef idx="minor">
-            <a:schemeClr val="tx1"/>
-          </a:fontRef>
-        </p:style>
-      </p:cxnSp>
       <p:cxnSp>
         <p:nvCxnSpPr>
           <p:cNvPr id="98" name="직선 화살표 연결선 97">
@@ -5527,8 +5498,8 @@
         </p:nvCxnSpPr>
         <p:spPr>
           <a:xfrm flipH="1">
-            <a:off x="4999280" y="1168747"/>
-            <a:ext cx="866960" cy="421600"/>
+            <a:off x="5004048" y="1168747"/>
+            <a:ext cx="862192" cy="616724"/>
           </a:xfrm>
           <a:prstGeom prst="straightConnector1">
             <a:avLst/>
@@ -5700,144 +5671,6 @@
           </a:p>
         </p:txBody>
       </p:sp>
-      <p:cxnSp>
-        <p:nvCxnSpPr>
-          <p:cNvPr id="119" name="직선 화살표 연결선 118">
-            <a:extLst>
-              <a:ext uri="{FF2B5EF4-FFF2-40B4-BE49-F238E27FC236}">
-                <a16:creationId xmlns:a16="http://schemas.microsoft.com/office/drawing/2014/main" id="{101335BC-1315-4538-9FBF-91AE6AD3EDAC}"/>
-              </a:ext>
-            </a:extLst>
-          </p:cNvPr>
-          <p:cNvCxnSpPr>
-            <a:cxnSpLocks/>
-            <a:stCxn id="112" idx="0"/>
-          </p:cNvCxnSpPr>
-          <p:nvPr/>
-        </p:nvCxnSpPr>
-        <p:spPr>
-          <a:xfrm flipV="1">
-            <a:off x="1431382" y="3043464"/>
-            <a:ext cx="858956" cy="222712"/>
-          </a:xfrm>
-          <a:prstGeom prst="straightConnector1">
-            <a:avLst/>
-          </a:prstGeom>
-          <a:ln w="28575">
-            <a:solidFill>
-              <a:schemeClr val="tx1"/>
-            </a:solidFill>
-            <a:headEnd type="arrow" w="med" len="med"/>
-            <a:tailEnd type="arrow" w="med" len="med"/>
-          </a:ln>
-        </p:spPr>
-        <p:style>
-          <a:lnRef idx="1">
-            <a:schemeClr val="accent1"/>
-          </a:lnRef>
-          <a:fillRef idx="0">
-            <a:schemeClr val="accent1"/>
-          </a:fillRef>
-          <a:effectRef idx="0">
-            <a:schemeClr val="accent1"/>
-          </a:effectRef>
-          <a:fontRef idx="minor">
-            <a:schemeClr val="tx1"/>
-          </a:fontRef>
-        </p:style>
-      </p:cxnSp>
-      <p:cxnSp>
-        <p:nvCxnSpPr>
-          <p:cNvPr id="122" name="직선 화살표 연결선 121">
-            <a:extLst>
-              <a:ext uri="{FF2B5EF4-FFF2-40B4-BE49-F238E27FC236}">
-                <a16:creationId xmlns:a16="http://schemas.microsoft.com/office/drawing/2014/main" id="{0E2601A1-878A-4489-913D-2986E2232752}"/>
-              </a:ext>
-            </a:extLst>
-          </p:cNvPr>
-          <p:cNvCxnSpPr>
-            <a:cxnSpLocks/>
-            <a:stCxn id="117" idx="2"/>
-          </p:cNvCxnSpPr>
-          <p:nvPr/>
-        </p:nvCxnSpPr>
-        <p:spPr>
-          <a:xfrm flipH="1">
-            <a:off x="6927427" y="2472950"/>
-            <a:ext cx="742821" cy="239809"/>
-          </a:xfrm>
-          <a:prstGeom prst="straightConnector1">
-            <a:avLst/>
-          </a:prstGeom>
-          <a:ln w="28575">
-            <a:solidFill>
-              <a:schemeClr val="tx1"/>
-            </a:solidFill>
-            <a:headEnd type="arrow" w="med" len="med"/>
-            <a:tailEnd type="arrow" w="med" len="med"/>
-          </a:ln>
-        </p:spPr>
-        <p:style>
-          <a:lnRef idx="1">
-            <a:schemeClr val="accent1"/>
-          </a:lnRef>
-          <a:fillRef idx="0">
-            <a:schemeClr val="accent1"/>
-          </a:fillRef>
-          <a:effectRef idx="0">
-            <a:schemeClr val="accent1"/>
-          </a:effectRef>
-          <a:fontRef idx="minor">
-            <a:schemeClr val="tx1"/>
-          </a:fontRef>
-        </p:style>
-      </p:cxnSp>
-      <p:cxnSp>
-        <p:nvCxnSpPr>
-          <p:cNvPr id="125" name="직선 화살표 연결선 124">
-            <a:extLst>
-              <a:ext uri="{FF2B5EF4-FFF2-40B4-BE49-F238E27FC236}">
-                <a16:creationId xmlns:a16="http://schemas.microsoft.com/office/drawing/2014/main" id="{79C13041-AAB0-44C2-9753-A1012558F472}"/>
-              </a:ext>
-            </a:extLst>
-          </p:cNvPr>
-          <p:cNvCxnSpPr>
-            <a:cxnSpLocks/>
-            <a:stCxn id="118" idx="0"/>
-          </p:cNvCxnSpPr>
-          <p:nvPr/>
-        </p:nvCxnSpPr>
-        <p:spPr>
-          <a:xfrm flipH="1" flipV="1">
-            <a:off x="6927427" y="3043464"/>
-            <a:ext cx="742821" cy="216350"/>
-          </a:xfrm>
-          <a:prstGeom prst="straightConnector1">
-            <a:avLst/>
-          </a:prstGeom>
-          <a:ln w="28575">
-            <a:solidFill>
-              <a:schemeClr val="tx1"/>
-            </a:solidFill>
-            <a:headEnd type="arrow" w="med" len="med"/>
-            <a:tailEnd type="arrow" w="med" len="med"/>
-          </a:ln>
-        </p:spPr>
-        <p:style>
-          <a:lnRef idx="1">
-            <a:schemeClr val="accent1"/>
-          </a:lnRef>
-          <a:fillRef idx="0">
-            <a:schemeClr val="accent1"/>
-          </a:fillRef>
-          <a:effectRef idx="0">
-            <a:schemeClr val="accent1"/>
-          </a:effectRef>
-          <a:fontRef idx="minor">
-            <a:schemeClr val="tx1"/>
-          </a:fontRef>
-        </p:style>
-      </p:cxnSp>
       <p:sp>
         <p:nvSpPr>
           <p:cNvPr id="130" name="직사각형 129">
@@ -5886,52 +5719,6 @@
           </a:p>
         </p:txBody>
       </p:sp>
-      <p:cxnSp>
-        <p:nvCxnSpPr>
-          <p:cNvPr id="134" name="직선 화살표 연결선 133">
-            <a:extLst>
-              <a:ext uri="{FF2B5EF4-FFF2-40B4-BE49-F238E27FC236}">
-                <a16:creationId xmlns:a16="http://schemas.microsoft.com/office/drawing/2014/main" id="{F6DB1E37-DD1B-48DA-B3B4-BD9246CC62F8}"/>
-              </a:ext>
-            </a:extLst>
-          </p:cNvPr>
-          <p:cNvCxnSpPr>
-            <a:cxnSpLocks/>
-            <a:stCxn id="130" idx="2"/>
-          </p:cNvCxnSpPr>
-          <p:nvPr/>
-        </p:nvCxnSpPr>
-        <p:spPr>
-          <a:xfrm>
-            <a:off x="1448051" y="2467610"/>
-            <a:ext cx="842975" cy="245149"/>
-          </a:xfrm>
-          <a:prstGeom prst="straightConnector1">
-            <a:avLst/>
-          </a:prstGeom>
-          <a:ln w="28575">
-            <a:solidFill>
-              <a:schemeClr val="tx1"/>
-            </a:solidFill>
-            <a:headEnd type="arrow" w="med" len="med"/>
-            <a:tailEnd type="arrow" w="med" len="med"/>
-          </a:ln>
-        </p:spPr>
-        <p:style>
-          <a:lnRef idx="1">
-            <a:schemeClr val="accent1"/>
-          </a:lnRef>
-          <a:fillRef idx="0">
-            <a:schemeClr val="accent1"/>
-          </a:fillRef>
-          <a:effectRef idx="0">
-            <a:schemeClr val="accent1"/>
-          </a:effectRef>
-          <a:fontRef idx="minor">
-            <a:schemeClr val="tx1"/>
-          </a:fontRef>
-        </p:style>
-      </p:cxnSp>
       <p:sp>
         <p:nvSpPr>
           <p:cNvPr id="145" name="TextBox 144">
@@ -5946,7 +5733,7 @@
         </p:nvSpPr>
         <p:spPr>
           <a:xfrm>
-            <a:off x="35496" y="4083918"/>
+            <a:off x="3063260" y="4152422"/>
             <a:ext cx="1368854" cy="276999"/>
           </a:xfrm>
           <a:prstGeom prst="rect">
@@ -5983,7 +5770,7 @@
         </p:nvSpPr>
         <p:spPr>
           <a:xfrm>
-            <a:off x="35496" y="4386487"/>
+            <a:off x="3063260" y="4454991"/>
             <a:ext cx="1368854" cy="276999"/>
           </a:xfrm>
           <a:prstGeom prst="rect">
@@ -6020,7 +5807,7 @@
         </p:nvSpPr>
         <p:spPr>
           <a:xfrm>
-            <a:off x="1864862" y="4237806"/>
+            <a:off x="4892626" y="4306310"/>
             <a:ext cx="952263" cy="276999"/>
           </a:xfrm>
           <a:prstGeom prst="rect">
@@ -6037,7 +5824,7 @@
             <a:pPr algn="ctr"/>
             <a:r>
               <a:rPr lang="en-US" altLang="ko-KR" sz="1200"/>
-              <a:t>ip_vs_in()</a:t>
+              <a:t>ip_vs_out()</a:t>
             </a:r>
             <a:endParaRPr lang="ko-KR" altLang="en-US" sz="1200"/>
           </a:p>
@@ -6061,7 +5848,7 @@
         </p:nvCxnSpPr>
         <p:spPr>
           <a:xfrm>
-            <a:off x="1404350" y="4222418"/>
+            <a:off x="4432114" y="4290922"/>
             <a:ext cx="460512" cy="153888"/>
           </a:xfrm>
           <a:prstGeom prst="straightConnector1">
@@ -6108,7 +5895,7 @@
         </p:nvCxnSpPr>
         <p:spPr>
           <a:xfrm flipV="1">
-            <a:off x="1404350" y="4376306"/>
+            <a:off x="4432114" y="4444810"/>
             <a:ext cx="460512" cy="148681"/>
           </a:xfrm>
           <a:prstGeom prst="straightConnector1">
@@ -6151,7 +5938,7 @@
         </p:nvSpPr>
         <p:spPr>
           <a:xfrm>
-            <a:off x="2742303" y="4083918"/>
+            <a:off x="62130" y="4152422"/>
             <a:ext cx="1713066" cy="276999"/>
           </a:xfrm>
           <a:prstGeom prst="rect">
@@ -6188,7 +5975,7 @@
         </p:nvSpPr>
         <p:spPr>
           <a:xfrm>
-            <a:off x="2742303" y="4386487"/>
+            <a:off x="62130" y="4454991"/>
             <a:ext cx="1713066" cy="276999"/>
           </a:xfrm>
           <a:prstGeom prst="rect">
@@ -6225,7 +6012,7 @@
         </p:nvSpPr>
         <p:spPr>
           <a:xfrm>
-            <a:off x="4915881" y="4237806"/>
+            <a:off x="2165602" y="4306310"/>
             <a:ext cx="952263" cy="276999"/>
           </a:xfrm>
           <a:prstGeom prst="rect">
@@ -6242,7 +6029,7 @@
             <a:pPr algn="ctr"/>
             <a:r>
               <a:rPr lang="en-US" altLang="ko-KR" sz="1200"/>
-              <a:t>ip_vs_out()</a:t>
+              <a:t>ip_vs_in()</a:t>
             </a:r>
             <a:endParaRPr lang="ko-KR" altLang="en-US" sz="1200"/>
           </a:p>
@@ -6260,13 +6047,12 @@
           <p:cNvCxnSpPr>
             <a:cxnSpLocks/>
             <a:stCxn id="155" idx="3"/>
-            <a:endCxn id="157" idx="1"/>
           </p:cNvCxnSpPr>
           <p:nvPr/>
         </p:nvCxnSpPr>
         <p:spPr>
           <a:xfrm>
-            <a:off x="4455369" y="4222418"/>
+            <a:off x="1775196" y="4290922"/>
             <a:ext cx="460512" cy="153888"/>
           </a:xfrm>
           <a:prstGeom prst="straightConnector1">
@@ -6307,13 +6093,12 @@
           <p:cNvCxnSpPr>
             <a:cxnSpLocks/>
             <a:stCxn id="156" idx="3"/>
-            <a:endCxn id="157" idx="1"/>
           </p:cNvCxnSpPr>
           <p:nvPr/>
         </p:nvCxnSpPr>
         <p:spPr>
           <a:xfrm flipV="1">
-            <a:off x="4455369" y="4376306"/>
+            <a:off x="1775196" y="4444810"/>
             <a:ext cx="460512" cy="148681"/>
           </a:xfrm>
           <a:prstGeom prst="straightConnector1">
@@ -6356,7 +6141,7 @@
         </p:nvSpPr>
         <p:spPr>
           <a:xfrm>
-            <a:off x="5752785" y="4237805"/>
+            <a:off x="5752785" y="4306309"/>
             <a:ext cx="1713066" cy="276999"/>
           </a:xfrm>
           <a:prstGeom prst="rect">
@@ -6393,7 +6178,7 @@
         </p:nvSpPr>
         <p:spPr>
           <a:xfrm>
-            <a:off x="7926363" y="4237806"/>
+            <a:off x="7926363" y="4306310"/>
             <a:ext cx="1182141" cy="276999"/>
           </a:xfrm>
           <a:prstGeom prst="rect">
@@ -6434,7 +6219,7 @@
         </p:nvCxnSpPr>
         <p:spPr>
           <a:xfrm>
-            <a:off x="7465851" y="4376305"/>
+            <a:off x="7465851" y="4444809"/>
             <a:ext cx="460512" cy="1"/>
           </a:xfrm>
           <a:prstGeom prst="straightConnector1">
@@ -6445,6 +6230,380 @@
               <a:schemeClr val="tx1"/>
             </a:solidFill>
             <a:headEnd type="none" w="med" len="med"/>
+            <a:tailEnd type="arrow" w="med" len="med"/>
+          </a:ln>
+        </p:spPr>
+        <p:style>
+          <a:lnRef idx="1">
+            <a:schemeClr val="accent1"/>
+          </a:lnRef>
+          <a:fillRef idx="0">
+            <a:schemeClr val="accent1"/>
+          </a:fillRef>
+          <a:effectRef idx="0">
+            <a:schemeClr val="accent1"/>
+          </a:effectRef>
+          <a:fontRef idx="minor">
+            <a:schemeClr val="tx1"/>
+          </a:fontRef>
+        </p:style>
+      </p:cxnSp>
+      <p:sp>
+        <p:nvSpPr>
+          <p:cNvPr id="69" name="사각형: 둥근 모서리 68">
+            <a:extLst>
+              <a:ext uri="{FF2B5EF4-FFF2-40B4-BE49-F238E27FC236}">
+                <a16:creationId xmlns:a16="http://schemas.microsoft.com/office/drawing/2014/main" id="{DC3A1FAC-9044-4155-A0AB-73AA5D8B9C10}"/>
+              </a:ext>
+            </a:extLst>
+          </p:cNvPr>
+          <p:cNvSpPr/>
+          <p:nvPr/>
+        </p:nvSpPr>
+        <p:spPr>
+          <a:xfrm>
+            <a:off x="3955578" y="1485280"/>
+            <a:ext cx="616422" cy="366385"/>
+          </a:xfrm>
+          <a:prstGeom prst="roundRect">
+            <a:avLst/>
+          </a:prstGeom>
+        </p:spPr>
+        <p:style>
+          <a:lnRef idx="2">
+            <a:schemeClr val="dk1"/>
+          </a:lnRef>
+          <a:fillRef idx="1">
+            <a:schemeClr val="lt1"/>
+          </a:fillRef>
+          <a:effectRef idx="0">
+            <a:schemeClr val="dk1"/>
+          </a:effectRef>
+          <a:fontRef idx="minor">
+            <a:schemeClr val="dk1"/>
+          </a:fontRef>
+        </p:style>
+        <p:txBody>
+          <a:bodyPr rtlCol="0" anchor="ctr"/>
+          <a:lstStyle/>
+          <a:p>
+            <a:pPr algn="ctr"/>
+            <a:r>
+              <a:rPr lang="en-US" altLang="ko-KR" sz="1200"/>
+              <a:t>Filter Table</a:t>
+            </a:r>
+            <a:endParaRPr lang="ko-KR" altLang="en-US" sz="1200"/>
+          </a:p>
+        </p:txBody>
+      </p:sp>
+      <p:cxnSp>
+        <p:nvCxnSpPr>
+          <p:cNvPr id="94" name="직선 화살표 연결선 93">
+            <a:extLst>
+              <a:ext uri="{FF2B5EF4-FFF2-40B4-BE49-F238E27FC236}">
+                <a16:creationId xmlns:a16="http://schemas.microsoft.com/office/drawing/2014/main" id="{7732E26D-5477-4D75-BCD2-40A603E86061}"/>
+              </a:ext>
+            </a:extLst>
+          </p:cNvPr>
+          <p:cNvCxnSpPr>
+            <a:cxnSpLocks/>
+            <a:stCxn id="92" idx="2"/>
+          </p:cNvCxnSpPr>
+          <p:nvPr/>
+        </p:nvCxnSpPr>
+        <p:spPr>
+          <a:xfrm>
+            <a:off x="3406592" y="1177375"/>
+            <a:ext cx="1449632" cy="602890"/>
+          </a:xfrm>
+          <a:prstGeom prst="straightConnector1">
+            <a:avLst/>
+          </a:prstGeom>
+          <a:ln w="28575">
+            <a:solidFill>
+              <a:schemeClr val="tx1"/>
+            </a:solidFill>
+            <a:headEnd type="arrow" w="med" len="med"/>
+            <a:tailEnd type="arrow" w="med" len="med"/>
+          </a:ln>
+        </p:spPr>
+        <p:style>
+          <a:lnRef idx="1">
+            <a:schemeClr val="accent1"/>
+          </a:lnRef>
+          <a:fillRef idx="0">
+            <a:schemeClr val="accent1"/>
+          </a:fillRef>
+          <a:effectRef idx="0">
+            <a:schemeClr val="accent1"/>
+          </a:effectRef>
+          <a:fontRef idx="minor">
+            <a:schemeClr val="tx1"/>
+          </a:fontRef>
+        </p:style>
+      </p:cxnSp>
+      <p:sp>
+        <p:nvSpPr>
+          <p:cNvPr id="90" name="사각형: 둥근 모서리 89">
+            <a:extLst>
+              <a:ext uri="{FF2B5EF4-FFF2-40B4-BE49-F238E27FC236}">
+                <a16:creationId xmlns:a16="http://schemas.microsoft.com/office/drawing/2014/main" id="{27CC3C0F-D7C9-420F-971B-D41EDDE17F74}"/>
+              </a:ext>
+            </a:extLst>
+          </p:cNvPr>
+          <p:cNvSpPr/>
+          <p:nvPr/>
+        </p:nvSpPr>
+        <p:spPr>
+          <a:xfrm>
+            <a:off x="2767214" y="2499743"/>
+            <a:ext cx="1228722" cy="232668"/>
+          </a:xfrm>
+          <a:prstGeom prst="roundRect">
+            <a:avLst/>
+          </a:prstGeom>
+        </p:spPr>
+        <p:style>
+          <a:lnRef idx="2">
+            <a:schemeClr val="dk1"/>
+          </a:lnRef>
+          <a:fillRef idx="1">
+            <a:schemeClr val="lt1"/>
+          </a:fillRef>
+          <a:effectRef idx="0">
+            <a:schemeClr val="dk1"/>
+          </a:effectRef>
+          <a:fontRef idx="minor">
+            <a:schemeClr val="dk1"/>
+          </a:fontRef>
+        </p:style>
+        <p:txBody>
+          <a:bodyPr rtlCol="0" anchor="ctr"/>
+          <a:lstStyle/>
+          <a:p>
+            <a:pPr algn="ctr"/>
+            <a:r>
+              <a:rPr lang="en-US" altLang="ko-KR" sz="1200"/>
+              <a:t>Filter Table</a:t>
+            </a:r>
+            <a:endParaRPr lang="ko-KR" altLang="en-US" sz="1200"/>
+          </a:p>
+        </p:txBody>
+      </p:sp>
+      <p:sp>
+        <p:nvSpPr>
+          <p:cNvPr id="111" name="사각형: 둥근 모서리 110">
+            <a:extLst>
+              <a:ext uri="{FF2B5EF4-FFF2-40B4-BE49-F238E27FC236}">
+                <a16:creationId xmlns:a16="http://schemas.microsoft.com/office/drawing/2014/main" id="{E659FF75-A499-4AD6-B592-26FF54058DDA}"/>
+              </a:ext>
+            </a:extLst>
+          </p:cNvPr>
+          <p:cNvSpPr/>
+          <p:nvPr/>
+        </p:nvSpPr>
+        <p:spPr>
+          <a:xfrm>
+            <a:off x="5241406" y="2771130"/>
+            <a:ext cx="1274810" cy="232668"/>
+          </a:xfrm>
+          <a:prstGeom prst="roundRect">
+            <a:avLst/>
+          </a:prstGeom>
+        </p:spPr>
+        <p:style>
+          <a:lnRef idx="2">
+            <a:schemeClr val="dk1"/>
+          </a:lnRef>
+          <a:fillRef idx="1">
+            <a:schemeClr val="lt1"/>
+          </a:fillRef>
+          <a:effectRef idx="0">
+            <a:schemeClr val="dk1"/>
+          </a:effectRef>
+          <a:fontRef idx="minor">
+            <a:schemeClr val="dk1"/>
+          </a:fontRef>
+        </p:style>
+        <p:txBody>
+          <a:bodyPr rtlCol="0" anchor="ctr"/>
+          <a:lstStyle/>
+          <a:p>
+            <a:pPr algn="ctr"/>
+            <a:r>
+              <a:rPr lang="en-US" altLang="ko-KR" sz="1200"/>
+              <a:t>Mangle Table</a:t>
+            </a:r>
+            <a:endParaRPr lang="ko-KR" altLang="en-US" sz="1200"/>
+          </a:p>
+        </p:txBody>
+      </p:sp>
+      <p:cxnSp>
+        <p:nvCxnSpPr>
+          <p:cNvPr id="119" name="직선 화살표 연결선 118">
+            <a:extLst>
+              <a:ext uri="{FF2B5EF4-FFF2-40B4-BE49-F238E27FC236}">
+                <a16:creationId xmlns:a16="http://schemas.microsoft.com/office/drawing/2014/main" id="{101335BC-1315-4538-9FBF-91AE6AD3EDAC}"/>
+              </a:ext>
+            </a:extLst>
+          </p:cNvPr>
+          <p:cNvCxnSpPr>
+            <a:cxnSpLocks/>
+            <a:stCxn id="112" idx="0"/>
+          </p:cNvCxnSpPr>
+          <p:nvPr/>
+        </p:nvCxnSpPr>
+        <p:spPr>
+          <a:xfrm flipV="1">
+            <a:off x="1431382" y="2954255"/>
+            <a:ext cx="1952486" cy="311921"/>
+          </a:xfrm>
+          <a:prstGeom prst="straightConnector1">
+            <a:avLst/>
+          </a:prstGeom>
+          <a:ln w="28575">
+            <a:solidFill>
+              <a:schemeClr val="tx1"/>
+            </a:solidFill>
+            <a:headEnd type="arrow" w="med" len="med"/>
+            <a:tailEnd type="arrow" w="med" len="med"/>
+          </a:ln>
+        </p:spPr>
+        <p:style>
+          <a:lnRef idx="1">
+            <a:schemeClr val="accent1"/>
+          </a:lnRef>
+          <a:fillRef idx="0">
+            <a:schemeClr val="accent1"/>
+          </a:fillRef>
+          <a:effectRef idx="0">
+            <a:schemeClr val="accent1"/>
+          </a:effectRef>
+          <a:fontRef idx="minor">
+            <a:schemeClr val="tx1"/>
+          </a:fontRef>
+        </p:style>
+      </p:cxnSp>
+      <p:cxnSp>
+        <p:nvCxnSpPr>
+          <p:cNvPr id="134" name="직선 화살표 연결선 133">
+            <a:extLst>
+              <a:ext uri="{FF2B5EF4-FFF2-40B4-BE49-F238E27FC236}">
+                <a16:creationId xmlns:a16="http://schemas.microsoft.com/office/drawing/2014/main" id="{F6DB1E37-DD1B-48DA-B3B4-BD9246CC62F8}"/>
+              </a:ext>
+            </a:extLst>
+          </p:cNvPr>
+          <p:cNvCxnSpPr>
+            <a:cxnSpLocks/>
+            <a:stCxn id="130" idx="2"/>
+          </p:cNvCxnSpPr>
+          <p:nvPr/>
+        </p:nvCxnSpPr>
+        <p:spPr>
+          <a:xfrm>
+            <a:off x="1448051" y="2467610"/>
+            <a:ext cx="1935817" cy="359471"/>
+          </a:xfrm>
+          <a:prstGeom prst="straightConnector1">
+            <a:avLst/>
+          </a:prstGeom>
+          <a:ln w="28575">
+            <a:solidFill>
+              <a:schemeClr val="tx1"/>
+            </a:solidFill>
+            <a:headEnd type="arrow" w="med" len="med"/>
+            <a:tailEnd type="arrow" w="med" len="med"/>
+          </a:ln>
+        </p:spPr>
+        <p:style>
+          <a:lnRef idx="1">
+            <a:schemeClr val="accent1"/>
+          </a:lnRef>
+          <a:fillRef idx="0">
+            <a:schemeClr val="accent1"/>
+          </a:fillRef>
+          <a:effectRef idx="0">
+            <a:schemeClr val="accent1"/>
+          </a:effectRef>
+          <a:fontRef idx="minor">
+            <a:schemeClr val="tx1"/>
+          </a:fontRef>
+        </p:style>
+      </p:cxnSp>
+      <p:cxnSp>
+        <p:nvCxnSpPr>
+          <p:cNvPr id="122" name="직선 화살표 연결선 121">
+            <a:extLst>
+              <a:ext uri="{FF2B5EF4-FFF2-40B4-BE49-F238E27FC236}">
+                <a16:creationId xmlns:a16="http://schemas.microsoft.com/office/drawing/2014/main" id="{0E2601A1-878A-4489-913D-2986E2232752}"/>
+              </a:ext>
+            </a:extLst>
+          </p:cNvPr>
+          <p:cNvCxnSpPr>
+            <a:cxnSpLocks/>
+            <a:stCxn id="117" idx="2"/>
+          </p:cNvCxnSpPr>
+          <p:nvPr/>
+        </p:nvCxnSpPr>
+        <p:spPr>
+          <a:xfrm flipH="1">
+            <a:off x="5866240" y="2472950"/>
+            <a:ext cx="1804008" cy="98800"/>
+          </a:xfrm>
+          <a:prstGeom prst="straightConnector1">
+            <a:avLst/>
+          </a:prstGeom>
+          <a:ln w="28575">
+            <a:solidFill>
+              <a:schemeClr val="tx1"/>
+            </a:solidFill>
+            <a:headEnd type="arrow" w="med" len="med"/>
+            <a:tailEnd type="arrow" w="med" len="med"/>
+          </a:ln>
+        </p:spPr>
+        <p:style>
+          <a:lnRef idx="1">
+            <a:schemeClr val="accent1"/>
+          </a:lnRef>
+          <a:fillRef idx="0">
+            <a:schemeClr val="accent1"/>
+          </a:fillRef>
+          <a:effectRef idx="0">
+            <a:schemeClr val="accent1"/>
+          </a:effectRef>
+          <a:fontRef idx="minor">
+            <a:schemeClr val="tx1"/>
+          </a:fontRef>
+        </p:style>
+      </p:cxnSp>
+      <p:cxnSp>
+        <p:nvCxnSpPr>
+          <p:cNvPr id="125" name="직선 화살표 연결선 124">
+            <a:extLst>
+              <a:ext uri="{FF2B5EF4-FFF2-40B4-BE49-F238E27FC236}">
+                <a16:creationId xmlns:a16="http://schemas.microsoft.com/office/drawing/2014/main" id="{79C13041-AAB0-44C2-9753-A1012558F472}"/>
+              </a:ext>
+            </a:extLst>
+          </p:cNvPr>
+          <p:cNvCxnSpPr>
+            <a:cxnSpLocks/>
+            <a:stCxn id="118" idx="0"/>
+          </p:cNvCxnSpPr>
+          <p:nvPr/>
+        </p:nvCxnSpPr>
+        <p:spPr>
+          <a:xfrm flipH="1" flipV="1">
+            <a:off x="5875020" y="2682240"/>
+            <a:ext cx="1795228" cy="577574"/>
+          </a:xfrm>
+          <a:prstGeom prst="straightConnector1">
+            <a:avLst/>
+          </a:prstGeom>
+          <a:ln w="28575">
+            <a:solidFill>
+              <a:schemeClr val="tx1"/>
+            </a:solidFill>
+            <a:headEnd type="arrow" w="med" len="med"/>
             <a:tailEnd type="arrow" w="med" len="med"/>
           </a:ln>
         </p:spPr>

--- a/images/theory_analysis/Linux_LVS_IPVS/Linux_LVS_IPVS.pptx
+++ b/images/theory_analysis/Linux_LVS_IPVS/Linux_LVS_IPVS.pptx
@@ -214,7 +214,7 @@
           <a:p>
             <a:fld id="{6CD5550B-26C4-49A9-A5BA-636EF7BE6CE9}" type="datetimeFigureOut">
               <a:rPr lang="ko-KR" altLang="en-US" smtClean="0"/>
-              <a:t>2019-05-15</a:t>
+              <a:t>2019-11-01</a:t>
             </a:fld>
             <a:endParaRPr lang="ko-KR" altLang="en-US"/>
           </a:p>
@@ -828,7 +828,7 @@
           <a:p>
             <a:fld id="{FB30EDBD-1C2D-4C1E-B459-B60219FAB484}" type="datetimeFigureOut">
               <a:rPr lang="ko-KR" altLang="en-US" smtClean="0"/>
-              <a:t>2019-05-15</a:t>
+              <a:t>2019-11-01</a:t>
             </a:fld>
             <a:endParaRPr lang="ko-KR" altLang="en-US"/>
           </a:p>
@@ -991,7 +991,7 @@
           <a:p>
             <a:fld id="{FB30EDBD-1C2D-4C1E-B459-B60219FAB484}" type="datetimeFigureOut">
               <a:rPr lang="ko-KR" altLang="en-US" smtClean="0"/>
-              <a:t>2019-05-15</a:t>
+              <a:t>2019-11-01</a:t>
             </a:fld>
             <a:endParaRPr lang="ko-KR" altLang="en-US"/>
           </a:p>
@@ -1164,7 +1164,7 @@
           <a:p>
             <a:fld id="{FB30EDBD-1C2D-4C1E-B459-B60219FAB484}" type="datetimeFigureOut">
               <a:rPr lang="ko-KR" altLang="en-US" smtClean="0"/>
-              <a:t>2019-05-15</a:t>
+              <a:t>2019-11-01</a:t>
             </a:fld>
             <a:endParaRPr lang="ko-KR" altLang="en-US"/>
           </a:p>
@@ -1327,7 +1327,7 @@
           <a:p>
             <a:fld id="{FB30EDBD-1C2D-4C1E-B459-B60219FAB484}" type="datetimeFigureOut">
               <a:rPr lang="ko-KR" altLang="en-US" smtClean="0"/>
-              <a:t>2019-05-15</a:t>
+              <a:t>2019-11-01</a:t>
             </a:fld>
             <a:endParaRPr lang="ko-KR" altLang="en-US"/>
           </a:p>
@@ -1567,7 +1567,7 @@
           <a:p>
             <a:fld id="{FB30EDBD-1C2D-4C1E-B459-B60219FAB484}" type="datetimeFigureOut">
               <a:rPr lang="ko-KR" altLang="en-US" smtClean="0"/>
-              <a:t>2019-05-15</a:t>
+              <a:t>2019-11-01</a:t>
             </a:fld>
             <a:endParaRPr lang="ko-KR" altLang="en-US"/>
           </a:p>
@@ -1847,7 +1847,7 @@
           <a:p>
             <a:fld id="{FB30EDBD-1C2D-4C1E-B459-B60219FAB484}" type="datetimeFigureOut">
               <a:rPr lang="ko-KR" altLang="en-US" smtClean="0"/>
-              <a:t>2019-05-15</a:t>
+              <a:t>2019-11-01</a:t>
             </a:fld>
             <a:endParaRPr lang="ko-KR" altLang="en-US"/>
           </a:p>
@@ -2261,7 +2261,7 @@
           <a:p>
             <a:fld id="{FB30EDBD-1C2D-4C1E-B459-B60219FAB484}" type="datetimeFigureOut">
               <a:rPr lang="ko-KR" altLang="en-US" smtClean="0"/>
-              <a:t>2019-05-15</a:t>
+              <a:t>2019-11-01</a:t>
             </a:fld>
             <a:endParaRPr lang="ko-KR" altLang="en-US"/>
           </a:p>
@@ -2373,7 +2373,7 @@
           <a:p>
             <a:fld id="{FB30EDBD-1C2D-4C1E-B459-B60219FAB484}" type="datetimeFigureOut">
               <a:rPr lang="ko-KR" altLang="en-US" smtClean="0"/>
-              <a:t>2019-05-15</a:t>
+              <a:t>2019-11-01</a:t>
             </a:fld>
             <a:endParaRPr lang="ko-KR" altLang="en-US"/>
           </a:p>
@@ -2463,7 +2463,7 @@
           <a:p>
             <a:fld id="{FB30EDBD-1C2D-4C1E-B459-B60219FAB484}" type="datetimeFigureOut">
               <a:rPr lang="ko-KR" altLang="en-US" smtClean="0"/>
-              <a:t>2019-05-15</a:t>
+              <a:t>2019-11-01</a:t>
             </a:fld>
             <a:endParaRPr lang="ko-KR" altLang="en-US"/>
           </a:p>
@@ -2733,7 +2733,7 @@
           <a:p>
             <a:fld id="{FB30EDBD-1C2D-4C1E-B459-B60219FAB484}" type="datetimeFigureOut">
               <a:rPr lang="ko-KR" altLang="en-US" smtClean="0"/>
-              <a:t>2019-05-15</a:t>
+              <a:t>2019-11-01</a:t>
             </a:fld>
             <a:endParaRPr lang="ko-KR" altLang="en-US"/>
           </a:p>
@@ -2980,7 +2980,7 @@
           <a:p>
             <a:fld id="{FB30EDBD-1C2D-4C1E-B459-B60219FAB484}" type="datetimeFigureOut">
               <a:rPr lang="ko-KR" altLang="en-US" smtClean="0"/>
-              <a:t>2019-05-15</a:t>
+              <a:t>2019-11-01</a:t>
             </a:fld>
             <a:endParaRPr lang="ko-KR" altLang="en-US"/>
           </a:p>
@@ -3186,7 +3186,7 @@
           <a:p>
             <a:fld id="{FB30EDBD-1C2D-4C1E-B459-B60219FAB484}" type="datetimeFigureOut">
               <a:rPr lang="ko-KR" altLang="en-US" smtClean="0"/>
-              <a:t>2019-05-15</a:t>
+              <a:t>2019-11-01</a:t>
             </a:fld>
             <a:endParaRPr lang="ko-KR" altLang="en-US"/>
           </a:p>
@@ -4602,7 +4602,7 @@
         <p:spPr>
           <a:xfrm>
             <a:off x="2195736" y="1770083"/>
-            <a:ext cx="246360" cy="0"/>
+            <a:ext cx="424703" cy="3402"/>
           </a:xfrm>
           <a:prstGeom prst="straightConnector1">
             <a:avLst/>
@@ -4644,8 +4644,8 @@
         </p:nvSpPr>
         <p:spPr>
           <a:xfrm>
-            <a:off x="2442096" y="1508473"/>
-            <a:ext cx="1193800" cy="523220"/>
+            <a:off x="2620439" y="1619596"/>
+            <a:ext cx="867594" cy="307777"/>
           </a:xfrm>
           <a:prstGeom prst="rect">
             <a:avLst/>
@@ -4663,14 +4663,6 @@
               <a:rPr lang="en-US" altLang="ko-KR" sz="1400"/>
               <a:t>Route</a:t>
             </a:r>
-          </a:p>
-          <a:p>
-            <a:pPr algn="ctr"/>
-            <a:r>
-              <a:rPr lang="en-US" altLang="ko-KR" sz="1400"/>
-              <a:t>(Forwarding)</a:t>
-            </a:r>
-            <a:endParaRPr lang="ko-KR" altLang="en-US" sz="1400"/>
           </a:p>
         </p:txBody>
       </p:sp>
@@ -4691,9 +4683,9 @@
           <p:nvPr/>
         </p:nvCxnSpPr>
         <p:spPr>
-          <a:xfrm>
-            <a:off x="3635896" y="1770083"/>
-            <a:ext cx="246360" cy="0"/>
+          <a:xfrm flipV="1">
+            <a:off x="3488033" y="1770083"/>
+            <a:ext cx="394223" cy="3402"/>
           </a:xfrm>
           <a:prstGeom prst="straightConnector1">
             <a:avLst/>
@@ -4739,8 +4731,8 @@
         </p:nvCxnSpPr>
         <p:spPr>
           <a:xfrm>
-            <a:off x="3038996" y="2031693"/>
-            <a:ext cx="344872" cy="404992"/>
+            <a:off x="3054236" y="1927373"/>
+            <a:ext cx="329632" cy="509312"/>
           </a:xfrm>
           <a:prstGeom prst="straightConnector1">
             <a:avLst/>
@@ -5109,50 +5101,6 @@
           </a:fontRef>
         </p:style>
       </p:cxnSp>
-      <p:sp>
-        <p:nvSpPr>
-          <p:cNvPr id="61" name="TextBox 60">
-            <a:extLst>
-              <a:ext uri="{FF2B5EF4-FFF2-40B4-BE49-F238E27FC236}">
-                <a16:creationId xmlns:a16="http://schemas.microsoft.com/office/drawing/2014/main" id="{DDD3280B-04BF-4759-9F7E-5D29C9A5070F}"/>
-              </a:ext>
-            </a:extLst>
-          </p:cNvPr>
-          <p:cNvSpPr txBox="1"/>
-          <p:nvPr/>
-        </p:nvSpPr>
-        <p:spPr>
-          <a:xfrm>
-            <a:off x="5646469" y="1508472"/>
-            <a:ext cx="1049750" cy="523220"/>
-          </a:xfrm>
-          <a:prstGeom prst="rect">
-            <a:avLst/>
-          </a:prstGeom>
-          <a:noFill/>
-        </p:spPr>
-        <p:txBody>
-          <a:bodyPr wrap="square" rtlCol="0">
-            <a:spAutoFit/>
-          </a:bodyPr>
-          <a:lstStyle/>
-          <a:p>
-            <a:pPr algn="ctr"/>
-            <a:r>
-              <a:rPr lang="en-US" altLang="ko-KR" sz="1400"/>
-              <a:t>Route</a:t>
-            </a:r>
-          </a:p>
-          <a:p>
-            <a:pPr algn="ctr"/>
-            <a:r>
-              <a:rPr lang="en-US" altLang="ko-KR" sz="1400"/>
-              <a:t>(Interface)</a:t>
-            </a:r>
-            <a:endParaRPr lang="ko-KR" altLang="en-US" sz="1400"/>
-          </a:p>
-        </p:txBody>
-      </p:sp>
       <p:cxnSp>
         <p:nvCxnSpPr>
           <p:cNvPr id="62" name="직선 화살표 연결선 61">
@@ -5164,62 +5112,15 @@
           </p:cNvPr>
           <p:cNvCxnSpPr>
             <a:cxnSpLocks/>
-            <a:stCxn id="61" idx="3"/>
+            <a:stCxn id="19" idx="3"/>
             <a:endCxn id="20" idx="1"/>
           </p:cNvCxnSpPr>
           <p:nvPr/>
         </p:nvCxnSpPr>
         <p:spPr>
           <a:xfrm>
-            <a:off x="6696219" y="1770082"/>
-            <a:ext cx="252045" cy="1"/>
-          </a:xfrm>
-          <a:prstGeom prst="straightConnector1">
-            <a:avLst/>
-          </a:prstGeom>
-          <a:ln w="28575">
-            <a:solidFill>
-              <a:schemeClr val="tx1"/>
-            </a:solidFill>
-            <a:headEnd type="none" w="med" len="med"/>
-            <a:tailEnd type="arrow" w="med" len="med"/>
-          </a:ln>
-        </p:spPr>
-        <p:style>
-          <a:lnRef idx="1">
-            <a:schemeClr val="accent1"/>
-          </a:lnRef>
-          <a:fillRef idx="0">
-            <a:schemeClr val="accent1"/>
-          </a:fillRef>
-          <a:effectRef idx="0">
-            <a:schemeClr val="accent1"/>
-          </a:effectRef>
-          <a:fontRef idx="minor">
-            <a:schemeClr val="tx1"/>
-          </a:fontRef>
-        </p:style>
-      </p:cxnSp>
-      <p:cxnSp>
-        <p:nvCxnSpPr>
-          <p:cNvPr id="65" name="직선 화살표 연결선 64">
-            <a:extLst>
-              <a:ext uri="{FF2B5EF4-FFF2-40B4-BE49-F238E27FC236}">
-                <a16:creationId xmlns:a16="http://schemas.microsoft.com/office/drawing/2014/main" id="{BF62BC88-2816-4B5C-A71D-AB74BFD7F245}"/>
-              </a:ext>
-            </a:extLst>
-          </p:cNvPr>
-          <p:cNvCxnSpPr>
-            <a:cxnSpLocks/>
-            <a:stCxn id="19" idx="3"/>
-            <a:endCxn id="61" idx="1"/>
-          </p:cNvCxnSpPr>
-          <p:nvPr/>
-        </p:nvCxnSpPr>
-        <p:spPr>
-          <a:xfrm flipV="1">
-            <a:off x="5394424" y="1770082"/>
-            <a:ext cx="252045" cy="1"/>
+            <a:off x="5394424" y="1770083"/>
+            <a:ext cx="1553840" cy="0"/>
           </a:xfrm>
           <a:prstGeom prst="straightConnector1">
             <a:avLst/>
@@ -5259,14 +5160,14 @@
           <p:cNvCxnSpPr>
             <a:cxnSpLocks/>
             <a:stCxn id="22" idx="0"/>
-            <a:endCxn id="61" idx="2"/>
+            <a:endCxn id="67" idx="2"/>
           </p:cNvCxnSpPr>
           <p:nvPr/>
         </p:nvCxnSpPr>
         <p:spPr>
-          <a:xfrm flipV="1">
-            <a:off x="5885098" y="2031692"/>
-            <a:ext cx="286246" cy="404993"/>
+          <a:xfrm flipH="1" flipV="1">
+            <a:off x="5883312" y="2240851"/>
+            <a:ext cx="1786" cy="195834"/>
           </a:xfrm>
           <a:prstGeom prst="straightConnector1">
             <a:avLst/>
@@ -6605,6 +6506,88 @@
             </a:solidFill>
             <a:headEnd type="arrow" w="med" len="med"/>
             <a:tailEnd type="arrow" w="med" len="med"/>
+          </a:ln>
+        </p:spPr>
+        <p:style>
+          <a:lnRef idx="1">
+            <a:schemeClr val="accent1"/>
+          </a:lnRef>
+          <a:fillRef idx="0">
+            <a:schemeClr val="accent1"/>
+          </a:fillRef>
+          <a:effectRef idx="0">
+            <a:schemeClr val="accent1"/>
+          </a:effectRef>
+          <a:fontRef idx="minor">
+            <a:schemeClr val="tx1"/>
+          </a:fontRef>
+        </p:style>
+      </p:cxnSp>
+      <p:sp>
+        <p:nvSpPr>
+          <p:cNvPr id="67" name="TextBox 66">
+            <a:extLst>
+              <a:ext uri="{FF2B5EF4-FFF2-40B4-BE49-F238E27FC236}">
+                <a16:creationId xmlns:a16="http://schemas.microsoft.com/office/drawing/2014/main" id="{04009183-1669-487C-97F2-E697147BAD68}"/>
+              </a:ext>
+            </a:extLst>
+          </p:cNvPr>
+          <p:cNvSpPr txBox="1"/>
+          <p:nvPr/>
+        </p:nvSpPr>
+        <p:spPr>
+          <a:xfrm>
+            <a:off x="5449515" y="1933074"/>
+            <a:ext cx="867594" cy="307777"/>
+          </a:xfrm>
+          <a:prstGeom prst="rect">
+            <a:avLst/>
+          </a:prstGeom>
+          <a:noFill/>
+        </p:spPr>
+        <p:txBody>
+          <a:bodyPr wrap="square" rtlCol="0">
+            <a:spAutoFit/>
+          </a:bodyPr>
+          <a:lstStyle/>
+          <a:p>
+            <a:pPr algn="ctr"/>
+            <a:r>
+              <a:rPr lang="en-US" altLang="ko-KR" sz="1400"/>
+              <a:t>Route</a:t>
+            </a:r>
+          </a:p>
+        </p:txBody>
+      </p:sp>
+      <p:cxnSp>
+        <p:nvCxnSpPr>
+          <p:cNvPr id="70" name="직선 화살표 연결선 69">
+            <a:extLst>
+              <a:ext uri="{FF2B5EF4-FFF2-40B4-BE49-F238E27FC236}">
+                <a16:creationId xmlns:a16="http://schemas.microsoft.com/office/drawing/2014/main" id="{FF9D0935-A7B4-4B91-A036-A0B275484EE4}"/>
+              </a:ext>
+            </a:extLst>
+          </p:cNvPr>
+          <p:cNvCxnSpPr>
+            <a:cxnSpLocks/>
+            <a:stCxn id="67" idx="0"/>
+          </p:cNvCxnSpPr>
+          <p:nvPr/>
+        </p:nvCxnSpPr>
+        <p:spPr>
+          <a:xfrm flipV="1">
+            <a:off x="5883312" y="1770082"/>
+            <a:ext cx="0" cy="162992"/>
+          </a:xfrm>
+          <a:prstGeom prst="straightConnector1">
+            <a:avLst/>
+          </a:prstGeom>
+          <a:ln w="28575">
+            <a:solidFill>
+              <a:schemeClr val="tx1"/>
+            </a:solidFill>
+            <a:headEnd type="none" w="med" len="med"/>
+            <a:tailEnd type="none" w="med" len="med"/>
           </a:ln>
         </p:spPr>
         <p:style>

--- a/images/theory_analysis/Linux_LVS_IPVS/Linux_LVS_IPVS.pptx
+++ b/images/theory_analysis/Linux_LVS_IPVS/Linux_LVS_IPVS.pptx
@@ -5,11 +5,13 @@
     <p:sldMasterId id="2147483648" r:id="rId1"/>
   </p:sldMasterIdLst>
   <p:notesMasterIdLst>
-    <p:notesMasterId r:id="rId4"/>
+    <p:notesMasterId r:id="rId6"/>
   </p:notesMasterIdLst>
   <p:sldIdLst>
     <p:sldId id="359" r:id="rId2"/>
     <p:sldId id="357" r:id="rId3"/>
+    <p:sldId id="361" r:id="rId4"/>
+    <p:sldId id="360" r:id="rId5"/>
   </p:sldIdLst>
   <p:sldSz cx="9144000" cy="5143500" type="screen16x9"/>
   <p:notesSz cx="6858000" cy="9144000"/>
@@ -214,7 +216,7 @@
           <a:p>
             <a:fld id="{6CD5550B-26C4-49A9-A5BA-636EF7BE6CE9}" type="datetimeFigureOut">
               <a:rPr lang="ko-KR" altLang="en-US" smtClean="0"/>
-              <a:t>2019-11-01</a:t>
+              <a:t>2020-06-12</a:t>
             </a:fld>
             <a:endParaRPr lang="ko-KR" altLang="en-US"/>
           </a:p>
@@ -649,6 +651,90 @@
 </p:notes>
 </file>
 
+<file path=ppt/notesSlides/notesSlide3.xml><?xml version="1.0" encoding="utf-8"?>
+<p:notes xmlns:a="http://schemas.openxmlformats.org/drawingml/2006/main" xmlns:r="http://schemas.openxmlformats.org/officeDocument/2006/relationships" xmlns:p="http://schemas.openxmlformats.org/presentationml/2006/main">
+  <p:cSld>
+    <p:spTree>
+      <p:nvGrpSpPr>
+        <p:cNvPr id="1" name=""/>
+        <p:cNvGrpSpPr/>
+        <p:nvPr/>
+      </p:nvGrpSpPr>
+      <p:grpSpPr>
+        <a:xfrm>
+          <a:off x="0" y="0"/>
+          <a:ext cx="0" cy="0"/>
+          <a:chOff x="0" y="0"/>
+          <a:chExt cx="0" cy="0"/>
+        </a:xfrm>
+      </p:grpSpPr>
+      <p:sp>
+        <p:nvSpPr>
+          <p:cNvPr id="2" name="슬라이드 이미지 개체 틀 1"/>
+          <p:cNvSpPr>
+            <a:spLocks noGrp="1" noRot="1" noChangeAspect="1"/>
+          </p:cNvSpPr>
+          <p:nvPr>
+            <p:ph type="sldImg"/>
+          </p:nvPr>
+        </p:nvSpPr>
+        <p:spPr/>
+      </p:sp>
+      <p:sp>
+        <p:nvSpPr>
+          <p:cNvPr id="3" name="슬라이드 노트 개체 틀 2"/>
+          <p:cNvSpPr>
+            <a:spLocks noGrp="1"/>
+          </p:cNvSpPr>
+          <p:nvPr>
+            <p:ph type="body" idx="1"/>
+          </p:nvPr>
+        </p:nvSpPr>
+        <p:spPr/>
+        <p:txBody>
+          <a:bodyPr/>
+          <a:lstStyle/>
+          <a:p>
+            <a:endParaRPr lang="ko-KR" altLang="en-US"/>
+          </a:p>
+        </p:txBody>
+      </p:sp>
+      <p:sp>
+        <p:nvSpPr>
+          <p:cNvPr id="4" name="슬라이드 번호 개체 틀 3"/>
+          <p:cNvSpPr>
+            <a:spLocks noGrp="1"/>
+          </p:cNvSpPr>
+          <p:nvPr>
+            <p:ph type="sldNum" sz="quarter" idx="10"/>
+          </p:nvPr>
+        </p:nvSpPr>
+        <p:spPr/>
+        <p:txBody>
+          <a:bodyPr/>
+          <a:lstStyle/>
+          <a:p>
+            <a:fld id="{BA5DFA43-8D57-47FB-BC46-057616015C3B}" type="slidenum">
+              <a:rPr lang="ko-KR" altLang="en-US" smtClean="0"/>
+              <a:t>4</a:t>
+            </a:fld>
+            <a:endParaRPr lang="ko-KR" altLang="en-US"/>
+          </a:p>
+        </p:txBody>
+      </p:sp>
+    </p:spTree>
+    <p:extLst>
+      <p:ext uri="{BB962C8B-B14F-4D97-AF65-F5344CB8AC3E}">
+        <p14:creationId xmlns:p14="http://schemas.microsoft.com/office/powerpoint/2010/main" val="4011080071"/>
+      </p:ext>
+    </p:extLst>
+  </p:cSld>
+  <p:clrMapOvr>
+    <a:masterClrMapping/>
+  </p:clrMapOvr>
+</p:notes>
+</file>
+
 <file path=ppt/slideLayouts/slideLayout1.xml><?xml version="1.0" encoding="utf-8"?>
 <p:sldLayout xmlns:a="http://schemas.openxmlformats.org/drawingml/2006/main" xmlns:r="http://schemas.openxmlformats.org/officeDocument/2006/relationships" xmlns:p="http://schemas.openxmlformats.org/presentationml/2006/main" type="title" preserve="1">
   <p:cSld name="제목 슬라이드">
@@ -828,7 +914,7 @@
           <a:p>
             <a:fld id="{FB30EDBD-1C2D-4C1E-B459-B60219FAB484}" type="datetimeFigureOut">
               <a:rPr lang="ko-KR" altLang="en-US" smtClean="0"/>
-              <a:t>2019-11-01</a:t>
+              <a:t>2020-06-12</a:t>
             </a:fld>
             <a:endParaRPr lang="ko-KR" altLang="en-US"/>
           </a:p>
@@ -991,7 +1077,7 @@
           <a:p>
             <a:fld id="{FB30EDBD-1C2D-4C1E-B459-B60219FAB484}" type="datetimeFigureOut">
               <a:rPr lang="ko-KR" altLang="en-US" smtClean="0"/>
-              <a:t>2019-11-01</a:t>
+              <a:t>2020-06-12</a:t>
             </a:fld>
             <a:endParaRPr lang="ko-KR" altLang="en-US"/>
           </a:p>
@@ -1164,7 +1250,7 @@
           <a:p>
             <a:fld id="{FB30EDBD-1C2D-4C1E-B459-B60219FAB484}" type="datetimeFigureOut">
               <a:rPr lang="ko-KR" altLang="en-US" smtClean="0"/>
-              <a:t>2019-11-01</a:t>
+              <a:t>2020-06-12</a:t>
             </a:fld>
             <a:endParaRPr lang="ko-KR" altLang="en-US"/>
           </a:p>
@@ -1327,7 +1413,7 @@
           <a:p>
             <a:fld id="{FB30EDBD-1C2D-4C1E-B459-B60219FAB484}" type="datetimeFigureOut">
               <a:rPr lang="ko-KR" altLang="en-US" smtClean="0"/>
-              <a:t>2019-11-01</a:t>
+              <a:t>2020-06-12</a:t>
             </a:fld>
             <a:endParaRPr lang="ko-KR" altLang="en-US"/>
           </a:p>
@@ -1567,7 +1653,7 @@
           <a:p>
             <a:fld id="{FB30EDBD-1C2D-4C1E-B459-B60219FAB484}" type="datetimeFigureOut">
               <a:rPr lang="ko-KR" altLang="en-US" smtClean="0"/>
-              <a:t>2019-11-01</a:t>
+              <a:t>2020-06-12</a:t>
             </a:fld>
             <a:endParaRPr lang="ko-KR" altLang="en-US"/>
           </a:p>
@@ -1847,7 +1933,7 @@
           <a:p>
             <a:fld id="{FB30EDBD-1C2D-4C1E-B459-B60219FAB484}" type="datetimeFigureOut">
               <a:rPr lang="ko-KR" altLang="en-US" smtClean="0"/>
-              <a:t>2019-11-01</a:t>
+              <a:t>2020-06-12</a:t>
             </a:fld>
             <a:endParaRPr lang="ko-KR" altLang="en-US"/>
           </a:p>
@@ -2261,7 +2347,7 @@
           <a:p>
             <a:fld id="{FB30EDBD-1C2D-4C1E-B459-B60219FAB484}" type="datetimeFigureOut">
               <a:rPr lang="ko-KR" altLang="en-US" smtClean="0"/>
-              <a:t>2019-11-01</a:t>
+              <a:t>2020-06-12</a:t>
             </a:fld>
             <a:endParaRPr lang="ko-KR" altLang="en-US"/>
           </a:p>
@@ -2373,7 +2459,7 @@
           <a:p>
             <a:fld id="{FB30EDBD-1C2D-4C1E-B459-B60219FAB484}" type="datetimeFigureOut">
               <a:rPr lang="ko-KR" altLang="en-US" smtClean="0"/>
-              <a:t>2019-11-01</a:t>
+              <a:t>2020-06-12</a:t>
             </a:fld>
             <a:endParaRPr lang="ko-KR" altLang="en-US"/>
           </a:p>
@@ -2463,7 +2549,7 @@
           <a:p>
             <a:fld id="{FB30EDBD-1C2D-4C1E-B459-B60219FAB484}" type="datetimeFigureOut">
               <a:rPr lang="ko-KR" altLang="en-US" smtClean="0"/>
-              <a:t>2019-11-01</a:t>
+              <a:t>2020-06-12</a:t>
             </a:fld>
             <a:endParaRPr lang="ko-KR" altLang="en-US"/>
           </a:p>
@@ -2733,7 +2819,7 @@
           <a:p>
             <a:fld id="{FB30EDBD-1C2D-4C1E-B459-B60219FAB484}" type="datetimeFigureOut">
               <a:rPr lang="ko-KR" altLang="en-US" smtClean="0"/>
-              <a:t>2019-11-01</a:t>
+              <a:t>2020-06-12</a:t>
             </a:fld>
             <a:endParaRPr lang="ko-KR" altLang="en-US"/>
           </a:p>
@@ -2980,7 +3066,7 @@
           <a:p>
             <a:fld id="{FB30EDBD-1C2D-4C1E-B459-B60219FAB484}" type="datetimeFigureOut">
               <a:rPr lang="ko-KR" altLang="en-US" smtClean="0"/>
-              <a:t>2019-11-01</a:t>
+              <a:t>2020-06-12</a:t>
             </a:fld>
             <a:endParaRPr lang="ko-KR" altLang="en-US"/>
           </a:p>
@@ -3186,7 +3272,7 @@
           <a:p>
             <a:fld id="{FB30EDBD-1C2D-4C1E-B459-B60219FAB484}" type="datetimeFigureOut">
               <a:rPr lang="ko-KR" altLang="en-US" smtClean="0"/>
-              <a:t>2019-11-01</a:t>
+              <a:t>2020-06-12</a:t>
             </a:fld>
             <a:endParaRPr lang="ko-KR" altLang="en-US"/>
           </a:p>
@@ -4499,8 +4585,8 @@
         </p:nvSpPr>
         <p:spPr>
           <a:xfrm>
-            <a:off x="2627784" y="2436685"/>
-            <a:ext cx="1512168" cy="865188"/>
+            <a:off x="2627784" y="2436684"/>
+            <a:ext cx="1512168" cy="1205071"/>
           </a:xfrm>
           <a:prstGeom prst="roundRect">
             <a:avLst>
@@ -4549,11 +4635,13 @@
         </p:nvSpPr>
         <p:spPr>
           <a:xfrm>
-            <a:off x="5129014" y="2436685"/>
-            <a:ext cx="1512168" cy="865188"/>
+            <a:off x="4931656" y="2436684"/>
+            <a:ext cx="1512168" cy="1205071"/>
           </a:xfrm>
           <a:prstGeom prst="roundRect">
-            <a:avLst/>
+            <a:avLst>
+              <a:gd name="adj" fmla="val 9290"/>
+            </a:avLst>
           </a:prstGeom>
         </p:spPr>
         <p:style>
@@ -4732,7 +4820,7 @@
         <p:spPr>
           <a:xfrm>
             <a:off x="3054236" y="1927373"/>
-            <a:ext cx="329632" cy="509312"/>
+            <a:ext cx="329632" cy="509311"/>
           </a:xfrm>
           <a:prstGeom prst="straightConnector1">
             <a:avLst/>
@@ -5024,7 +5112,7 @@
         </p:nvSpPr>
         <p:spPr>
           <a:xfrm>
-            <a:off x="2663632" y="3507854"/>
+            <a:off x="2663632" y="3917994"/>
             <a:ext cx="1440472" cy="523220"/>
           </a:xfrm>
           <a:prstGeom prst="rect">
@@ -5072,8 +5160,8 @@
         </p:nvCxnSpPr>
         <p:spPr>
           <a:xfrm>
-            <a:off x="3383868" y="3301873"/>
-            <a:ext cx="0" cy="245471"/>
+            <a:off x="3383868" y="3641755"/>
+            <a:ext cx="0" cy="276239"/>
           </a:xfrm>
           <a:prstGeom prst="straightConnector1">
             <a:avLst/>
@@ -5165,9 +5253,9 @@
           <p:nvPr/>
         </p:nvCxnSpPr>
         <p:spPr>
-          <a:xfrm flipH="1" flipV="1">
-            <a:off x="5883312" y="2240851"/>
-            <a:ext cx="1786" cy="195834"/>
+          <a:xfrm flipV="1">
+            <a:off x="5687740" y="2240851"/>
+            <a:ext cx="195572" cy="195833"/>
           </a:xfrm>
           <a:prstGeom prst="straightConnector1">
             <a:avLst/>
@@ -5209,7 +5297,7 @@
         </p:nvSpPr>
         <p:spPr>
           <a:xfrm>
-            <a:off x="5180186" y="3507854"/>
+            <a:off x="4982828" y="3917994"/>
             <a:ext cx="1409824" cy="523220"/>
           </a:xfrm>
           <a:prstGeom prst="rect">
@@ -5257,8 +5345,8 @@
         </p:nvCxnSpPr>
         <p:spPr>
           <a:xfrm>
-            <a:off x="5885098" y="3301873"/>
-            <a:ext cx="0" cy="245471"/>
+            <a:off x="5687740" y="3641755"/>
+            <a:ext cx="0" cy="276239"/>
           </a:xfrm>
           <a:prstGeom prst="straightConnector1">
             <a:avLst/>
@@ -5399,8 +5487,8 @@
         </p:nvCxnSpPr>
         <p:spPr>
           <a:xfrm flipH="1">
-            <a:off x="5004048" y="1168747"/>
-            <a:ext cx="862192" cy="616724"/>
+            <a:off x="5067300" y="1168747"/>
+            <a:ext cx="798940" cy="621953"/>
           </a:xfrm>
           <a:prstGeom prst="straightConnector1">
             <a:avLst/>
@@ -5442,7 +5530,7 @@
         </p:nvSpPr>
         <p:spPr>
           <a:xfrm>
-            <a:off x="421366" y="3266176"/>
+            <a:off x="438035" y="3266176"/>
             <a:ext cx="2020032" cy="359471"/>
           </a:xfrm>
           <a:prstGeom prst="rect">
@@ -5490,7 +5578,7 @@
         </p:nvSpPr>
         <p:spPr>
           <a:xfrm>
-            <a:off x="6660232" y="2113479"/>
+            <a:off x="6660280" y="2113479"/>
             <a:ext cx="2020032" cy="359471"/>
           </a:xfrm>
           <a:prstGeom prst="rect">
@@ -5538,7 +5626,7 @@
         </p:nvSpPr>
         <p:spPr>
           <a:xfrm>
-            <a:off x="6660232" y="3259814"/>
+            <a:off x="6660280" y="3259814"/>
             <a:ext cx="2020032" cy="359471"/>
           </a:xfrm>
           <a:prstGeom prst="rect">
@@ -5634,7 +5722,7 @@
         </p:nvSpPr>
         <p:spPr>
           <a:xfrm>
-            <a:off x="3063260" y="4152422"/>
+            <a:off x="3063260" y="4440454"/>
             <a:ext cx="1368854" cy="276999"/>
           </a:xfrm>
           <a:prstGeom prst="rect">
@@ -5671,7 +5759,7 @@
         </p:nvSpPr>
         <p:spPr>
           <a:xfrm>
-            <a:off x="3063260" y="4454991"/>
+            <a:off x="3063260" y="4743023"/>
             <a:ext cx="1368854" cy="276999"/>
           </a:xfrm>
           <a:prstGeom prst="rect">
@@ -5708,7 +5796,7 @@
         </p:nvSpPr>
         <p:spPr>
           <a:xfrm>
-            <a:off x="4892626" y="4306310"/>
+            <a:off x="4892626" y="4594342"/>
             <a:ext cx="952263" cy="276999"/>
           </a:xfrm>
           <a:prstGeom prst="rect">
@@ -5749,7 +5837,7 @@
         </p:nvCxnSpPr>
         <p:spPr>
           <a:xfrm>
-            <a:off x="4432114" y="4290922"/>
+            <a:off x="4432114" y="4578954"/>
             <a:ext cx="460512" cy="153888"/>
           </a:xfrm>
           <a:prstGeom prst="straightConnector1">
@@ -5796,7 +5884,7 @@
         </p:nvCxnSpPr>
         <p:spPr>
           <a:xfrm flipV="1">
-            <a:off x="4432114" y="4444810"/>
+            <a:off x="4432114" y="4732842"/>
             <a:ext cx="460512" cy="148681"/>
           </a:xfrm>
           <a:prstGeom prst="straightConnector1">
@@ -5839,7 +5927,7 @@
         </p:nvSpPr>
         <p:spPr>
           <a:xfrm>
-            <a:off x="62130" y="4152422"/>
+            <a:off x="62130" y="4440454"/>
             <a:ext cx="1713066" cy="276999"/>
           </a:xfrm>
           <a:prstGeom prst="rect">
@@ -5876,7 +5964,7 @@
         </p:nvSpPr>
         <p:spPr>
           <a:xfrm>
-            <a:off x="62130" y="4454991"/>
+            <a:off x="62130" y="4743023"/>
             <a:ext cx="1713066" cy="276999"/>
           </a:xfrm>
           <a:prstGeom prst="rect">
@@ -5913,7 +6001,7 @@
         </p:nvSpPr>
         <p:spPr>
           <a:xfrm>
-            <a:off x="2165602" y="4306310"/>
+            <a:off x="2165602" y="4594342"/>
             <a:ext cx="952263" cy="276999"/>
           </a:xfrm>
           <a:prstGeom prst="rect">
@@ -5953,7 +6041,7 @@
         </p:nvCxnSpPr>
         <p:spPr>
           <a:xfrm>
-            <a:off x="1775196" y="4290922"/>
+            <a:off x="1775196" y="4578954"/>
             <a:ext cx="460512" cy="153888"/>
           </a:xfrm>
           <a:prstGeom prst="straightConnector1">
@@ -5999,7 +6087,7 @@
         </p:nvCxnSpPr>
         <p:spPr>
           <a:xfrm flipV="1">
-            <a:off x="1775196" y="4444810"/>
+            <a:off x="1775196" y="4732842"/>
             <a:ext cx="460512" cy="148681"/>
           </a:xfrm>
           <a:prstGeom prst="straightConnector1">
@@ -6042,7 +6130,7 @@
         </p:nvSpPr>
         <p:spPr>
           <a:xfrm>
-            <a:off x="5752785" y="4306309"/>
+            <a:off x="5752785" y="4594341"/>
             <a:ext cx="1713066" cy="276999"/>
           </a:xfrm>
           <a:prstGeom prst="rect">
@@ -6079,7 +6167,7 @@
         </p:nvSpPr>
         <p:spPr>
           <a:xfrm>
-            <a:off x="7926363" y="4306310"/>
+            <a:off x="7926363" y="4594342"/>
             <a:ext cx="1182141" cy="276999"/>
           </a:xfrm>
           <a:prstGeom prst="rect">
@@ -6120,7 +6208,7 @@
         </p:nvCxnSpPr>
         <p:spPr>
           <a:xfrm>
-            <a:off x="7465851" y="4444809"/>
+            <a:off x="7465851" y="4732841"/>
             <a:ext cx="460512" cy="1"/>
           </a:xfrm>
           <a:prstGeom prst="straightConnector1">
@@ -6149,54 +6237,6 @@
           </a:fontRef>
         </p:style>
       </p:cxnSp>
-      <p:sp>
-        <p:nvSpPr>
-          <p:cNvPr id="69" name="사각형: 둥근 모서리 68">
-            <a:extLst>
-              <a:ext uri="{FF2B5EF4-FFF2-40B4-BE49-F238E27FC236}">
-                <a16:creationId xmlns:a16="http://schemas.microsoft.com/office/drawing/2014/main" id="{DC3A1FAC-9044-4155-A0AB-73AA5D8B9C10}"/>
-              </a:ext>
-            </a:extLst>
-          </p:cNvPr>
-          <p:cNvSpPr/>
-          <p:nvPr/>
-        </p:nvSpPr>
-        <p:spPr>
-          <a:xfrm>
-            <a:off x="3955578" y="1485280"/>
-            <a:ext cx="616422" cy="366385"/>
-          </a:xfrm>
-          <a:prstGeom prst="roundRect">
-            <a:avLst/>
-          </a:prstGeom>
-        </p:spPr>
-        <p:style>
-          <a:lnRef idx="2">
-            <a:schemeClr val="dk1"/>
-          </a:lnRef>
-          <a:fillRef idx="1">
-            <a:schemeClr val="lt1"/>
-          </a:fillRef>
-          <a:effectRef idx="0">
-            <a:schemeClr val="dk1"/>
-          </a:effectRef>
-          <a:fontRef idx="minor">
-            <a:schemeClr val="dk1"/>
-          </a:fontRef>
-        </p:style>
-        <p:txBody>
-          <a:bodyPr rtlCol="0" anchor="ctr"/>
-          <a:lstStyle/>
-          <a:p>
-            <a:pPr algn="ctr"/>
-            <a:r>
-              <a:rPr lang="en-US" altLang="ko-KR" sz="1200"/>
-              <a:t>Filter Table</a:t>
-            </a:r>
-            <a:endParaRPr lang="ko-KR" altLang="en-US" sz="1200"/>
-          </a:p>
-        </p:txBody>
-      </p:sp>
       <p:cxnSp>
         <p:nvCxnSpPr>
           <p:cNvPr id="94" name="직선 화살표 연결선 93">
@@ -6215,7 +6255,7 @@
         <p:spPr>
           <a:xfrm>
             <a:off x="3406592" y="1177375"/>
-            <a:ext cx="1449632" cy="602890"/>
+            <a:ext cx="1594033" cy="606975"/>
           </a:xfrm>
           <a:prstGeom prst="straightConnector1">
             <a:avLst/>
@@ -6285,55 +6325,7 @@
             <a:pPr algn="ctr"/>
             <a:r>
               <a:rPr lang="en-US" altLang="ko-KR" sz="1200"/>
-              <a:t>Filter Table</a:t>
-            </a:r>
-            <a:endParaRPr lang="ko-KR" altLang="en-US" sz="1200"/>
-          </a:p>
-        </p:txBody>
-      </p:sp>
-      <p:sp>
-        <p:nvSpPr>
-          <p:cNvPr id="111" name="사각형: 둥근 모서리 110">
-            <a:extLst>
-              <a:ext uri="{FF2B5EF4-FFF2-40B4-BE49-F238E27FC236}">
-                <a16:creationId xmlns:a16="http://schemas.microsoft.com/office/drawing/2014/main" id="{E659FF75-A499-4AD6-B592-26FF54058DDA}"/>
-              </a:ext>
-            </a:extLst>
-          </p:cNvPr>
-          <p:cNvSpPr/>
-          <p:nvPr/>
-        </p:nvSpPr>
-        <p:spPr>
-          <a:xfrm>
-            <a:off x="5241406" y="2771130"/>
-            <a:ext cx="1274810" cy="232668"/>
-          </a:xfrm>
-          <a:prstGeom prst="roundRect">
-            <a:avLst/>
-          </a:prstGeom>
-        </p:spPr>
-        <p:style>
-          <a:lnRef idx="2">
-            <a:schemeClr val="dk1"/>
-          </a:lnRef>
-          <a:fillRef idx="1">
-            <a:schemeClr val="lt1"/>
-          </a:fillRef>
-          <a:effectRef idx="0">
-            <a:schemeClr val="dk1"/>
-          </a:effectRef>
-          <a:fontRef idx="minor">
-            <a:schemeClr val="dk1"/>
-          </a:fontRef>
-        </p:style>
-        <p:txBody>
-          <a:bodyPr rtlCol="0" anchor="ctr"/>
-          <a:lstStyle/>
-          <a:p>
-            <a:pPr algn="ctr"/>
-            <a:r>
-              <a:rPr lang="en-US" altLang="ko-KR" sz="1200"/>
-              <a:t>Mangle Table</a:t>
+              <a:t>security Table</a:t>
             </a:r>
             <a:endParaRPr lang="ko-KR" altLang="en-US" sz="1200"/>
           </a:p>
@@ -6356,8 +6348,8 @@
         </p:nvCxnSpPr>
         <p:spPr>
           <a:xfrm flipV="1">
-            <a:off x="1431382" y="2954255"/>
-            <a:ext cx="1952486" cy="311921"/>
+            <a:off x="1448051" y="2990070"/>
+            <a:ext cx="1935817" cy="276106"/>
           </a:xfrm>
           <a:prstGeom prst="straightConnector1">
             <a:avLst/>
@@ -6403,6 +6395,2645 @@
         <p:spPr>
           <a:xfrm>
             <a:off x="1448051" y="2467610"/>
+            <a:ext cx="1935817" cy="379859"/>
+          </a:xfrm>
+          <a:prstGeom prst="straightConnector1">
+            <a:avLst/>
+          </a:prstGeom>
+          <a:ln w="28575">
+            <a:solidFill>
+              <a:schemeClr val="tx1"/>
+            </a:solidFill>
+            <a:headEnd type="arrow" w="med" len="med"/>
+            <a:tailEnd type="arrow" w="med" len="med"/>
+          </a:ln>
+        </p:spPr>
+        <p:style>
+          <a:lnRef idx="1">
+            <a:schemeClr val="accent1"/>
+          </a:lnRef>
+          <a:fillRef idx="0">
+            <a:schemeClr val="accent1"/>
+          </a:fillRef>
+          <a:effectRef idx="0">
+            <a:schemeClr val="accent1"/>
+          </a:effectRef>
+          <a:fontRef idx="minor">
+            <a:schemeClr val="tx1"/>
+          </a:fontRef>
+        </p:style>
+      </p:cxnSp>
+      <p:sp>
+        <p:nvSpPr>
+          <p:cNvPr id="67" name="TextBox 66">
+            <a:extLst>
+              <a:ext uri="{FF2B5EF4-FFF2-40B4-BE49-F238E27FC236}">
+                <a16:creationId xmlns:a16="http://schemas.microsoft.com/office/drawing/2014/main" id="{04009183-1669-487C-97F2-E697147BAD68}"/>
+              </a:ext>
+            </a:extLst>
+          </p:cNvPr>
+          <p:cNvSpPr txBox="1"/>
+          <p:nvPr/>
+        </p:nvSpPr>
+        <p:spPr>
+          <a:xfrm>
+            <a:off x="5449515" y="1933074"/>
+            <a:ext cx="867594" cy="307777"/>
+          </a:xfrm>
+          <a:prstGeom prst="rect">
+            <a:avLst/>
+          </a:prstGeom>
+          <a:noFill/>
+        </p:spPr>
+        <p:txBody>
+          <a:bodyPr wrap="square" rtlCol="0">
+            <a:spAutoFit/>
+          </a:bodyPr>
+          <a:lstStyle/>
+          <a:p>
+            <a:pPr algn="ctr"/>
+            <a:r>
+              <a:rPr lang="en-US" altLang="ko-KR" sz="1400"/>
+              <a:t>Route</a:t>
+            </a:r>
+          </a:p>
+        </p:txBody>
+      </p:sp>
+      <p:cxnSp>
+        <p:nvCxnSpPr>
+          <p:cNvPr id="70" name="직선 화살표 연결선 69">
+            <a:extLst>
+              <a:ext uri="{FF2B5EF4-FFF2-40B4-BE49-F238E27FC236}">
+                <a16:creationId xmlns:a16="http://schemas.microsoft.com/office/drawing/2014/main" id="{FF9D0935-A7B4-4B91-A036-A0B275484EE4}"/>
+              </a:ext>
+            </a:extLst>
+          </p:cNvPr>
+          <p:cNvCxnSpPr>
+            <a:cxnSpLocks/>
+            <a:stCxn id="67" idx="0"/>
+          </p:cNvCxnSpPr>
+          <p:nvPr/>
+        </p:nvCxnSpPr>
+        <p:spPr>
+          <a:xfrm flipV="1">
+            <a:off x="5883312" y="1770082"/>
+            <a:ext cx="0" cy="162992"/>
+          </a:xfrm>
+          <a:prstGeom prst="straightConnector1">
+            <a:avLst/>
+          </a:prstGeom>
+          <a:ln w="28575">
+            <a:solidFill>
+              <a:schemeClr val="tx1"/>
+            </a:solidFill>
+            <a:headEnd type="none" w="med" len="med"/>
+            <a:tailEnd type="none" w="med" len="med"/>
+          </a:ln>
+        </p:spPr>
+        <p:style>
+          <a:lnRef idx="1">
+            <a:schemeClr val="accent1"/>
+          </a:lnRef>
+          <a:fillRef idx="0">
+            <a:schemeClr val="accent1"/>
+          </a:fillRef>
+          <a:effectRef idx="0">
+            <a:schemeClr val="accent1"/>
+          </a:effectRef>
+          <a:fontRef idx="minor">
+            <a:schemeClr val="tx1"/>
+          </a:fontRef>
+        </p:style>
+      </p:cxnSp>
+      <p:cxnSp>
+        <p:nvCxnSpPr>
+          <p:cNvPr id="59" name="직선 화살표 연결선 58">
+            <a:extLst>
+              <a:ext uri="{FF2B5EF4-FFF2-40B4-BE49-F238E27FC236}">
+                <a16:creationId xmlns:a16="http://schemas.microsoft.com/office/drawing/2014/main" id="{84DA228E-B048-4BAD-A865-A7265072493C}"/>
+              </a:ext>
+            </a:extLst>
+          </p:cNvPr>
+          <p:cNvCxnSpPr>
+            <a:cxnSpLocks/>
+            <a:stCxn id="117" idx="0"/>
+            <a:endCxn id="20" idx="2"/>
+          </p:cNvCxnSpPr>
+          <p:nvPr/>
+        </p:nvCxnSpPr>
+        <p:spPr>
+          <a:xfrm flipV="1">
+            <a:off x="7670296" y="1949818"/>
+            <a:ext cx="34052" cy="163661"/>
+          </a:xfrm>
+          <a:prstGeom prst="straightConnector1">
+            <a:avLst/>
+          </a:prstGeom>
+          <a:ln w="28575">
+            <a:solidFill>
+              <a:schemeClr val="tx1"/>
+            </a:solidFill>
+            <a:headEnd type="none" w="med" len="med"/>
+            <a:tailEnd type="arrow" w="med" len="med"/>
+          </a:ln>
+        </p:spPr>
+        <p:style>
+          <a:lnRef idx="1">
+            <a:schemeClr val="accent1"/>
+          </a:lnRef>
+          <a:fillRef idx="0">
+            <a:schemeClr val="accent1"/>
+          </a:fillRef>
+          <a:effectRef idx="0">
+            <a:schemeClr val="accent1"/>
+          </a:effectRef>
+          <a:fontRef idx="minor">
+            <a:schemeClr val="tx1"/>
+          </a:fontRef>
+        </p:style>
+      </p:cxnSp>
+      <p:sp>
+        <p:nvSpPr>
+          <p:cNvPr id="81" name="사각형: 둥근 모서리 80">
+            <a:extLst>
+              <a:ext uri="{FF2B5EF4-FFF2-40B4-BE49-F238E27FC236}">
+                <a16:creationId xmlns:a16="http://schemas.microsoft.com/office/drawing/2014/main" id="{755E31B0-BD88-4081-A894-27357EE3A1FA}"/>
+              </a:ext>
+            </a:extLst>
+          </p:cNvPr>
+          <p:cNvSpPr/>
+          <p:nvPr/>
+        </p:nvSpPr>
+        <p:spPr>
+          <a:xfrm>
+            <a:off x="5071593" y="3075806"/>
+            <a:ext cx="1228722" cy="232668"/>
+          </a:xfrm>
+          <a:prstGeom prst="roundRect">
+            <a:avLst/>
+          </a:prstGeom>
+        </p:spPr>
+        <p:style>
+          <a:lnRef idx="2">
+            <a:schemeClr val="dk1"/>
+          </a:lnRef>
+          <a:fillRef idx="1">
+            <a:schemeClr val="lt1"/>
+          </a:fillRef>
+          <a:effectRef idx="0">
+            <a:schemeClr val="dk1"/>
+          </a:effectRef>
+          <a:fontRef idx="minor">
+            <a:schemeClr val="dk1"/>
+          </a:fontRef>
+        </p:style>
+        <p:txBody>
+          <a:bodyPr rtlCol="0" anchor="ctr"/>
+          <a:lstStyle/>
+          <a:p>
+            <a:pPr algn="ctr"/>
+            <a:r>
+              <a:rPr lang="en-US" altLang="ko-KR" sz="1200"/>
+              <a:t>nat Table</a:t>
+            </a:r>
+            <a:endParaRPr lang="ko-KR" altLang="en-US" sz="1200"/>
+          </a:p>
+        </p:txBody>
+      </p:sp>
+      <p:cxnSp>
+        <p:nvCxnSpPr>
+          <p:cNvPr id="95" name="직선 화살표 연결선 94">
+            <a:extLst>
+              <a:ext uri="{FF2B5EF4-FFF2-40B4-BE49-F238E27FC236}">
+                <a16:creationId xmlns:a16="http://schemas.microsoft.com/office/drawing/2014/main" id="{8C01F5DB-58FF-43C3-B0CE-27D68EC07140}"/>
+              </a:ext>
+            </a:extLst>
+          </p:cNvPr>
+          <p:cNvCxnSpPr>
+            <a:cxnSpLocks/>
+            <a:stCxn id="117" idx="2"/>
+          </p:cNvCxnSpPr>
+          <p:nvPr/>
+        </p:nvCxnSpPr>
+        <p:spPr>
+          <a:xfrm flipH="1">
+            <a:off x="5685954" y="2472950"/>
+            <a:ext cx="1984342" cy="376596"/>
+          </a:xfrm>
+          <a:prstGeom prst="straightConnector1">
+            <a:avLst/>
+          </a:prstGeom>
+          <a:ln w="28575">
+            <a:solidFill>
+              <a:schemeClr val="tx1"/>
+            </a:solidFill>
+            <a:headEnd type="arrow" w="med" len="med"/>
+            <a:tailEnd type="arrow" w="med" len="med"/>
+          </a:ln>
+        </p:spPr>
+        <p:style>
+          <a:lnRef idx="1">
+            <a:schemeClr val="accent1"/>
+          </a:lnRef>
+          <a:fillRef idx="0">
+            <a:schemeClr val="accent1"/>
+          </a:fillRef>
+          <a:effectRef idx="0">
+            <a:schemeClr val="accent1"/>
+          </a:effectRef>
+          <a:fontRef idx="minor">
+            <a:schemeClr val="tx1"/>
+          </a:fontRef>
+        </p:style>
+      </p:cxnSp>
+      <p:cxnSp>
+        <p:nvCxnSpPr>
+          <p:cNvPr id="96" name="직선 화살표 연결선 95">
+            <a:extLst>
+              <a:ext uri="{FF2B5EF4-FFF2-40B4-BE49-F238E27FC236}">
+                <a16:creationId xmlns:a16="http://schemas.microsoft.com/office/drawing/2014/main" id="{5548883A-191C-4189-BB8C-340F6CAC17DF}"/>
+              </a:ext>
+            </a:extLst>
+          </p:cNvPr>
+          <p:cNvCxnSpPr>
+            <a:cxnSpLocks/>
+            <a:stCxn id="118" idx="0"/>
+          </p:cNvCxnSpPr>
+          <p:nvPr/>
+        </p:nvCxnSpPr>
+        <p:spPr>
+          <a:xfrm flipH="1" flipV="1">
+            <a:off x="5685954" y="2956619"/>
+            <a:ext cx="1984342" cy="303195"/>
+          </a:xfrm>
+          <a:prstGeom prst="straightConnector1">
+            <a:avLst/>
+          </a:prstGeom>
+          <a:ln w="28575">
+            <a:solidFill>
+              <a:schemeClr val="tx1"/>
+            </a:solidFill>
+            <a:headEnd type="arrow" w="med" len="med"/>
+            <a:tailEnd type="arrow" w="med" len="med"/>
+          </a:ln>
+        </p:spPr>
+        <p:style>
+          <a:lnRef idx="1">
+            <a:schemeClr val="accent1"/>
+          </a:lnRef>
+          <a:fillRef idx="0">
+            <a:schemeClr val="accent1"/>
+          </a:fillRef>
+          <a:effectRef idx="0">
+            <a:schemeClr val="accent1"/>
+          </a:effectRef>
+          <a:fontRef idx="minor">
+            <a:schemeClr val="tx1"/>
+          </a:fontRef>
+        </p:style>
+      </p:cxnSp>
+      <p:cxnSp>
+        <p:nvCxnSpPr>
+          <p:cNvPr id="102" name="직선 화살표 연결선 101">
+            <a:extLst>
+              <a:ext uri="{FF2B5EF4-FFF2-40B4-BE49-F238E27FC236}">
+                <a16:creationId xmlns:a16="http://schemas.microsoft.com/office/drawing/2014/main" id="{F1C073D3-4715-4387-A4AC-FE8EA05FB9B6}"/>
+              </a:ext>
+            </a:extLst>
+          </p:cNvPr>
+          <p:cNvCxnSpPr>
+            <a:cxnSpLocks/>
+            <a:stCxn id="112" idx="3"/>
+            <a:endCxn id="20" idx="2"/>
+          </p:cNvCxnSpPr>
+          <p:nvPr/>
+        </p:nvCxnSpPr>
+        <p:spPr>
+          <a:xfrm flipV="1">
+            <a:off x="2458067" y="1949818"/>
+            <a:ext cx="5246281" cy="1496094"/>
+          </a:xfrm>
+          <a:prstGeom prst="straightConnector1">
+            <a:avLst/>
+          </a:prstGeom>
+          <a:ln w="28575">
+            <a:solidFill>
+              <a:schemeClr val="tx1"/>
+            </a:solidFill>
+            <a:headEnd type="none" w="med" len="med"/>
+            <a:tailEnd type="arrow" w="med" len="med"/>
+          </a:ln>
+        </p:spPr>
+        <p:style>
+          <a:lnRef idx="1">
+            <a:schemeClr val="accent1"/>
+          </a:lnRef>
+          <a:fillRef idx="0">
+            <a:schemeClr val="accent1"/>
+          </a:fillRef>
+          <a:effectRef idx="0">
+            <a:schemeClr val="accent1"/>
+          </a:effectRef>
+          <a:fontRef idx="minor">
+            <a:schemeClr val="tx1"/>
+          </a:fontRef>
+        </p:style>
+      </p:cxnSp>
+      <p:sp>
+        <p:nvSpPr>
+          <p:cNvPr id="69" name="사각형: 둥근 모서리 68">
+            <a:extLst>
+              <a:ext uri="{FF2B5EF4-FFF2-40B4-BE49-F238E27FC236}">
+                <a16:creationId xmlns:a16="http://schemas.microsoft.com/office/drawing/2014/main" id="{DC3A1FAC-9044-4155-A0AB-73AA5D8B9C10}"/>
+              </a:ext>
+            </a:extLst>
+          </p:cNvPr>
+          <p:cNvSpPr/>
+          <p:nvPr/>
+        </p:nvSpPr>
+        <p:spPr>
+          <a:xfrm>
+            <a:off x="3955578" y="1485280"/>
+            <a:ext cx="760438" cy="366385"/>
+          </a:xfrm>
+          <a:prstGeom prst="roundRect">
+            <a:avLst/>
+          </a:prstGeom>
+        </p:spPr>
+        <p:style>
+          <a:lnRef idx="2">
+            <a:schemeClr val="dk1"/>
+          </a:lnRef>
+          <a:fillRef idx="1">
+            <a:schemeClr val="lt1"/>
+          </a:fillRef>
+          <a:effectRef idx="0">
+            <a:schemeClr val="dk1"/>
+          </a:effectRef>
+          <a:fontRef idx="minor">
+            <a:schemeClr val="dk1"/>
+          </a:fontRef>
+        </p:style>
+        <p:txBody>
+          <a:bodyPr rtlCol="0" anchor="ctr"/>
+          <a:lstStyle/>
+          <a:p>
+            <a:pPr algn="ctr"/>
+            <a:r>
+              <a:rPr lang="en-US" altLang="ko-KR" sz="1200"/>
+              <a:t>security Table</a:t>
+            </a:r>
+            <a:endParaRPr lang="ko-KR" altLang="en-US" sz="1200"/>
+          </a:p>
+        </p:txBody>
+      </p:sp>
+      <p:sp>
+        <p:nvSpPr>
+          <p:cNvPr id="74" name="사각형: 둥근 모서리 73">
+            <a:extLst>
+              <a:ext uri="{FF2B5EF4-FFF2-40B4-BE49-F238E27FC236}">
+                <a16:creationId xmlns:a16="http://schemas.microsoft.com/office/drawing/2014/main" id="{30D0D3E6-E2B2-4B3B-942A-16B484C2DA1B}"/>
+              </a:ext>
+            </a:extLst>
+          </p:cNvPr>
+          <p:cNvSpPr/>
+          <p:nvPr/>
+        </p:nvSpPr>
+        <p:spPr>
+          <a:xfrm>
+            <a:off x="2767214" y="3075806"/>
+            <a:ext cx="1228722" cy="232668"/>
+          </a:xfrm>
+          <a:prstGeom prst="roundRect">
+            <a:avLst/>
+          </a:prstGeom>
+        </p:spPr>
+        <p:style>
+          <a:lnRef idx="2">
+            <a:schemeClr val="dk1"/>
+          </a:lnRef>
+          <a:fillRef idx="1">
+            <a:schemeClr val="lt1"/>
+          </a:fillRef>
+          <a:effectRef idx="0">
+            <a:schemeClr val="dk1"/>
+          </a:effectRef>
+          <a:fontRef idx="minor">
+            <a:schemeClr val="dk1"/>
+          </a:fontRef>
+        </p:style>
+        <p:txBody>
+          <a:bodyPr rtlCol="0" anchor="ctr"/>
+          <a:lstStyle/>
+          <a:p>
+            <a:pPr algn="ctr"/>
+            <a:r>
+              <a:rPr lang="en-US" altLang="ko-KR" sz="1200"/>
+              <a:t>nat Table</a:t>
+            </a:r>
+            <a:endParaRPr lang="ko-KR" altLang="en-US" sz="1200"/>
+          </a:p>
+        </p:txBody>
+      </p:sp>
+      <p:sp>
+        <p:nvSpPr>
+          <p:cNvPr id="80" name="사각형: 둥근 모서리 79">
+            <a:extLst>
+              <a:ext uri="{FF2B5EF4-FFF2-40B4-BE49-F238E27FC236}">
+                <a16:creationId xmlns:a16="http://schemas.microsoft.com/office/drawing/2014/main" id="{FCBFB031-94DB-4D01-8B04-916904F406CB}"/>
+              </a:ext>
+            </a:extLst>
+          </p:cNvPr>
+          <p:cNvSpPr/>
+          <p:nvPr/>
+        </p:nvSpPr>
+        <p:spPr>
+          <a:xfrm>
+            <a:off x="5071593" y="2499743"/>
+            <a:ext cx="1228722" cy="232668"/>
+          </a:xfrm>
+          <a:prstGeom prst="roundRect">
+            <a:avLst/>
+          </a:prstGeom>
+        </p:spPr>
+        <p:style>
+          <a:lnRef idx="2">
+            <a:schemeClr val="dk1"/>
+          </a:lnRef>
+          <a:fillRef idx="1">
+            <a:schemeClr val="lt1"/>
+          </a:fillRef>
+          <a:effectRef idx="0">
+            <a:schemeClr val="dk1"/>
+          </a:effectRef>
+          <a:fontRef idx="minor">
+            <a:schemeClr val="dk1"/>
+          </a:fontRef>
+        </p:style>
+        <p:txBody>
+          <a:bodyPr rtlCol="0" anchor="ctr"/>
+          <a:lstStyle/>
+          <a:p>
+            <a:pPr algn="ctr"/>
+            <a:r>
+              <a:rPr lang="en-US" altLang="ko-KR" sz="1200"/>
+              <a:t>filter Table</a:t>
+            </a:r>
+            <a:endParaRPr lang="ko-KR" altLang="en-US" sz="1200"/>
+          </a:p>
+        </p:txBody>
+      </p:sp>
+    </p:spTree>
+    <p:extLst>
+      <p:ext uri="{BB962C8B-B14F-4D97-AF65-F5344CB8AC3E}">
+        <p14:creationId xmlns:p14="http://schemas.microsoft.com/office/powerpoint/2010/main" val="2785787533"/>
+      </p:ext>
+    </p:extLst>
+  </p:cSld>
+  <p:clrMapOvr>
+    <a:masterClrMapping/>
+  </p:clrMapOvr>
+</p:sld>
+</file>
+
+<file path=ppt/slides/slide3.xml><?xml version="1.0" encoding="utf-8"?>
+<p:sld xmlns:a="http://schemas.openxmlformats.org/drawingml/2006/main" xmlns:r="http://schemas.openxmlformats.org/officeDocument/2006/relationships" xmlns:p="http://schemas.openxmlformats.org/presentationml/2006/main">
+  <p:cSld>
+    <p:spTree>
+      <p:nvGrpSpPr>
+        <p:cNvPr id="1" name=""/>
+        <p:cNvGrpSpPr/>
+        <p:nvPr/>
+      </p:nvGrpSpPr>
+      <p:grpSpPr>
+        <a:xfrm>
+          <a:off x="0" y="0"/>
+          <a:ext cx="0" cy="0"/>
+          <a:chOff x="0" y="0"/>
+          <a:chExt cx="0" cy="0"/>
+        </a:xfrm>
+      </p:grpSpPr>
+    </p:spTree>
+    <p:extLst>
+      <p:ext uri="{BB962C8B-B14F-4D97-AF65-F5344CB8AC3E}">
+        <p14:creationId xmlns:p14="http://schemas.microsoft.com/office/powerpoint/2010/main" val="2572954214"/>
+      </p:ext>
+    </p:extLst>
+  </p:cSld>
+  <p:clrMapOvr>
+    <a:masterClrMapping/>
+  </p:clrMapOvr>
+</p:sld>
+</file>
+
+<file path=ppt/slides/slide4.xml><?xml version="1.0" encoding="utf-8"?>
+<p:sld xmlns:a="http://schemas.openxmlformats.org/drawingml/2006/main" xmlns:r="http://schemas.openxmlformats.org/officeDocument/2006/relationships" xmlns:p="http://schemas.openxmlformats.org/presentationml/2006/main">
+  <p:cSld>
+    <p:spTree>
+      <p:nvGrpSpPr>
+        <p:cNvPr id="1" name=""/>
+        <p:cNvGrpSpPr/>
+        <p:nvPr/>
+      </p:nvGrpSpPr>
+      <p:grpSpPr>
+        <a:xfrm>
+          <a:off x="0" y="0"/>
+          <a:ext cx="0" cy="0"/>
+          <a:chOff x="0" y="0"/>
+          <a:chExt cx="0" cy="0"/>
+        </a:xfrm>
+      </p:grpSpPr>
+      <p:sp>
+        <p:nvSpPr>
+          <p:cNvPr id="2" name="제목 1"/>
+          <p:cNvSpPr>
+            <a:spLocks noGrp="1"/>
+          </p:cNvSpPr>
+          <p:nvPr>
+            <p:ph type="title"/>
+          </p:nvPr>
+        </p:nvSpPr>
+        <p:spPr>
+          <a:xfrm>
+            <a:off x="565354" y="-164554"/>
+            <a:ext cx="8229600" cy="857250"/>
+          </a:xfrm>
+        </p:spPr>
+        <p:txBody>
+          <a:bodyPr/>
+          <a:lstStyle/>
+          <a:p>
+            <a:r>
+              <a:rPr lang="en-US" altLang="ko-KR"/>
+              <a:t>IPVS Netfilter Hook Function</a:t>
+            </a:r>
+          </a:p>
+        </p:txBody>
+      </p:sp>
+      <p:sp>
+        <p:nvSpPr>
+          <p:cNvPr id="18" name="사각형: 둥근 모서리 17">
+            <a:extLst>
+              <a:ext uri="{FF2B5EF4-FFF2-40B4-BE49-F238E27FC236}">
+                <a16:creationId xmlns:a16="http://schemas.microsoft.com/office/drawing/2014/main" id="{44DEB3D6-C204-45B1-A535-44968AAEEE7B}"/>
+              </a:ext>
+            </a:extLst>
+          </p:cNvPr>
+          <p:cNvSpPr/>
+          <p:nvPr/>
+        </p:nvSpPr>
+        <p:spPr>
+          <a:xfrm>
+            <a:off x="683568" y="1590347"/>
+            <a:ext cx="1512168" cy="359471"/>
+          </a:xfrm>
+          <a:prstGeom prst="roundRect">
+            <a:avLst/>
+          </a:prstGeom>
+        </p:spPr>
+        <p:style>
+          <a:lnRef idx="2">
+            <a:schemeClr val="dk1"/>
+          </a:lnRef>
+          <a:fillRef idx="1">
+            <a:schemeClr val="lt1"/>
+          </a:fillRef>
+          <a:effectRef idx="0">
+            <a:schemeClr val="dk1"/>
+          </a:effectRef>
+          <a:fontRef idx="minor">
+            <a:schemeClr val="dk1"/>
+          </a:fontRef>
+        </p:style>
+        <p:txBody>
+          <a:bodyPr rtlCol="0" anchor="ctr"/>
+          <a:lstStyle/>
+          <a:p>
+            <a:pPr algn="ctr"/>
+            <a:r>
+              <a:rPr lang="en-US" altLang="ko-KR" sz="1400"/>
+              <a:t>PREROUTING</a:t>
+            </a:r>
+            <a:endParaRPr lang="ko-KR" altLang="en-US" sz="1400"/>
+          </a:p>
+        </p:txBody>
+      </p:sp>
+      <p:sp>
+        <p:nvSpPr>
+          <p:cNvPr id="19" name="사각형: 둥근 모서리 18">
+            <a:extLst>
+              <a:ext uri="{FF2B5EF4-FFF2-40B4-BE49-F238E27FC236}">
+                <a16:creationId xmlns:a16="http://schemas.microsoft.com/office/drawing/2014/main" id="{21846636-8B71-4921-B415-CD35760A4119}"/>
+              </a:ext>
+            </a:extLst>
+          </p:cNvPr>
+          <p:cNvSpPr/>
+          <p:nvPr/>
+        </p:nvSpPr>
+        <p:spPr>
+          <a:xfrm>
+            <a:off x="3882256" y="1400463"/>
+            <a:ext cx="1512168" cy="739240"/>
+          </a:xfrm>
+          <a:prstGeom prst="roundRect">
+            <a:avLst>
+              <a:gd name="adj" fmla="val 10654"/>
+            </a:avLst>
+          </a:prstGeom>
+        </p:spPr>
+        <p:style>
+          <a:lnRef idx="2">
+            <a:schemeClr val="dk1"/>
+          </a:lnRef>
+          <a:fillRef idx="1">
+            <a:schemeClr val="lt1"/>
+          </a:fillRef>
+          <a:effectRef idx="0">
+            <a:schemeClr val="dk1"/>
+          </a:effectRef>
+          <a:fontRef idx="minor">
+            <a:schemeClr val="dk1"/>
+          </a:fontRef>
+        </p:style>
+        <p:txBody>
+          <a:bodyPr rtlCol="0" anchor="b"/>
+          <a:lstStyle/>
+          <a:p>
+            <a:pPr algn="ctr"/>
+            <a:r>
+              <a:rPr lang="en-US" altLang="ko-KR" sz="1400"/>
+              <a:t>FORWARD</a:t>
+            </a:r>
+            <a:endParaRPr lang="ko-KR" altLang="en-US" sz="1400"/>
+          </a:p>
+        </p:txBody>
+      </p:sp>
+      <p:sp>
+        <p:nvSpPr>
+          <p:cNvPr id="20" name="사각형: 둥근 모서리 19">
+            <a:extLst>
+              <a:ext uri="{FF2B5EF4-FFF2-40B4-BE49-F238E27FC236}">
+                <a16:creationId xmlns:a16="http://schemas.microsoft.com/office/drawing/2014/main" id="{E33E320F-C8B8-461B-8BE6-693A9025B7E3}"/>
+              </a:ext>
+            </a:extLst>
+          </p:cNvPr>
+          <p:cNvSpPr/>
+          <p:nvPr/>
+        </p:nvSpPr>
+        <p:spPr>
+          <a:xfrm>
+            <a:off x="6948264" y="1590347"/>
+            <a:ext cx="1512168" cy="359471"/>
+          </a:xfrm>
+          <a:prstGeom prst="roundRect">
+            <a:avLst/>
+          </a:prstGeom>
+        </p:spPr>
+        <p:style>
+          <a:lnRef idx="2">
+            <a:schemeClr val="dk1"/>
+          </a:lnRef>
+          <a:fillRef idx="1">
+            <a:schemeClr val="lt1"/>
+          </a:fillRef>
+          <a:effectRef idx="0">
+            <a:schemeClr val="dk1"/>
+          </a:effectRef>
+          <a:fontRef idx="minor">
+            <a:schemeClr val="dk1"/>
+          </a:fontRef>
+        </p:style>
+        <p:txBody>
+          <a:bodyPr rtlCol="0" anchor="ctr"/>
+          <a:lstStyle/>
+          <a:p>
+            <a:pPr algn="ctr"/>
+            <a:r>
+              <a:rPr lang="en-US" altLang="ko-KR" sz="1400"/>
+              <a:t>POSTROUTING</a:t>
+            </a:r>
+            <a:endParaRPr lang="ko-KR" altLang="en-US" sz="1400"/>
+          </a:p>
+        </p:txBody>
+      </p:sp>
+      <p:sp>
+        <p:nvSpPr>
+          <p:cNvPr id="21" name="사각형: 둥근 모서리 20">
+            <a:extLst>
+              <a:ext uri="{FF2B5EF4-FFF2-40B4-BE49-F238E27FC236}">
+                <a16:creationId xmlns:a16="http://schemas.microsoft.com/office/drawing/2014/main" id="{A2E95890-A182-465A-8D2E-2A91B4F41162}"/>
+              </a:ext>
+            </a:extLst>
+          </p:cNvPr>
+          <p:cNvSpPr/>
+          <p:nvPr/>
+        </p:nvSpPr>
+        <p:spPr>
+          <a:xfrm>
+            <a:off x="2627784" y="2436685"/>
+            <a:ext cx="1512168" cy="865188"/>
+          </a:xfrm>
+          <a:prstGeom prst="roundRect">
+            <a:avLst>
+              <a:gd name="adj" fmla="val 11761"/>
+            </a:avLst>
+          </a:prstGeom>
+        </p:spPr>
+        <p:style>
+          <a:lnRef idx="2">
+            <a:schemeClr val="dk1"/>
+          </a:lnRef>
+          <a:fillRef idx="1">
+            <a:schemeClr val="lt1"/>
+          </a:fillRef>
+          <a:effectRef idx="0">
+            <a:schemeClr val="dk1"/>
+          </a:effectRef>
+          <a:fontRef idx="minor">
+            <a:schemeClr val="dk1"/>
+          </a:fontRef>
+        </p:style>
+        <p:txBody>
+          <a:bodyPr rtlCol="0" anchor="b"/>
+          <a:lstStyle/>
+          <a:p>
+            <a:pPr algn="ctr"/>
+            <a:r>
+              <a:rPr lang="en-US" altLang="ko-KR" sz="1400"/>
+              <a:t>LOCAL_IN</a:t>
+            </a:r>
+            <a:endParaRPr lang="ko-KR" altLang="en-US" sz="1400"/>
+          </a:p>
+        </p:txBody>
+      </p:sp>
+      <p:sp>
+        <p:nvSpPr>
+          <p:cNvPr id="22" name="사각형: 둥근 모서리 21">
+            <a:extLst>
+              <a:ext uri="{FF2B5EF4-FFF2-40B4-BE49-F238E27FC236}">
+                <a16:creationId xmlns:a16="http://schemas.microsoft.com/office/drawing/2014/main" id="{99948D58-FB56-4797-9C91-C102006D5C43}"/>
+              </a:ext>
+            </a:extLst>
+          </p:cNvPr>
+          <p:cNvSpPr/>
+          <p:nvPr/>
+        </p:nvSpPr>
+        <p:spPr>
+          <a:xfrm>
+            <a:off x="5129014" y="2436685"/>
+            <a:ext cx="1512168" cy="865188"/>
+          </a:xfrm>
+          <a:prstGeom prst="roundRect">
+            <a:avLst/>
+          </a:prstGeom>
+        </p:spPr>
+        <p:style>
+          <a:lnRef idx="2">
+            <a:schemeClr val="dk1"/>
+          </a:lnRef>
+          <a:fillRef idx="1">
+            <a:schemeClr val="lt1"/>
+          </a:fillRef>
+          <a:effectRef idx="0">
+            <a:schemeClr val="dk1"/>
+          </a:effectRef>
+          <a:fontRef idx="minor">
+            <a:schemeClr val="dk1"/>
+          </a:fontRef>
+        </p:style>
+        <p:txBody>
+          <a:bodyPr rtlCol="0" anchor="b"/>
+          <a:lstStyle/>
+          <a:p>
+            <a:pPr algn="ctr"/>
+            <a:r>
+              <a:rPr lang="en-US" altLang="ko-KR" sz="1400"/>
+              <a:t>LOCAL_OUT</a:t>
+            </a:r>
+            <a:endParaRPr lang="ko-KR" altLang="en-US" sz="1400"/>
+          </a:p>
+        </p:txBody>
+      </p:sp>
+      <p:cxnSp>
+        <p:nvCxnSpPr>
+          <p:cNvPr id="25" name="직선 화살표 연결선 24">
+            <a:extLst>
+              <a:ext uri="{FF2B5EF4-FFF2-40B4-BE49-F238E27FC236}">
+                <a16:creationId xmlns:a16="http://schemas.microsoft.com/office/drawing/2014/main" id="{D574FCB6-C968-4A87-8880-4668558EC203}"/>
+              </a:ext>
+            </a:extLst>
+          </p:cNvPr>
+          <p:cNvCxnSpPr>
+            <a:cxnSpLocks/>
+            <a:stCxn id="18" idx="3"/>
+            <a:endCxn id="34" idx="1"/>
+          </p:cNvCxnSpPr>
+          <p:nvPr/>
+        </p:nvCxnSpPr>
+        <p:spPr>
+          <a:xfrm>
+            <a:off x="2195736" y="1770083"/>
+            <a:ext cx="424703" cy="3402"/>
+          </a:xfrm>
+          <a:prstGeom prst="straightConnector1">
+            <a:avLst/>
+          </a:prstGeom>
+          <a:ln w="28575">
+            <a:solidFill>
+              <a:schemeClr val="tx1"/>
+            </a:solidFill>
+            <a:headEnd type="none" w="med" len="med"/>
+            <a:tailEnd type="arrow" w="med" len="med"/>
+          </a:ln>
+        </p:spPr>
+        <p:style>
+          <a:lnRef idx="1">
+            <a:schemeClr val="accent1"/>
+          </a:lnRef>
+          <a:fillRef idx="0">
+            <a:schemeClr val="accent1"/>
+          </a:fillRef>
+          <a:effectRef idx="0">
+            <a:schemeClr val="accent1"/>
+          </a:effectRef>
+          <a:fontRef idx="minor">
+            <a:schemeClr val="tx1"/>
+          </a:fontRef>
+        </p:style>
+      </p:cxnSp>
+      <p:sp>
+        <p:nvSpPr>
+          <p:cNvPr id="34" name="TextBox 33">
+            <a:extLst>
+              <a:ext uri="{FF2B5EF4-FFF2-40B4-BE49-F238E27FC236}">
+                <a16:creationId xmlns:a16="http://schemas.microsoft.com/office/drawing/2014/main" id="{18491C88-68BC-4F46-B196-F6AE45315B5C}"/>
+              </a:ext>
+            </a:extLst>
+          </p:cNvPr>
+          <p:cNvSpPr txBox="1"/>
+          <p:nvPr/>
+        </p:nvSpPr>
+        <p:spPr>
+          <a:xfrm>
+            <a:off x="2620439" y="1619596"/>
+            <a:ext cx="867594" cy="307777"/>
+          </a:xfrm>
+          <a:prstGeom prst="rect">
+            <a:avLst/>
+          </a:prstGeom>
+          <a:noFill/>
+        </p:spPr>
+        <p:txBody>
+          <a:bodyPr wrap="square" rtlCol="0">
+            <a:spAutoFit/>
+          </a:bodyPr>
+          <a:lstStyle/>
+          <a:p>
+            <a:pPr algn="ctr"/>
+            <a:r>
+              <a:rPr lang="en-US" altLang="ko-KR" sz="1400"/>
+              <a:t>Route</a:t>
+            </a:r>
+          </a:p>
+        </p:txBody>
+      </p:sp>
+      <p:cxnSp>
+        <p:nvCxnSpPr>
+          <p:cNvPr id="37" name="직선 화살표 연결선 36">
+            <a:extLst>
+              <a:ext uri="{FF2B5EF4-FFF2-40B4-BE49-F238E27FC236}">
+                <a16:creationId xmlns:a16="http://schemas.microsoft.com/office/drawing/2014/main" id="{9273729A-F5D3-42BD-9B40-34F5640369B4}"/>
+              </a:ext>
+            </a:extLst>
+          </p:cNvPr>
+          <p:cNvCxnSpPr>
+            <a:cxnSpLocks/>
+            <a:stCxn id="34" idx="3"/>
+            <a:endCxn id="19" idx="1"/>
+          </p:cNvCxnSpPr>
+          <p:nvPr/>
+        </p:nvCxnSpPr>
+        <p:spPr>
+          <a:xfrm flipV="1">
+            <a:off x="3488033" y="1770083"/>
+            <a:ext cx="394223" cy="3402"/>
+          </a:xfrm>
+          <a:prstGeom prst="straightConnector1">
+            <a:avLst/>
+          </a:prstGeom>
+          <a:ln w="28575">
+            <a:solidFill>
+              <a:schemeClr val="tx1"/>
+            </a:solidFill>
+            <a:headEnd type="none" w="med" len="med"/>
+            <a:tailEnd type="arrow" w="med" len="med"/>
+          </a:ln>
+        </p:spPr>
+        <p:style>
+          <a:lnRef idx="1">
+            <a:schemeClr val="accent1"/>
+          </a:lnRef>
+          <a:fillRef idx="0">
+            <a:schemeClr val="accent1"/>
+          </a:fillRef>
+          <a:effectRef idx="0">
+            <a:schemeClr val="accent1"/>
+          </a:effectRef>
+          <a:fontRef idx="minor">
+            <a:schemeClr val="tx1"/>
+          </a:fontRef>
+        </p:style>
+      </p:cxnSp>
+      <p:cxnSp>
+        <p:nvCxnSpPr>
+          <p:cNvPr id="41" name="직선 화살표 연결선 40">
+            <a:extLst>
+              <a:ext uri="{FF2B5EF4-FFF2-40B4-BE49-F238E27FC236}">
+                <a16:creationId xmlns:a16="http://schemas.microsoft.com/office/drawing/2014/main" id="{541048A9-A0FE-4B9D-879B-1C417EB39DF4}"/>
+              </a:ext>
+            </a:extLst>
+          </p:cNvPr>
+          <p:cNvCxnSpPr>
+            <a:cxnSpLocks/>
+            <a:stCxn id="34" idx="2"/>
+            <a:endCxn id="21" idx="0"/>
+          </p:cNvCxnSpPr>
+          <p:nvPr/>
+        </p:nvCxnSpPr>
+        <p:spPr>
+          <a:xfrm>
+            <a:off x="3054236" y="1927373"/>
+            <a:ext cx="329632" cy="509312"/>
+          </a:xfrm>
+          <a:prstGeom prst="straightConnector1">
+            <a:avLst/>
+          </a:prstGeom>
+          <a:ln w="28575">
+            <a:solidFill>
+              <a:schemeClr val="tx1"/>
+            </a:solidFill>
+            <a:headEnd type="none" w="med" len="med"/>
+            <a:tailEnd type="arrow" w="med" len="med"/>
+          </a:ln>
+        </p:spPr>
+        <p:style>
+          <a:lnRef idx="1">
+            <a:schemeClr val="accent1"/>
+          </a:lnRef>
+          <a:fillRef idx="0">
+            <a:schemeClr val="accent1"/>
+          </a:fillRef>
+          <a:effectRef idx="0">
+            <a:schemeClr val="accent1"/>
+          </a:effectRef>
+          <a:fontRef idx="minor">
+            <a:schemeClr val="tx1"/>
+          </a:fontRef>
+        </p:style>
+      </p:cxnSp>
+      <p:sp>
+        <p:nvSpPr>
+          <p:cNvPr id="44" name="자유형: 도형 43">
+            <a:extLst>
+              <a:ext uri="{FF2B5EF4-FFF2-40B4-BE49-F238E27FC236}">
+                <a16:creationId xmlns:a16="http://schemas.microsoft.com/office/drawing/2014/main" id="{7EEABC25-1D1B-4E0A-89CA-34FA363CD155}"/>
+              </a:ext>
+            </a:extLst>
+          </p:cNvPr>
+          <p:cNvSpPr/>
+          <p:nvPr/>
+        </p:nvSpPr>
+        <p:spPr>
+          <a:xfrm>
+            <a:off x="467544" y="1382879"/>
+            <a:ext cx="216022" cy="387204"/>
+          </a:xfrm>
+          <a:custGeom>
+            <a:avLst/>
+            <a:gdLst>
+              <a:gd name="connsiteX0" fmla="*/ 0 w 431800"/>
+              <a:gd name="connsiteY0" fmla="*/ 0 h 397933"/>
+              <a:gd name="connsiteX1" fmla="*/ 0 w 431800"/>
+              <a:gd name="connsiteY1" fmla="*/ 397933 h 397933"/>
+              <a:gd name="connsiteX2" fmla="*/ 431800 w 431800"/>
+              <a:gd name="connsiteY2" fmla="*/ 397933 h 397933"/>
+            </a:gdLst>
+            <a:ahLst/>
+            <a:cxnLst>
+              <a:cxn ang="0">
+                <a:pos x="connsiteX0" y="connsiteY0"/>
+              </a:cxn>
+              <a:cxn ang="0">
+                <a:pos x="connsiteX1" y="connsiteY1"/>
+              </a:cxn>
+              <a:cxn ang="0">
+                <a:pos x="connsiteX2" y="connsiteY2"/>
+              </a:cxn>
+            </a:cxnLst>
+            <a:rect l="l" t="t" r="r" b="b"/>
+            <a:pathLst>
+              <a:path w="431800" h="397933">
+                <a:moveTo>
+                  <a:pt x="0" y="0"/>
+                </a:moveTo>
+                <a:lnTo>
+                  <a:pt x="0" y="397933"/>
+                </a:lnTo>
+                <a:lnTo>
+                  <a:pt x="431800" y="397933"/>
+                </a:lnTo>
+              </a:path>
+            </a:pathLst>
+          </a:custGeom>
+          <a:noFill/>
+          <a:ln>
+            <a:solidFill>
+              <a:schemeClr val="tx1"/>
+            </a:solidFill>
+            <a:headEnd type="none" w="med" len="med"/>
+            <a:tailEnd type="arrow" w="med" len="med"/>
+          </a:ln>
+        </p:spPr>
+        <p:style>
+          <a:lnRef idx="2">
+            <a:schemeClr val="accent1">
+              <a:shade val="50000"/>
+            </a:schemeClr>
+          </a:lnRef>
+          <a:fillRef idx="1">
+            <a:schemeClr val="accent1"/>
+          </a:fillRef>
+          <a:effectRef idx="0">
+            <a:schemeClr val="accent1"/>
+          </a:effectRef>
+          <a:fontRef idx="minor">
+            <a:schemeClr val="lt1"/>
+          </a:fontRef>
+        </p:style>
+        <p:txBody>
+          <a:bodyPr rtlCol="0" anchor="ctr"/>
+          <a:lstStyle/>
+          <a:p>
+            <a:pPr algn="ctr"/>
+            <a:endParaRPr lang="ko-KR" altLang="en-US"/>
+          </a:p>
+        </p:txBody>
+      </p:sp>
+      <p:sp>
+        <p:nvSpPr>
+          <p:cNvPr id="45" name="자유형: 도형 44">
+            <a:extLst>
+              <a:ext uri="{FF2B5EF4-FFF2-40B4-BE49-F238E27FC236}">
+                <a16:creationId xmlns:a16="http://schemas.microsoft.com/office/drawing/2014/main" id="{2E5B6662-542C-4587-BF80-F82FD313A1C2}"/>
+              </a:ext>
+            </a:extLst>
+          </p:cNvPr>
+          <p:cNvSpPr/>
+          <p:nvPr/>
+        </p:nvSpPr>
+        <p:spPr>
+          <a:xfrm flipH="1">
+            <a:off x="8460433" y="1384999"/>
+            <a:ext cx="216022" cy="385083"/>
+          </a:xfrm>
+          <a:custGeom>
+            <a:avLst/>
+            <a:gdLst>
+              <a:gd name="connsiteX0" fmla="*/ 0 w 431800"/>
+              <a:gd name="connsiteY0" fmla="*/ 0 h 397933"/>
+              <a:gd name="connsiteX1" fmla="*/ 0 w 431800"/>
+              <a:gd name="connsiteY1" fmla="*/ 397933 h 397933"/>
+              <a:gd name="connsiteX2" fmla="*/ 431800 w 431800"/>
+              <a:gd name="connsiteY2" fmla="*/ 397933 h 397933"/>
+            </a:gdLst>
+            <a:ahLst/>
+            <a:cxnLst>
+              <a:cxn ang="0">
+                <a:pos x="connsiteX0" y="connsiteY0"/>
+              </a:cxn>
+              <a:cxn ang="0">
+                <a:pos x="connsiteX1" y="connsiteY1"/>
+              </a:cxn>
+              <a:cxn ang="0">
+                <a:pos x="connsiteX2" y="connsiteY2"/>
+              </a:cxn>
+            </a:cxnLst>
+            <a:rect l="l" t="t" r="r" b="b"/>
+            <a:pathLst>
+              <a:path w="431800" h="397933">
+                <a:moveTo>
+                  <a:pt x="0" y="0"/>
+                </a:moveTo>
+                <a:lnTo>
+                  <a:pt x="0" y="397933"/>
+                </a:lnTo>
+                <a:lnTo>
+                  <a:pt x="431800" y="397933"/>
+                </a:lnTo>
+              </a:path>
+            </a:pathLst>
+          </a:custGeom>
+          <a:noFill/>
+          <a:ln>
+            <a:solidFill>
+              <a:schemeClr val="tx1"/>
+            </a:solidFill>
+            <a:headEnd type="arrow" w="med" len="med"/>
+            <a:tailEnd type="none" w="med" len="med"/>
+          </a:ln>
+        </p:spPr>
+        <p:style>
+          <a:lnRef idx="2">
+            <a:schemeClr val="accent1">
+              <a:shade val="50000"/>
+            </a:schemeClr>
+          </a:lnRef>
+          <a:fillRef idx="1">
+            <a:schemeClr val="accent1"/>
+          </a:fillRef>
+          <a:effectRef idx="0">
+            <a:schemeClr val="accent1"/>
+          </a:effectRef>
+          <a:fontRef idx="minor">
+            <a:schemeClr val="lt1"/>
+          </a:fontRef>
+        </p:style>
+        <p:txBody>
+          <a:bodyPr rtlCol="0" anchor="ctr"/>
+          <a:lstStyle/>
+          <a:p>
+            <a:pPr algn="ctr"/>
+            <a:endParaRPr lang="ko-KR" altLang="en-US"/>
+          </a:p>
+        </p:txBody>
+      </p:sp>
+      <p:sp>
+        <p:nvSpPr>
+          <p:cNvPr id="49" name="TextBox 48">
+            <a:extLst>
+              <a:ext uri="{FF2B5EF4-FFF2-40B4-BE49-F238E27FC236}">
+                <a16:creationId xmlns:a16="http://schemas.microsoft.com/office/drawing/2014/main" id="{5D2EF8C6-3E55-4EB6-95E8-357E5E7D8690}"/>
+              </a:ext>
+            </a:extLst>
+          </p:cNvPr>
+          <p:cNvSpPr txBox="1"/>
+          <p:nvPr/>
+        </p:nvSpPr>
+        <p:spPr>
+          <a:xfrm>
+            <a:off x="0" y="1075101"/>
+            <a:ext cx="946944" cy="307777"/>
+          </a:xfrm>
+          <a:prstGeom prst="rect">
+            <a:avLst/>
+          </a:prstGeom>
+          <a:noFill/>
+        </p:spPr>
+        <p:txBody>
+          <a:bodyPr wrap="square" rtlCol="0">
+            <a:spAutoFit/>
+          </a:bodyPr>
+          <a:lstStyle/>
+          <a:p>
+            <a:pPr algn="ctr"/>
+            <a:r>
+              <a:rPr lang="en-US" altLang="ko-KR" sz="1400"/>
+              <a:t>Network</a:t>
+            </a:r>
+            <a:endParaRPr lang="ko-KR" altLang="en-US" sz="1400"/>
+          </a:p>
+        </p:txBody>
+      </p:sp>
+      <p:sp>
+        <p:nvSpPr>
+          <p:cNvPr id="50" name="TextBox 49">
+            <a:extLst>
+              <a:ext uri="{FF2B5EF4-FFF2-40B4-BE49-F238E27FC236}">
+                <a16:creationId xmlns:a16="http://schemas.microsoft.com/office/drawing/2014/main" id="{77BE74C9-45E7-49F7-9F0A-D75A513D507D}"/>
+              </a:ext>
+            </a:extLst>
+          </p:cNvPr>
+          <p:cNvSpPr txBox="1"/>
+          <p:nvPr/>
+        </p:nvSpPr>
+        <p:spPr>
+          <a:xfrm>
+            <a:off x="8197056" y="1075101"/>
+            <a:ext cx="946944" cy="307777"/>
+          </a:xfrm>
+          <a:prstGeom prst="rect">
+            <a:avLst/>
+          </a:prstGeom>
+          <a:noFill/>
+        </p:spPr>
+        <p:txBody>
+          <a:bodyPr wrap="square" rtlCol="0">
+            <a:spAutoFit/>
+          </a:bodyPr>
+          <a:lstStyle/>
+          <a:p>
+            <a:pPr algn="ctr"/>
+            <a:r>
+              <a:rPr lang="en-US" altLang="ko-KR" sz="1400"/>
+              <a:t>Network</a:t>
+            </a:r>
+            <a:endParaRPr lang="ko-KR" altLang="en-US" sz="1400"/>
+          </a:p>
+        </p:txBody>
+      </p:sp>
+      <p:sp>
+        <p:nvSpPr>
+          <p:cNvPr id="54" name="TextBox 53">
+            <a:extLst>
+              <a:ext uri="{FF2B5EF4-FFF2-40B4-BE49-F238E27FC236}">
+                <a16:creationId xmlns:a16="http://schemas.microsoft.com/office/drawing/2014/main" id="{8F8374EE-8EC1-4523-9F36-8936766784F7}"/>
+              </a:ext>
+            </a:extLst>
+          </p:cNvPr>
+          <p:cNvSpPr txBox="1"/>
+          <p:nvPr/>
+        </p:nvSpPr>
+        <p:spPr>
+          <a:xfrm>
+            <a:off x="2663632" y="3507854"/>
+            <a:ext cx="1440472" cy="523220"/>
+          </a:xfrm>
+          <a:prstGeom prst="rect">
+            <a:avLst/>
+          </a:prstGeom>
+          <a:noFill/>
+        </p:spPr>
+        <p:txBody>
+          <a:bodyPr wrap="square" rtlCol="0">
+            <a:spAutoFit/>
+          </a:bodyPr>
+          <a:lstStyle/>
+          <a:p>
+            <a:pPr algn="ctr"/>
+            <a:r>
+              <a:rPr lang="en-US" altLang="ko-KR" sz="1400"/>
+              <a:t>Process</a:t>
+            </a:r>
+          </a:p>
+          <a:p>
+            <a:pPr algn="ctr"/>
+            <a:r>
+              <a:rPr lang="en-US" altLang="ko-KR" sz="1400"/>
+              <a:t>(Server, Client)</a:t>
+            </a:r>
+            <a:endParaRPr lang="ko-KR" altLang="en-US" sz="1400"/>
+          </a:p>
+        </p:txBody>
+      </p:sp>
+      <p:cxnSp>
+        <p:nvCxnSpPr>
+          <p:cNvPr id="55" name="직선 화살표 연결선 54">
+            <a:extLst>
+              <a:ext uri="{FF2B5EF4-FFF2-40B4-BE49-F238E27FC236}">
+                <a16:creationId xmlns:a16="http://schemas.microsoft.com/office/drawing/2014/main" id="{3F2D2594-5A9E-4982-B640-5DD31B691B6D}"/>
+              </a:ext>
+            </a:extLst>
+          </p:cNvPr>
+          <p:cNvCxnSpPr>
+            <a:cxnSpLocks/>
+            <a:stCxn id="21" idx="2"/>
+            <a:endCxn id="54" idx="0"/>
+          </p:cNvCxnSpPr>
+          <p:nvPr/>
+        </p:nvCxnSpPr>
+        <p:spPr>
+          <a:xfrm>
+            <a:off x="3383868" y="3301873"/>
+            <a:ext cx="0" cy="245471"/>
+          </a:xfrm>
+          <a:prstGeom prst="straightConnector1">
+            <a:avLst/>
+          </a:prstGeom>
+          <a:ln w="28575">
+            <a:solidFill>
+              <a:schemeClr val="tx1"/>
+            </a:solidFill>
+            <a:headEnd type="none" w="med" len="med"/>
+            <a:tailEnd type="arrow" w="med" len="med"/>
+          </a:ln>
+        </p:spPr>
+        <p:style>
+          <a:lnRef idx="1">
+            <a:schemeClr val="accent1"/>
+          </a:lnRef>
+          <a:fillRef idx="0">
+            <a:schemeClr val="accent1"/>
+          </a:fillRef>
+          <a:effectRef idx="0">
+            <a:schemeClr val="accent1"/>
+          </a:effectRef>
+          <a:fontRef idx="minor">
+            <a:schemeClr val="tx1"/>
+          </a:fontRef>
+        </p:style>
+      </p:cxnSp>
+      <p:cxnSp>
+        <p:nvCxnSpPr>
+          <p:cNvPr id="62" name="직선 화살표 연결선 61">
+            <a:extLst>
+              <a:ext uri="{FF2B5EF4-FFF2-40B4-BE49-F238E27FC236}">
+                <a16:creationId xmlns:a16="http://schemas.microsoft.com/office/drawing/2014/main" id="{065E5E8B-4F0F-4E05-AAE8-314AB0B828BC}"/>
+              </a:ext>
+            </a:extLst>
+          </p:cNvPr>
+          <p:cNvCxnSpPr>
+            <a:cxnSpLocks/>
+            <a:stCxn id="19" idx="3"/>
+            <a:endCxn id="20" idx="1"/>
+          </p:cNvCxnSpPr>
+          <p:nvPr/>
+        </p:nvCxnSpPr>
+        <p:spPr>
+          <a:xfrm>
+            <a:off x="5394424" y="1770083"/>
+            <a:ext cx="1553840" cy="0"/>
+          </a:xfrm>
+          <a:prstGeom prst="straightConnector1">
+            <a:avLst/>
+          </a:prstGeom>
+          <a:ln w="28575">
+            <a:solidFill>
+              <a:schemeClr val="tx1"/>
+            </a:solidFill>
+            <a:headEnd type="none" w="med" len="med"/>
+            <a:tailEnd type="arrow" w="med" len="med"/>
+          </a:ln>
+        </p:spPr>
+        <p:style>
+          <a:lnRef idx="1">
+            <a:schemeClr val="accent1"/>
+          </a:lnRef>
+          <a:fillRef idx="0">
+            <a:schemeClr val="accent1"/>
+          </a:fillRef>
+          <a:effectRef idx="0">
+            <a:schemeClr val="accent1"/>
+          </a:effectRef>
+          <a:fontRef idx="minor">
+            <a:schemeClr val="tx1"/>
+          </a:fontRef>
+        </p:style>
+      </p:cxnSp>
+      <p:cxnSp>
+        <p:nvCxnSpPr>
+          <p:cNvPr id="68" name="직선 화살표 연결선 67">
+            <a:extLst>
+              <a:ext uri="{FF2B5EF4-FFF2-40B4-BE49-F238E27FC236}">
+                <a16:creationId xmlns:a16="http://schemas.microsoft.com/office/drawing/2014/main" id="{DE644C7D-2FE9-4D0D-BF24-5354A59584AE}"/>
+              </a:ext>
+            </a:extLst>
+          </p:cNvPr>
+          <p:cNvCxnSpPr>
+            <a:cxnSpLocks/>
+            <a:stCxn id="22" idx="0"/>
+            <a:endCxn id="67" idx="2"/>
+          </p:cNvCxnSpPr>
+          <p:nvPr/>
+        </p:nvCxnSpPr>
+        <p:spPr>
+          <a:xfrm flipH="1" flipV="1">
+            <a:off x="5883312" y="2240851"/>
+            <a:ext cx="1786" cy="195834"/>
+          </a:xfrm>
+          <a:prstGeom prst="straightConnector1">
+            <a:avLst/>
+          </a:prstGeom>
+          <a:ln w="28575">
+            <a:solidFill>
+              <a:schemeClr val="tx1"/>
+            </a:solidFill>
+            <a:headEnd type="none" w="med" len="med"/>
+            <a:tailEnd type="arrow" w="med" len="med"/>
+          </a:ln>
+        </p:spPr>
+        <p:style>
+          <a:lnRef idx="1">
+            <a:schemeClr val="accent1"/>
+          </a:lnRef>
+          <a:fillRef idx="0">
+            <a:schemeClr val="accent1"/>
+          </a:fillRef>
+          <a:effectRef idx="0">
+            <a:schemeClr val="accent1"/>
+          </a:effectRef>
+          <a:fontRef idx="minor">
+            <a:schemeClr val="tx1"/>
+          </a:fontRef>
+        </p:style>
+      </p:cxnSp>
+      <p:sp>
+        <p:nvSpPr>
+          <p:cNvPr id="72" name="TextBox 71">
+            <a:extLst>
+              <a:ext uri="{FF2B5EF4-FFF2-40B4-BE49-F238E27FC236}">
+                <a16:creationId xmlns:a16="http://schemas.microsoft.com/office/drawing/2014/main" id="{9BFC6D7E-2F08-4D05-92BB-15258229FECE}"/>
+              </a:ext>
+            </a:extLst>
+          </p:cNvPr>
+          <p:cNvSpPr txBox="1"/>
+          <p:nvPr/>
+        </p:nvSpPr>
+        <p:spPr>
+          <a:xfrm>
+            <a:off x="5180186" y="3507854"/>
+            <a:ext cx="1409824" cy="523220"/>
+          </a:xfrm>
+          <a:prstGeom prst="rect">
+            <a:avLst/>
+          </a:prstGeom>
+          <a:noFill/>
+        </p:spPr>
+        <p:txBody>
+          <a:bodyPr wrap="square" rtlCol="0">
+            <a:spAutoFit/>
+          </a:bodyPr>
+          <a:lstStyle/>
+          <a:p>
+            <a:pPr algn="ctr"/>
+            <a:r>
+              <a:rPr lang="en-US" altLang="ko-KR" sz="1400"/>
+              <a:t>Process</a:t>
+            </a:r>
+          </a:p>
+          <a:p>
+            <a:pPr algn="ctr"/>
+            <a:r>
+              <a:rPr lang="en-US" altLang="ko-KR" sz="1400"/>
+              <a:t>(Server, Client)</a:t>
+            </a:r>
+            <a:endParaRPr lang="ko-KR" altLang="en-US" sz="1400"/>
+          </a:p>
+        </p:txBody>
+      </p:sp>
+      <p:cxnSp>
+        <p:nvCxnSpPr>
+          <p:cNvPr id="73" name="직선 화살표 연결선 72">
+            <a:extLst>
+              <a:ext uri="{FF2B5EF4-FFF2-40B4-BE49-F238E27FC236}">
+                <a16:creationId xmlns:a16="http://schemas.microsoft.com/office/drawing/2014/main" id="{20339060-41CC-48F0-847B-792D8A026346}"/>
+              </a:ext>
+            </a:extLst>
+          </p:cNvPr>
+          <p:cNvCxnSpPr>
+            <a:cxnSpLocks/>
+            <a:stCxn id="22" idx="2"/>
+            <a:endCxn id="72" idx="0"/>
+          </p:cNvCxnSpPr>
+          <p:nvPr/>
+        </p:nvCxnSpPr>
+        <p:spPr>
+          <a:xfrm>
+            <a:off x="5885098" y="3301873"/>
+            <a:ext cx="0" cy="245471"/>
+          </a:xfrm>
+          <a:prstGeom prst="straightConnector1">
+            <a:avLst/>
+          </a:prstGeom>
+          <a:ln w="28575">
+            <a:solidFill>
+              <a:schemeClr val="tx1"/>
+            </a:solidFill>
+            <a:headEnd type="arrow" w="med" len="med"/>
+            <a:tailEnd type="none" w="med" len="med"/>
+          </a:ln>
+        </p:spPr>
+        <p:style>
+          <a:lnRef idx="1">
+            <a:schemeClr val="accent1"/>
+          </a:lnRef>
+          <a:fillRef idx="0">
+            <a:schemeClr val="accent1"/>
+          </a:fillRef>
+          <a:effectRef idx="0">
+            <a:schemeClr val="accent1"/>
+          </a:effectRef>
+          <a:fontRef idx="minor">
+            <a:schemeClr val="tx1"/>
+          </a:fontRef>
+        </p:style>
+      </p:cxnSp>
+      <p:sp>
+        <p:nvSpPr>
+          <p:cNvPr id="92" name="직사각형 91">
+            <a:extLst>
+              <a:ext uri="{FF2B5EF4-FFF2-40B4-BE49-F238E27FC236}">
+                <a16:creationId xmlns:a16="http://schemas.microsoft.com/office/drawing/2014/main" id="{B560BBAC-ED7C-4099-99D9-90C3A35F56D1}"/>
+              </a:ext>
+            </a:extLst>
+          </p:cNvPr>
+          <p:cNvSpPr/>
+          <p:nvPr/>
+        </p:nvSpPr>
+        <p:spPr>
+          <a:xfrm>
+            <a:off x="2396576" y="817904"/>
+            <a:ext cx="2020032" cy="359471"/>
+          </a:xfrm>
+          <a:prstGeom prst="rect">
+            <a:avLst/>
+          </a:prstGeom>
+        </p:spPr>
+        <p:style>
+          <a:lnRef idx="2">
+            <a:schemeClr val="dk1"/>
+          </a:lnRef>
+          <a:fillRef idx="1">
+            <a:schemeClr val="lt1"/>
+          </a:fillRef>
+          <a:effectRef idx="0">
+            <a:schemeClr val="dk1"/>
+          </a:effectRef>
+          <a:fontRef idx="minor">
+            <a:schemeClr val="dk1"/>
+          </a:fontRef>
+        </p:style>
+        <p:txBody>
+          <a:bodyPr rtlCol="0" anchor="ctr"/>
+          <a:lstStyle/>
+          <a:p>
+            <a:pPr algn="ctr"/>
+            <a:r>
+              <a:rPr lang="en-US" altLang="ko-KR" sz="1400"/>
+              <a:t>ip_vs_forward_icmp()</a:t>
+            </a:r>
+            <a:endParaRPr lang="ko-KR" altLang="en-US" sz="1400"/>
+          </a:p>
+        </p:txBody>
+      </p:sp>
+      <p:sp>
+        <p:nvSpPr>
+          <p:cNvPr id="93" name="직사각형 92">
+            <a:extLst>
+              <a:ext uri="{FF2B5EF4-FFF2-40B4-BE49-F238E27FC236}">
+                <a16:creationId xmlns:a16="http://schemas.microsoft.com/office/drawing/2014/main" id="{0265D05A-D5BC-43FE-B059-DEE3D88154DA}"/>
+              </a:ext>
+            </a:extLst>
+          </p:cNvPr>
+          <p:cNvSpPr/>
+          <p:nvPr/>
+        </p:nvSpPr>
+        <p:spPr>
+          <a:xfrm>
+            <a:off x="4856224" y="809276"/>
+            <a:ext cx="2020032" cy="359471"/>
+          </a:xfrm>
+          <a:prstGeom prst="rect">
+            <a:avLst/>
+          </a:prstGeom>
+        </p:spPr>
+        <p:style>
+          <a:lnRef idx="2">
+            <a:schemeClr val="dk1"/>
+          </a:lnRef>
+          <a:fillRef idx="1">
+            <a:schemeClr val="lt1"/>
+          </a:fillRef>
+          <a:effectRef idx="0">
+            <a:schemeClr val="dk1"/>
+          </a:effectRef>
+          <a:fontRef idx="minor">
+            <a:schemeClr val="dk1"/>
+          </a:fontRef>
+        </p:style>
+        <p:txBody>
+          <a:bodyPr rtlCol="0" anchor="ctr"/>
+          <a:lstStyle/>
+          <a:p>
+            <a:pPr algn="ctr"/>
+            <a:r>
+              <a:rPr lang="en-US" altLang="ko-KR" sz="1400"/>
+              <a:t>ip_vs_reply()</a:t>
+            </a:r>
+            <a:endParaRPr lang="ko-KR" altLang="en-US" sz="1400"/>
+          </a:p>
+        </p:txBody>
+      </p:sp>
+      <p:cxnSp>
+        <p:nvCxnSpPr>
+          <p:cNvPr id="98" name="직선 화살표 연결선 97">
+            <a:extLst>
+              <a:ext uri="{FF2B5EF4-FFF2-40B4-BE49-F238E27FC236}">
+                <a16:creationId xmlns:a16="http://schemas.microsoft.com/office/drawing/2014/main" id="{40FF2B3D-F116-4D4A-88DF-F87E3C4EEA4C}"/>
+              </a:ext>
+            </a:extLst>
+          </p:cNvPr>
+          <p:cNvCxnSpPr>
+            <a:cxnSpLocks/>
+            <a:stCxn id="93" idx="2"/>
+          </p:cNvCxnSpPr>
+          <p:nvPr/>
+        </p:nvCxnSpPr>
+        <p:spPr>
+          <a:xfrm flipH="1">
+            <a:off x="5004048" y="1168747"/>
+            <a:ext cx="862192" cy="616724"/>
+          </a:xfrm>
+          <a:prstGeom prst="straightConnector1">
+            <a:avLst/>
+          </a:prstGeom>
+          <a:ln w="28575">
+            <a:solidFill>
+              <a:schemeClr val="tx1"/>
+            </a:solidFill>
+            <a:headEnd type="arrow" w="med" len="med"/>
+            <a:tailEnd type="arrow" w="med" len="med"/>
+          </a:ln>
+        </p:spPr>
+        <p:style>
+          <a:lnRef idx="1">
+            <a:schemeClr val="accent1"/>
+          </a:lnRef>
+          <a:fillRef idx="0">
+            <a:schemeClr val="accent1"/>
+          </a:fillRef>
+          <a:effectRef idx="0">
+            <a:schemeClr val="accent1"/>
+          </a:effectRef>
+          <a:fontRef idx="minor">
+            <a:schemeClr val="tx1"/>
+          </a:fontRef>
+        </p:style>
+      </p:cxnSp>
+      <p:sp>
+        <p:nvSpPr>
+          <p:cNvPr id="112" name="직사각형 111">
+            <a:extLst>
+              <a:ext uri="{FF2B5EF4-FFF2-40B4-BE49-F238E27FC236}">
+                <a16:creationId xmlns:a16="http://schemas.microsoft.com/office/drawing/2014/main" id="{0E385DCB-2F2B-4E35-A0A6-6B265C190707}"/>
+              </a:ext>
+            </a:extLst>
+          </p:cNvPr>
+          <p:cNvSpPr/>
+          <p:nvPr/>
+        </p:nvSpPr>
+        <p:spPr>
+          <a:xfrm>
+            <a:off x="421366" y="3266176"/>
+            <a:ext cx="2020032" cy="359471"/>
+          </a:xfrm>
+          <a:prstGeom prst="rect">
+            <a:avLst/>
+          </a:prstGeom>
+        </p:spPr>
+        <p:style>
+          <a:lnRef idx="2">
+            <a:schemeClr val="dk1"/>
+          </a:lnRef>
+          <a:fillRef idx="1">
+            <a:schemeClr val="lt1"/>
+          </a:fillRef>
+          <a:effectRef idx="0">
+            <a:schemeClr val="dk1"/>
+          </a:effectRef>
+          <a:fontRef idx="minor">
+            <a:schemeClr val="dk1"/>
+          </a:fontRef>
+        </p:style>
+        <p:txBody>
+          <a:bodyPr rtlCol="0" anchor="ctr"/>
+          <a:lstStyle/>
+          <a:p>
+            <a:pPr algn="ctr"/>
+            <a:r>
+              <a:rPr lang="en-US" altLang="ko-KR" sz="1400"/>
+              <a:t>ip_vs_remote_request()</a:t>
+            </a:r>
+            <a:endParaRPr lang="ko-KR" altLang="en-US" sz="1400"/>
+          </a:p>
+        </p:txBody>
+      </p:sp>
+      <p:sp>
+        <p:nvSpPr>
+          <p:cNvPr id="117" name="직사각형 116">
+            <a:extLst>
+              <a:ext uri="{FF2B5EF4-FFF2-40B4-BE49-F238E27FC236}">
+                <a16:creationId xmlns:a16="http://schemas.microsoft.com/office/drawing/2014/main" id="{2676998B-31CD-4C51-9926-F7572907EBFD}"/>
+              </a:ext>
+            </a:extLst>
+          </p:cNvPr>
+          <p:cNvSpPr/>
+          <p:nvPr/>
+        </p:nvSpPr>
+        <p:spPr>
+          <a:xfrm>
+            <a:off x="6660232" y="2113479"/>
+            <a:ext cx="2020032" cy="359471"/>
+          </a:xfrm>
+          <a:prstGeom prst="rect">
+            <a:avLst/>
+          </a:prstGeom>
+        </p:spPr>
+        <p:style>
+          <a:lnRef idx="2">
+            <a:schemeClr val="dk1"/>
+          </a:lnRef>
+          <a:fillRef idx="1">
+            <a:schemeClr val="lt1"/>
+          </a:fillRef>
+          <a:effectRef idx="0">
+            <a:schemeClr val="dk1"/>
+          </a:effectRef>
+          <a:fontRef idx="minor">
+            <a:schemeClr val="dk1"/>
+          </a:fontRef>
+        </p:style>
+        <p:txBody>
+          <a:bodyPr rtlCol="0" anchor="ctr"/>
+          <a:lstStyle/>
+          <a:p>
+            <a:pPr algn="ctr"/>
+            <a:r>
+              <a:rPr lang="en-US" altLang="ko-KR" sz="1400"/>
+              <a:t>ip_vs_local_request()</a:t>
+            </a:r>
+            <a:endParaRPr lang="ko-KR" altLang="en-US" sz="1400"/>
+          </a:p>
+        </p:txBody>
+      </p:sp>
+      <p:sp>
+        <p:nvSpPr>
+          <p:cNvPr id="118" name="직사각형 117">
+            <a:extLst>
+              <a:ext uri="{FF2B5EF4-FFF2-40B4-BE49-F238E27FC236}">
+                <a16:creationId xmlns:a16="http://schemas.microsoft.com/office/drawing/2014/main" id="{013CD8C0-8123-48F8-9BB4-A5890E945D77}"/>
+              </a:ext>
+            </a:extLst>
+          </p:cNvPr>
+          <p:cNvSpPr/>
+          <p:nvPr/>
+        </p:nvSpPr>
+        <p:spPr>
+          <a:xfrm>
+            <a:off x="6660232" y="3259814"/>
+            <a:ext cx="2020032" cy="359471"/>
+          </a:xfrm>
+          <a:prstGeom prst="rect">
+            <a:avLst/>
+          </a:prstGeom>
+        </p:spPr>
+        <p:style>
+          <a:lnRef idx="2">
+            <a:schemeClr val="dk1"/>
+          </a:lnRef>
+          <a:fillRef idx="1">
+            <a:schemeClr val="lt1"/>
+          </a:fillRef>
+          <a:effectRef idx="0">
+            <a:schemeClr val="dk1"/>
+          </a:effectRef>
+          <a:fontRef idx="minor">
+            <a:schemeClr val="dk1"/>
+          </a:fontRef>
+        </p:style>
+        <p:txBody>
+          <a:bodyPr rtlCol="0" anchor="ctr"/>
+          <a:lstStyle/>
+          <a:p>
+            <a:pPr algn="ctr"/>
+            <a:r>
+              <a:rPr lang="en-US" altLang="ko-KR" sz="1400"/>
+              <a:t>ip_vs_local_reply()</a:t>
+            </a:r>
+            <a:endParaRPr lang="ko-KR" altLang="en-US" sz="1400"/>
+          </a:p>
+        </p:txBody>
+      </p:sp>
+      <p:sp>
+        <p:nvSpPr>
+          <p:cNvPr id="130" name="직사각형 129">
+            <a:extLst>
+              <a:ext uri="{FF2B5EF4-FFF2-40B4-BE49-F238E27FC236}">
+                <a16:creationId xmlns:a16="http://schemas.microsoft.com/office/drawing/2014/main" id="{CCCA2423-BEEA-4385-ACF9-064010395AFE}"/>
+              </a:ext>
+            </a:extLst>
+          </p:cNvPr>
+          <p:cNvSpPr/>
+          <p:nvPr/>
+        </p:nvSpPr>
+        <p:spPr>
+          <a:xfrm>
+            <a:off x="438035" y="2108139"/>
+            <a:ext cx="2020032" cy="359471"/>
+          </a:xfrm>
+          <a:prstGeom prst="rect">
+            <a:avLst/>
+          </a:prstGeom>
+        </p:spPr>
+        <p:style>
+          <a:lnRef idx="2">
+            <a:schemeClr val="dk1"/>
+          </a:lnRef>
+          <a:fillRef idx="1">
+            <a:schemeClr val="lt1"/>
+          </a:fillRef>
+          <a:effectRef idx="0">
+            <a:schemeClr val="dk1"/>
+          </a:effectRef>
+          <a:fontRef idx="minor">
+            <a:schemeClr val="dk1"/>
+          </a:fontRef>
+        </p:style>
+        <p:txBody>
+          <a:bodyPr rtlCol="0" anchor="ctr"/>
+          <a:lstStyle/>
+          <a:p>
+            <a:pPr algn="ctr"/>
+            <a:r>
+              <a:rPr lang="en-US" altLang="ko-KR" sz="1400"/>
+              <a:t>ip_vs_reply()</a:t>
+            </a:r>
+            <a:endParaRPr lang="ko-KR" altLang="en-US" sz="1400"/>
+          </a:p>
+        </p:txBody>
+      </p:sp>
+      <p:sp>
+        <p:nvSpPr>
+          <p:cNvPr id="145" name="TextBox 144">
+            <a:extLst>
+              <a:ext uri="{FF2B5EF4-FFF2-40B4-BE49-F238E27FC236}">
+                <a16:creationId xmlns:a16="http://schemas.microsoft.com/office/drawing/2014/main" id="{2DE9283B-0482-4497-A1C7-1176C0D0A167}"/>
+              </a:ext>
+            </a:extLst>
+          </p:cNvPr>
+          <p:cNvSpPr txBox="1"/>
+          <p:nvPr/>
+        </p:nvSpPr>
+        <p:spPr>
+          <a:xfrm>
+            <a:off x="3063260" y="4152422"/>
+            <a:ext cx="1368854" cy="276999"/>
+          </a:xfrm>
+          <a:prstGeom prst="rect">
+            <a:avLst/>
+          </a:prstGeom>
+          <a:noFill/>
+        </p:spPr>
+        <p:txBody>
+          <a:bodyPr wrap="square" rtlCol="0">
+            <a:spAutoFit/>
+          </a:bodyPr>
+          <a:lstStyle/>
+          <a:p>
+            <a:pPr algn="ctr"/>
+            <a:r>
+              <a:rPr lang="en-US" altLang="ko-KR" sz="1200"/>
+              <a:t>ip_vs_reply()</a:t>
+            </a:r>
+            <a:endParaRPr lang="ko-KR" altLang="en-US" sz="1200"/>
+          </a:p>
+        </p:txBody>
+      </p:sp>
+      <p:sp>
+        <p:nvSpPr>
+          <p:cNvPr id="146" name="TextBox 145">
+            <a:extLst>
+              <a:ext uri="{FF2B5EF4-FFF2-40B4-BE49-F238E27FC236}">
+                <a16:creationId xmlns:a16="http://schemas.microsoft.com/office/drawing/2014/main" id="{A8D9DEFE-E52C-471E-8183-C684548F0FFA}"/>
+              </a:ext>
+            </a:extLst>
+          </p:cNvPr>
+          <p:cNvSpPr txBox="1"/>
+          <p:nvPr/>
+        </p:nvSpPr>
+        <p:spPr>
+          <a:xfrm>
+            <a:off x="3063260" y="4454991"/>
+            <a:ext cx="1368854" cy="276999"/>
+          </a:xfrm>
+          <a:prstGeom prst="rect">
+            <a:avLst/>
+          </a:prstGeom>
+          <a:noFill/>
+        </p:spPr>
+        <p:txBody>
+          <a:bodyPr wrap="square" rtlCol="0">
+            <a:spAutoFit/>
+          </a:bodyPr>
+          <a:lstStyle/>
+          <a:p>
+            <a:pPr algn="ctr"/>
+            <a:r>
+              <a:rPr lang="en-US" altLang="ko-KR" sz="1200"/>
+              <a:t>ip_vs_local_reply()</a:t>
+            </a:r>
+            <a:endParaRPr lang="ko-KR" altLang="en-US" sz="1200"/>
+          </a:p>
+        </p:txBody>
+      </p:sp>
+      <p:sp>
+        <p:nvSpPr>
+          <p:cNvPr id="147" name="TextBox 146">
+            <a:extLst>
+              <a:ext uri="{FF2B5EF4-FFF2-40B4-BE49-F238E27FC236}">
+                <a16:creationId xmlns:a16="http://schemas.microsoft.com/office/drawing/2014/main" id="{53A5644C-364B-4622-AC4A-048072F68BF2}"/>
+              </a:ext>
+            </a:extLst>
+          </p:cNvPr>
+          <p:cNvSpPr txBox="1"/>
+          <p:nvPr/>
+        </p:nvSpPr>
+        <p:spPr>
+          <a:xfrm>
+            <a:off x="4892626" y="4306310"/>
+            <a:ext cx="952263" cy="276999"/>
+          </a:xfrm>
+          <a:prstGeom prst="rect">
+            <a:avLst/>
+          </a:prstGeom>
+          <a:noFill/>
+        </p:spPr>
+        <p:txBody>
+          <a:bodyPr wrap="square" rtlCol="0">
+            <a:spAutoFit/>
+          </a:bodyPr>
+          <a:lstStyle/>
+          <a:p>
+            <a:pPr algn="ctr"/>
+            <a:r>
+              <a:rPr lang="en-US" altLang="ko-KR" sz="1200"/>
+              <a:t>ip_vs_out()</a:t>
+            </a:r>
+            <a:endParaRPr lang="ko-KR" altLang="en-US" sz="1200"/>
+          </a:p>
+        </p:txBody>
+      </p:sp>
+      <p:cxnSp>
+        <p:nvCxnSpPr>
+          <p:cNvPr id="148" name="직선 화살표 연결선 147">
+            <a:extLst>
+              <a:ext uri="{FF2B5EF4-FFF2-40B4-BE49-F238E27FC236}">
+                <a16:creationId xmlns:a16="http://schemas.microsoft.com/office/drawing/2014/main" id="{70CA6958-1E3C-483B-ABC6-95957632D534}"/>
+              </a:ext>
+            </a:extLst>
+          </p:cNvPr>
+          <p:cNvCxnSpPr>
+            <a:cxnSpLocks/>
+            <a:stCxn id="145" idx="3"/>
+            <a:endCxn id="147" idx="1"/>
+          </p:cNvCxnSpPr>
+          <p:nvPr/>
+        </p:nvCxnSpPr>
+        <p:spPr>
+          <a:xfrm>
+            <a:off x="4432114" y="4290922"/>
+            <a:ext cx="460512" cy="153888"/>
+          </a:xfrm>
+          <a:prstGeom prst="straightConnector1">
+            <a:avLst/>
+          </a:prstGeom>
+          <a:ln w="28575">
+            <a:solidFill>
+              <a:schemeClr val="tx1"/>
+            </a:solidFill>
+            <a:headEnd type="none" w="med" len="med"/>
+            <a:tailEnd type="arrow" w="med" len="med"/>
+          </a:ln>
+        </p:spPr>
+        <p:style>
+          <a:lnRef idx="1">
+            <a:schemeClr val="accent1"/>
+          </a:lnRef>
+          <a:fillRef idx="0">
+            <a:schemeClr val="accent1"/>
+          </a:fillRef>
+          <a:effectRef idx="0">
+            <a:schemeClr val="accent1"/>
+          </a:effectRef>
+          <a:fontRef idx="minor">
+            <a:schemeClr val="tx1"/>
+          </a:fontRef>
+        </p:style>
+      </p:cxnSp>
+      <p:cxnSp>
+        <p:nvCxnSpPr>
+          <p:cNvPr id="152" name="직선 화살표 연결선 151">
+            <a:extLst>
+              <a:ext uri="{FF2B5EF4-FFF2-40B4-BE49-F238E27FC236}">
+                <a16:creationId xmlns:a16="http://schemas.microsoft.com/office/drawing/2014/main" id="{7428E2FD-C924-45BE-86B5-73B54ECCEF58}"/>
+              </a:ext>
+            </a:extLst>
+          </p:cNvPr>
+          <p:cNvCxnSpPr>
+            <a:cxnSpLocks/>
+            <a:stCxn id="146" idx="3"/>
+            <a:endCxn id="147" idx="1"/>
+          </p:cNvCxnSpPr>
+          <p:nvPr/>
+        </p:nvCxnSpPr>
+        <p:spPr>
+          <a:xfrm flipV="1">
+            <a:off x="4432114" y="4444810"/>
+            <a:ext cx="460512" cy="148681"/>
+          </a:xfrm>
+          <a:prstGeom prst="straightConnector1">
+            <a:avLst/>
+          </a:prstGeom>
+          <a:ln w="28575">
+            <a:solidFill>
+              <a:schemeClr val="tx1"/>
+            </a:solidFill>
+            <a:headEnd type="none" w="med" len="med"/>
+            <a:tailEnd type="arrow" w="med" len="med"/>
+          </a:ln>
+        </p:spPr>
+        <p:style>
+          <a:lnRef idx="1">
+            <a:schemeClr val="accent1"/>
+          </a:lnRef>
+          <a:fillRef idx="0">
+            <a:schemeClr val="accent1"/>
+          </a:fillRef>
+          <a:effectRef idx="0">
+            <a:schemeClr val="accent1"/>
+          </a:effectRef>
+          <a:fontRef idx="minor">
+            <a:schemeClr val="tx1"/>
+          </a:fontRef>
+        </p:style>
+      </p:cxnSp>
+      <p:sp>
+        <p:nvSpPr>
+          <p:cNvPr id="155" name="TextBox 154">
+            <a:extLst>
+              <a:ext uri="{FF2B5EF4-FFF2-40B4-BE49-F238E27FC236}">
+                <a16:creationId xmlns:a16="http://schemas.microsoft.com/office/drawing/2014/main" id="{7CCAB9A0-6AF0-44BA-B42E-1C2D2493BE03}"/>
+              </a:ext>
+            </a:extLst>
+          </p:cNvPr>
+          <p:cNvSpPr txBox="1"/>
+          <p:nvPr/>
+        </p:nvSpPr>
+        <p:spPr>
+          <a:xfrm>
+            <a:off x="62130" y="4152422"/>
+            <a:ext cx="1713066" cy="276999"/>
+          </a:xfrm>
+          <a:prstGeom prst="rect">
+            <a:avLst/>
+          </a:prstGeom>
+          <a:noFill/>
+        </p:spPr>
+        <p:txBody>
+          <a:bodyPr wrap="square" rtlCol="0">
+            <a:spAutoFit/>
+          </a:bodyPr>
+          <a:lstStyle/>
+          <a:p>
+            <a:pPr algn="ctr"/>
+            <a:r>
+              <a:rPr lang="en-US" altLang="ko-KR" sz="1200"/>
+              <a:t>ip_vs_remote_request()</a:t>
+            </a:r>
+            <a:endParaRPr lang="ko-KR" altLang="en-US" sz="1200"/>
+          </a:p>
+        </p:txBody>
+      </p:sp>
+      <p:sp>
+        <p:nvSpPr>
+          <p:cNvPr id="156" name="TextBox 155">
+            <a:extLst>
+              <a:ext uri="{FF2B5EF4-FFF2-40B4-BE49-F238E27FC236}">
+                <a16:creationId xmlns:a16="http://schemas.microsoft.com/office/drawing/2014/main" id="{765B2FF3-4430-48FE-96A4-28BD20D840D5}"/>
+              </a:ext>
+            </a:extLst>
+          </p:cNvPr>
+          <p:cNvSpPr txBox="1"/>
+          <p:nvPr/>
+        </p:nvSpPr>
+        <p:spPr>
+          <a:xfrm>
+            <a:off x="62130" y="4454991"/>
+            <a:ext cx="1713066" cy="276999"/>
+          </a:xfrm>
+          <a:prstGeom prst="rect">
+            <a:avLst/>
+          </a:prstGeom>
+          <a:noFill/>
+        </p:spPr>
+        <p:txBody>
+          <a:bodyPr wrap="square" rtlCol="0">
+            <a:spAutoFit/>
+          </a:bodyPr>
+          <a:lstStyle/>
+          <a:p>
+            <a:pPr algn="ctr"/>
+            <a:r>
+              <a:rPr lang="en-US" altLang="ko-KR" sz="1200"/>
+              <a:t>ip_vs_local_request()</a:t>
+            </a:r>
+            <a:endParaRPr lang="ko-KR" altLang="en-US" sz="1200"/>
+          </a:p>
+        </p:txBody>
+      </p:sp>
+      <p:sp>
+        <p:nvSpPr>
+          <p:cNvPr id="157" name="TextBox 156">
+            <a:extLst>
+              <a:ext uri="{FF2B5EF4-FFF2-40B4-BE49-F238E27FC236}">
+                <a16:creationId xmlns:a16="http://schemas.microsoft.com/office/drawing/2014/main" id="{739B99C0-1D99-4DF9-91E4-A10322EDE26C}"/>
+              </a:ext>
+            </a:extLst>
+          </p:cNvPr>
+          <p:cNvSpPr txBox="1"/>
+          <p:nvPr/>
+        </p:nvSpPr>
+        <p:spPr>
+          <a:xfrm>
+            <a:off x="2165602" y="4306310"/>
+            <a:ext cx="952263" cy="276999"/>
+          </a:xfrm>
+          <a:prstGeom prst="rect">
+            <a:avLst/>
+          </a:prstGeom>
+          <a:noFill/>
+        </p:spPr>
+        <p:txBody>
+          <a:bodyPr wrap="square" rtlCol="0">
+            <a:spAutoFit/>
+          </a:bodyPr>
+          <a:lstStyle/>
+          <a:p>
+            <a:pPr algn="ctr"/>
+            <a:r>
+              <a:rPr lang="en-US" altLang="ko-KR" sz="1200"/>
+              <a:t>ip_vs_in()</a:t>
+            </a:r>
+            <a:endParaRPr lang="ko-KR" altLang="en-US" sz="1200"/>
+          </a:p>
+        </p:txBody>
+      </p:sp>
+      <p:cxnSp>
+        <p:nvCxnSpPr>
+          <p:cNvPr id="158" name="직선 화살표 연결선 157">
+            <a:extLst>
+              <a:ext uri="{FF2B5EF4-FFF2-40B4-BE49-F238E27FC236}">
+                <a16:creationId xmlns:a16="http://schemas.microsoft.com/office/drawing/2014/main" id="{45778CE2-28E7-474A-971B-2DD8DC7DDEBD}"/>
+              </a:ext>
+            </a:extLst>
+          </p:cNvPr>
+          <p:cNvCxnSpPr>
+            <a:cxnSpLocks/>
+            <a:stCxn id="155" idx="3"/>
+          </p:cNvCxnSpPr>
+          <p:nvPr/>
+        </p:nvCxnSpPr>
+        <p:spPr>
+          <a:xfrm>
+            <a:off x="1775196" y="4290922"/>
+            <a:ext cx="460512" cy="153888"/>
+          </a:xfrm>
+          <a:prstGeom prst="straightConnector1">
+            <a:avLst/>
+          </a:prstGeom>
+          <a:ln w="28575">
+            <a:solidFill>
+              <a:schemeClr val="tx1"/>
+            </a:solidFill>
+            <a:headEnd type="none" w="med" len="med"/>
+            <a:tailEnd type="arrow" w="med" len="med"/>
+          </a:ln>
+        </p:spPr>
+        <p:style>
+          <a:lnRef idx="1">
+            <a:schemeClr val="accent1"/>
+          </a:lnRef>
+          <a:fillRef idx="0">
+            <a:schemeClr val="accent1"/>
+          </a:fillRef>
+          <a:effectRef idx="0">
+            <a:schemeClr val="accent1"/>
+          </a:effectRef>
+          <a:fontRef idx="minor">
+            <a:schemeClr val="tx1"/>
+          </a:fontRef>
+        </p:style>
+      </p:cxnSp>
+      <p:cxnSp>
+        <p:nvCxnSpPr>
+          <p:cNvPr id="159" name="직선 화살표 연결선 158">
+            <a:extLst>
+              <a:ext uri="{FF2B5EF4-FFF2-40B4-BE49-F238E27FC236}">
+                <a16:creationId xmlns:a16="http://schemas.microsoft.com/office/drawing/2014/main" id="{2CBE2300-A418-492D-9C58-EC75A64763CC}"/>
+              </a:ext>
+            </a:extLst>
+          </p:cNvPr>
+          <p:cNvCxnSpPr>
+            <a:cxnSpLocks/>
+            <a:stCxn id="156" idx="3"/>
+          </p:cNvCxnSpPr>
+          <p:nvPr/>
+        </p:nvCxnSpPr>
+        <p:spPr>
+          <a:xfrm flipV="1">
+            <a:off x="1775196" y="4444810"/>
+            <a:ext cx="460512" cy="148681"/>
+          </a:xfrm>
+          <a:prstGeom prst="straightConnector1">
+            <a:avLst/>
+          </a:prstGeom>
+          <a:ln w="28575">
+            <a:solidFill>
+              <a:schemeClr val="tx1"/>
+            </a:solidFill>
+            <a:headEnd type="none" w="med" len="med"/>
+            <a:tailEnd type="arrow" w="med" len="med"/>
+          </a:ln>
+        </p:spPr>
+        <p:style>
+          <a:lnRef idx="1">
+            <a:schemeClr val="accent1"/>
+          </a:lnRef>
+          <a:fillRef idx="0">
+            <a:schemeClr val="accent1"/>
+          </a:fillRef>
+          <a:effectRef idx="0">
+            <a:schemeClr val="accent1"/>
+          </a:effectRef>
+          <a:fontRef idx="minor">
+            <a:schemeClr val="tx1"/>
+          </a:fontRef>
+        </p:style>
+      </p:cxnSp>
+      <p:sp>
+        <p:nvSpPr>
+          <p:cNvPr id="53" name="TextBox 52">
+            <a:extLst>
+              <a:ext uri="{FF2B5EF4-FFF2-40B4-BE49-F238E27FC236}">
+                <a16:creationId xmlns:a16="http://schemas.microsoft.com/office/drawing/2014/main" id="{179E5073-B296-4111-B482-7C459BB4CD71}"/>
+              </a:ext>
+            </a:extLst>
+          </p:cNvPr>
+          <p:cNvSpPr txBox="1"/>
+          <p:nvPr/>
+        </p:nvSpPr>
+        <p:spPr>
+          <a:xfrm>
+            <a:off x="5752785" y="4306309"/>
+            <a:ext cx="1713066" cy="276999"/>
+          </a:xfrm>
+          <a:prstGeom prst="rect">
+            <a:avLst/>
+          </a:prstGeom>
+          <a:noFill/>
+        </p:spPr>
+        <p:txBody>
+          <a:bodyPr wrap="square" rtlCol="0">
+            <a:spAutoFit/>
+          </a:bodyPr>
+          <a:lstStyle/>
+          <a:p>
+            <a:pPr algn="ctr"/>
+            <a:r>
+              <a:rPr lang="en-US" altLang="ko-KR" sz="1200"/>
+              <a:t>ip_vs_forward_icmp()</a:t>
+            </a:r>
+            <a:endParaRPr lang="ko-KR" altLang="en-US" sz="1200"/>
+          </a:p>
+        </p:txBody>
+      </p:sp>
+      <p:sp>
+        <p:nvSpPr>
+          <p:cNvPr id="57" name="TextBox 56">
+            <a:extLst>
+              <a:ext uri="{FF2B5EF4-FFF2-40B4-BE49-F238E27FC236}">
+                <a16:creationId xmlns:a16="http://schemas.microsoft.com/office/drawing/2014/main" id="{6E640A42-11AB-4A64-A564-48E46DF3C682}"/>
+              </a:ext>
+            </a:extLst>
+          </p:cNvPr>
+          <p:cNvSpPr txBox="1"/>
+          <p:nvPr/>
+        </p:nvSpPr>
+        <p:spPr>
+          <a:xfrm>
+            <a:off x="7926363" y="4306310"/>
+            <a:ext cx="1182141" cy="276999"/>
+          </a:xfrm>
+          <a:prstGeom prst="rect">
+            <a:avLst/>
+          </a:prstGeom>
+          <a:noFill/>
+        </p:spPr>
+        <p:txBody>
+          <a:bodyPr wrap="square" rtlCol="0">
+            <a:spAutoFit/>
+          </a:bodyPr>
+          <a:lstStyle/>
+          <a:p>
+            <a:pPr algn="ctr"/>
+            <a:r>
+              <a:rPr lang="en-US" altLang="ko-KR" sz="1200"/>
+              <a:t>ip_vs_in_icmp()</a:t>
+            </a:r>
+            <a:endParaRPr lang="ko-KR" altLang="en-US" sz="1200"/>
+          </a:p>
+        </p:txBody>
+      </p:sp>
+      <p:cxnSp>
+        <p:nvCxnSpPr>
+          <p:cNvPr id="58" name="직선 화살표 연결선 57">
+            <a:extLst>
+              <a:ext uri="{FF2B5EF4-FFF2-40B4-BE49-F238E27FC236}">
+                <a16:creationId xmlns:a16="http://schemas.microsoft.com/office/drawing/2014/main" id="{060598FE-00C5-491B-AA22-548F3D957BC1}"/>
+              </a:ext>
+            </a:extLst>
+          </p:cNvPr>
+          <p:cNvCxnSpPr>
+            <a:cxnSpLocks/>
+            <a:stCxn id="53" idx="3"/>
+            <a:endCxn id="57" idx="1"/>
+          </p:cNvCxnSpPr>
+          <p:nvPr/>
+        </p:nvCxnSpPr>
+        <p:spPr>
+          <a:xfrm>
+            <a:off x="7465851" y="4444809"/>
+            <a:ext cx="460512" cy="1"/>
+          </a:xfrm>
+          <a:prstGeom prst="straightConnector1">
+            <a:avLst/>
+          </a:prstGeom>
+          <a:ln w="28575">
+            <a:solidFill>
+              <a:schemeClr val="tx1"/>
+            </a:solidFill>
+            <a:headEnd type="none" w="med" len="med"/>
+            <a:tailEnd type="arrow" w="med" len="med"/>
+          </a:ln>
+        </p:spPr>
+        <p:style>
+          <a:lnRef idx="1">
+            <a:schemeClr val="accent1"/>
+          </a:lnRef>
+          <a:fillRef idx="0">
+            <a:schemeClr val="accent1"/>
+          </a:fillRef>
+          <a:effectRef idx="0">
+            <a:schemeClr val="accent1"/>
+          </a:effectRef>
+          <a:fontRef idx="minor">
+            <a:schemeClr val="tx1"/>
+          </a:fontRef>
+        </p:style>
+      </p:cxnSp>
+      <p:sp>
+        <p:nvSpPr>
+          <p:cNvPr id="69" name="사각형: 둥근 모서리 68">
+            <a:extLst>
+              <a:ext uri="{FF2B5EF4-FFF2-40B4-BE49-F238E27FC236}">
+                <a16:creationId xmlns:a16="http://schemas.microsoft.com/office/drawing/2014/main" id="{DC3A1FAC-9044-4155-A0AB-73AA5D8B9C10}"/>
+              </a:ext>
+            </a:extLst>
+          </p:cNvPr>
+          <p:cNvSpPr/>
+          <p:nvPr/>
+        </p:nvSpPr>
+        <p:spPr>
+          <a:xfrm>
+            <a:off x="3955578" y="1485280"/>
+            <a:ext cx="616422" cy="366385"/>
+          </a:xfrm>
+          <a:prstGeom prst="roundRect">
+            <a:avLst/>
+          </a:prstGeom>
+        </p:spPr>
+        <p:style>
+          <a:lnRef idx="2">
+            <a:schemeClr val="dk1"/>
+          </a:lnRef>
+          <a:fillRef idx="1">
+            <a:schemeClr val="lt1"/>
+          </a:fillRef>
+          <a:effectRef idx="0">
+            <a:schemeClr val="dk1"/>
+          </a:effectRef>
+          <a:fontRef idx="minor">
+            <a:schemeClr val="dk1"/>
+          </a:fontRef>
+        </p:style>
+        <p:txBody>
+          <a:bodyPr rtlCol="0" anchor="ctr"/>
+          <a:lstStyle/>
+          <a:p>
+            <a:pPr algn="ctr"/>
+            <a:r>
+              <a:rPr lang="en-US" altLang="ko-KR" sz="1200"/>
+              <a:t>Filter Table</a:t>
+            </a:r>
+            <a:endParaRPr lang="ko-KR" altLang="en-US" sz="1200"/>
+          </a:p>
+        </p:txBody>
+      </p:sp>
+      <p:cxnSp>
+        <p:nvCxnSpPr>
+          <p:cNvPr id="94" name="직선 화살표 연결선 93">
+            <a:extLst>
+              <a:ext uri="{FF2B5EF4-FFF2-40B4-BE49-F238E27FC236}">
+                <a16:creationId xmlns:a16="http://schemas.microsoft.com/office/drawing/2014/main" id="{7732E26D-5477-4D75-BCD2-40A603E86061}"/>
+              </a:ext>
+            </a:extLst>
+          </p:cNvPr>
+          <p:cNvCxnSpPr>
+            <a:cxnSpLocks/>
+            <a:stCxn id="92" idx="2"/>
+          </p:cNvCxnSpPr>
+          <p:nvPr/>
+        </p:nvCxnSpPr>
+        <p:spPr>
+          <a:xfrm>
+            <a:off x="3406592" y="1177375"/>
+            <a:ext cx="1449632" cy="602890"/>
+          </a:xfrm>
+          <a:prstGeom prst="straightConnector1">
+            <a:avLst/>
+          </a:prstGeom>
+          <a:ln w="28575">
+            <a:solidFill>
+              <a:schemeClr val="tx1"/>
+            </a:solidFill>
+            <a:headEnd type="arrow" w="med" len="med"/>
+            <a:tailEnd type="arrow" w="med" len="med"/>
+          </a:ln>
+        </p:spPr>
+        <p:style>
+          <a:lnRef idx="1">
+            <a:schemeClr val="accent1"/>
+          </a:lnRef>
+          <a:fillRef idx="0">
+            <a:schemeClr val="accent1"/>
+          </a:fillRef>
+          <a:effectRef idx="0">
+            <a:schemeClr val="accent1"/>
+          </a:effectRef>
+          <a:fontRef idx="minor">
+            <a:schemeClr val="tx1"/>
+          </a:fontRef>
+        </p:style>
+      </p:cxnSp>
+      <p:sp>
+        <p:nvSpPr>
+          <p:cNvPr id="90" name="사각형: 둥근 모서리 89">
+            <a:extLst>
+              <a:ext uri="{FF2B5EF4-FFF2-40B4-BE49-F238E27FC236}">
+                <a16:creationId xmlns:a16="http://schemas.microsoft.com/office/drawing/2014/main" id="{27CC3C0F-D7C9-420F-971B-D41EDDE17F74}"/>
+              </a:ext>
+            </a:extLst>
+          </p:cNvPr>
+          <p:cNvSpPr/>
+          <p:nvPr/>
+        </p:nvSpPr>
+        <p:spPr>
+          <a:xfrm>
+            <a:off x="2767214" y="2499743"/>
+            <a:ext cx="1228722" cy="232668"/>
+          </a:xfrm>
+          <a:prstGeom prst="roundRect">
+            <a:avLst/>
+          </a:prstGeom>
+        </p:spPr>
+        <p:style>
+          <a:lnRef idx="2">
+            <a:schemeClr val="dk1"/>
+          </a:lnRef>
+          <a:fillRef idx="1">
+            <a:schemeClr val="lt1"/>
+          </a:fillRef>
+          <a:effectRef idx="0">
+            <a:schemeClr val="dk1"/>
+          </a:effectRef>
+          <a:fontRef idx="minor">
+            <a:schemeClr val="dk1"/>
+          </a:fontRef>
+        </p:style>
+        <p:txBody>
+          <a:bodyPr rtlCol="0" anchor="ctr"/>
+          <a:lstStyle/>
+          <a:p>
+            <a:pPr algn="ctr"/>
+            <a:r>
+              <a:rPr lang="en-US" altLang="ko-KR" sz="1200"/>
+              <a:t>Filter Table</a:t>
+            </a:r>
+            <a:endParaRPr lang="ko-KR" altLang="en-US" sz="1200"/>
+          </a:p>
+        </p:txBody>
+      </p:sp>
+      <p:sp>
+        <p:nvSpPr>
+          <p:cNvPr id="111" name="사각형: 둥근 모서리 110">
+            <a:extLst>
+              <a:ext uri="{FF2B5EF4-FFF2-40B4-BE49-F238E27FC236}">
+                <a16:creationId xmlns:a16="http://schemas.microsoft.com/office/drawing/2014/main" id="{E659FF75-A499-4AD6-B592-26FF54058DDA}"/>
+              </a:ext>
+            </a:extLst>
+          </p:cNvPr>
+          <p:cNvSpPr/>
+          <p:nvPr/>
+        </p:nvSpPr>
+        <p:spPr>
+          <a:xfrm>
+            <a:off x="5241406" y="2771130"/>
+            <a:ext cx="1274810" cy="232668"/>
+          </a:xfrm>
+          <a:prstGeom prst="roundRect">
+            <a:avLst/>
+          </a:prstGeom>
+        </p:spPr>
+        <p:style>
+          <a:lnRef idx="2">
+            <a:schemeClr val="dk1"/>
+          </a:lnRef>
+          <a:fillRef idx="1">
+            <a:schemeClr val="lt1"/>
+          </a:fillRef>
+          <a:effectRef idx="0">
+            <a:schemeClr val="dk1"/>
+          </a:effectRef>
+          <a:fontRef idx="minor">
+            <a:schemeClr val="dk1"/>
+          </a:fontRef>
+        </p:style>
+        <p:txBody>
+          <a:bodyPr rtlCol="0" anchor="ctr"/>
+          <a:lstStyle/>
+          <a:p>
+            <a:pPr algn="ctr"/>
+            <a:r>
+              <a:rPr lang="en-US" altLang="ko-KR" sz="1200"/>
+              <a:t>Mangle Table</a:t>
+            </a:r>
+            <a:endParaRPr lang="ko-KR" altLang="en-US" sz="1200"/>
+          </a:p>
+        </p:txBody>
+      </p:sp>
+      <p:cxnSp>
+        <p:nvCxnSpPr>
+          <p:cNvPr id="119" name="직선 화살표 연결선 118">
+            <a:extLst>
+              <a:ext uri="{FF2B5EF4-FFF2-40B4-BE49-F238E27FC236}">
+                <a16:creationId xmlns:a16="http://schemas.microsoft.com/office/drawing/2014/main" id="{101335BC-1315-4538-9FBF-91AE6AD3EDAC}"/>
+              </a:ext>
+            </a:extLst>
+          </p:cNvPr>
+          <p:cNvCxnSpPr>
+            <a:cxnSpLocks/>
+            <a:stCxn id="112" idx="0"/>
+          </p:cNvCxnSpPr>
+          <p:nvPr/>
+        </p:nvCxnSpPr>
+        <p:spPr>
+          <a:xfrm flipV="1">
+            <a:off x="1431382" y="2954255"/>
+            <a:ext cx="1952486" cy="311921"/>
+          </a:xfrm>
+          <a:prstGeom prst="straightConnector1">
+            <a:avLst/>
+          </a:prstGeom>
+          <a:ln w="28575">
+            <a:solidFill>
+              <a:schemeClr val="tx1"/>
+            </a:solidFill>
+            <a:headEnd type="arrow" w="med" len="med"/>
+            <a:tailEnd type="arrow" w="med" len="med"/>
+          </a:ln>
+        </p:spPr>
+        <p:style>
+          <a:lnRef idx="1">
+            <a:schemeClr val="accent1"/>
+          </a:lnRef>
+          <a:fillRef idx="0">
+            <a:schemeClr val="accent1"/>
+          </a:fillRef>
+          <a:effectRef idx="0">
+            <a:schemeClr val="accent1"/>
+          </a:effectRef>
+          <a:fontRef idx="minor">
+            <a:schemeClr val="tx1"/>
+          </a:fontRef>
+        </p:style>
+      </p:cxnSp>
+      <p:cxnSp>
+        <p:nvCxnSpPr>
+          <p:cNvPr id="134" name="직선 화살표 연결선 133">
+            <a:extLst>
+              <a:ext uri="{FF2B5EF4-FFF2-40B4-BE49-F238E27FC236}">
+                <a16:creationId xmlns:a16="http://schemas.microsoft.com/office/drawing/2014/main" id="{F6DB1E37-DD1B-48DA-B3B4-BD9246CC62F8}"/>
+              </a:ext>
+            </a:extLst>
+          </p:cNvPr>
+          <p:cNvCxnSpPr>
+            <a:cxnSpLocks/>
+            <a:stCxn id="130" idx="2"/>
+          </p:cNvCxnSpPr>
+          <p:nvPr/>
+        </p:nvCxnSpPr>
+        <p:spPr>
+          <a:xfrm>
+            <a:off x="1448051" y="2467610"/>
             <a:ext cx="1935817" cy="359471"/>
           </a:xfrm>
           <a:prstGeom prst="straightConnector1">
@@ -6608,7 +9239,7 @@
     </p:spTree>
     <p:extLst>
       <p:ext uri="{BB962C8B-B14F-4D97-AF65-F5344CB8AC3E}">
-        <p14:creationId xmlns:p14="http://schemas.microsoft.com/office/powerpoint/2010/main" val="2785787533"/>
+        <p14:creationId xmlns:p14="http://schemas.microsoft.com/office/powerpoint/2010/main" val="3552954837"/>
       </p:ext>
     </p:extLst>
   </p:cSld>
